--- a/Proyecto/Python.pptx
+++ b/Proyecto/Python.pptx
@@ -2,7 +2,7 @@
 <file path=ppt/presentation.xml><?xml version="1.0" encoding="utf-8"?>
 <p:presentation xmlns:a="http://schemas.openxmlformats.org/drawingml/2006/main" xmlns:r="http://schemas.openxmlformats.org/officeDocument/2006/relationships" xmlns:p="http://schemas.openxmlformats.org/presentationml/2006/main" saveSubsetFonts="1">
   <p:sldMasterIdLst>
-    <p:sldMasterId id="2147483648" r:id="rId1"/>
+    <p:sldMasterId id="2147483694" r:id="rId1"/>
   </p:sldMasterIdLst>
   <p:sldIdLst>
     <p:sldId id="256" r:id="rId2"/>
@@ -12,14 +12,15 @@
     <p:sldId id="260" r:id="rId6"/>
     <p:sldId id="261" r:id="rId7"/>
     <p:sldId id="262" r:id="rId8"/>
+    <p:sldId id="263" r:id="rId9"/>
   </p:sldIdLst>
   <p:sldSz cx="12192000" cy="6858000"/>
   <p:notesSz cx="6858000" cy="9144000"/>
   <p:defaultTextStyle>
     <a:defPPr>
-      <a:defRPr lang="es-MX"/>
+      <a:defRPr lang="en-US"/>
     </a:defPPr>
-    <a:lvl1pPr marL="0" algn="l" defTabSz="914400" rtl="0" eaLnBrk="1" latinLnBrk="0" hangingPunct="1">
+    <a:lvl1pPr marL="0" algn="l" defTabSz="457200" rtl="0" eaLnBrk="1" latinLnBrk="0" hangingPunct="1">
       <a:defRPr sz="1800" kern="1200">
         <a:solidFill>
           <a:schemeClr val="tx1"/>
@@ -29,7 +30,7 @@
         <a:cs typeface="+mn-cs"/>
       </a:defRPr>
     </a:lvl1pPr>
-    <a:lvl2pPr marL="457200" algn="l" defTabSz="914400" rtl="0" eaLnBrk="1" latinLnBrk="0" hangingPunct="1">
+    <a:lvl2pPr marL="457200" algn="l" defTabSz="457200" rtl="0" eaLnBrk="1" latinLnBrk="0" hangingPunct="1">
       <a:defRPr sz="1800" kern="1200">
         <a:solidFill>
           <a:schemeClr val="tx1"/>
@@ -39,7 +40,7 @@
         <a:cs typeface="+mn-cs"/>
       </a:defRPr>
     </a:lvl2pPr>
-    <a:lvl3pPr marL="914400" algn="l" defTabSz="914400" rtl="0" eaLnBrk="1" latinLnBrk="0" hangingPunct="1">
+    <a:lvl3pPr marL="914400" algn="l" defTabSz="457200" rtl="0" eaLnBrk="1" latinLnBrk="0" hangingPunct="1">
       <a:defRPr sz="1800" kern="1200">
         <a:solidFill>
           <a:schemeClr val="tx1"/>
@@ -49,7 +50,7 @@
         <a:cs typeface="+mn-cs"/>
       </a:defRPr>
     </a:lvl3pPr>
-    <a:lvl4pPr marL="1371600" algn="l" defTabSz="914400" rtl="0" eaLnBrk="1" latinLnBrk="0" hangingPunct="1">
+    <a:lvl4pPr marL="1371600" algn="l" defTabSz="457200" rtl="0" eaLnBrk="1" latinLnBrk="0" hangingPunct="1">
       <a:defRPr sz="1800" kern="1200">
         <a:solidFill>
           <a:schemeClr val="tx1"/>
@@ -59,7 +60,7 @@
         <a:cs typeface="+mn-cs"/>
       </a:defRPr>
     </a:lvl4pPr>
-    <a:lvl5pPr marL="1828800" algn="l" defTabSz="914400" rtl="0" eaLnBrk="1" latinLnBrk="0" hangingPunct="1">
+    <a:lvl5pPr marL="1828800" algn="l" defTabSz="457200" rtl="0" eaLnBrk="1" latinLnBrk="0" hangingPunct="1">
       <a:defRPr sz="1800" kern="1200">
         <a:solidFill>
           <a:schemeClr val="tx1"/>
@@ -69,7 +70,7 @@
         <a:cs typeface="+mn-cs"/>
       </a:defRPr>
     </a:lvl5pPr>
-    <a:lvl6pPr marL="2286000" algn="l" defTabSz="914400" rtl="0" eaLnBrk="1" latinLnBrk="0" hangingPunct="1">
+    <a:lvl6pPr marL="2286000" algn="l" defTabSz="457200" rtl="0" eaLnBrk="1" latinLnBrk="0" hangingPunct="1">
       <a:defRPr sz="1800" kern="1200">
         <a:solidFill>
           <a:schemeClr val="tx1"/>
@@ -79,7 +80,7 @@
         <a:cs typeface="+mn-cs"/>
       </a:defRPr>
     </a:lvl6pPr>
-    <a:lvl7pPr marL="2743200" algn="l" defTabSz="914400" rtl="0" eaLnBrk="1" latinLnBrk="0" hangingPunct="1">
+    <a:lvl7pPr marL="2743200" algn="l" defTabSz="457200" rtl="0" eaLnBrk="1" latinLnBrk="0" hangingPunct="1">
       <a:defRPr sz="1800" kern="1200">
         <a:solidFill>
           <a:schemeClr val="tx1"/>
@@ -89,7 +90,7 @@
         <a:cs typeface="+mn-cs"/>
       </a:defRPr>
     </a:lvl7pPr>
-    <a:lvl8pPr marL="3200400" algn="l" defTabSz="914400" rtl="0" eaLnBrk="1" latinLnBrk="0" hangingPunct="1">
+    <a:lvl8pPr marL="3200400" algn="l" defTabSz="457200" rtl="0" eaLnBrk="1" latinLnBrk="0" hangingPunct="1">
       <a:defRPr sz="1800" kern="1200">
         <a:solidFill>
           <a:schemeClr val="tx1"/>
@@ -99,7 +100,7 @@
         <a:cs typeface="+mn-cs"/>
       </a:defRPr>
     </a:lvl8pPr>
-    <a:lvl9pPr marL="3657600" algn="l" defTabSz="914400" rtl="0" eaLnBrk="1" latinLnBrk="0" hangingPunct="1">
+    <a:lvl9pPr marL="3657600" algn="l" defTabSz="457200" rtl="0" eaLnBrk="1" latinLnBrk="0" hangingPunct="1">
       <a:defRPr sz="1800" kern="1200">
         <a:solidFill>
           <a:schemeClr val="tx1"/>
@@ -119,8 +120,8 @@
 </file>
 
 <file path=ppt/slideLayouts/slideLayout1.xml><?xml version="1.0" encoding="utf-8"?>
-<p:sldLayout xmlns:a="http://schemas.openxmlformats.org/drawingml/2006/main" xmlns:r="http://schemas.openxmlformats.org/officeDocument/2006/relationships" xmlns:p="http://schemas.openxmlformats.org/presentationml/2006/main" type="title" preserve="1">
-  <p:cSld name="Title Slide">
+<p:sldLayout xmlns:a="http://schemas.openxmlformats.org/drawingml/2006/main" xmlns:r="http://schemas.openxmlformats.org/officeDocument/2006/relationships" xmlns:p="http://schemas.openxmlformats.org/presentationml/2006/main" showMasterSp="0" type="title" preserve="1">
+  <p:cSld name="Diapositiva de título">
     <p:spTree>
       <p:nvGrpSpPr>
         <p:cNvPr id="1" name=""/>
@@ -135,15 +136,541 @@
           <a:chExt cx="0" cy="0"/>
         </a:xfrm>
       </p:grpSpPr>
-      <p:sp>
-        <p:nvSpPr>
-          <p:cNvPr id="2" name="Title 1">
-            <a:extLst>
-              <a:ext uri="{FF2B5EF4-FFF2-40B4-BE49-F238E27FC236}">
-                <a16:creationId xmlns:a16="http://schemas.microsoft.com/office/drawing/2014/main" id="{DC6009F9-4FDC-4D8C-A0E2-F53A53C9AA9A}"/>
-              </a:ext>
-            </a:extLst>
-          </p:cNvPr>
+      <p:grpSp>
+        <p:nvGrpSpPr>
+          <p:cNvPr id="8" name="Group 7"/>
+          <p:cNvGrpSpPr/>
+          <p:nvPr/>
+        </p:nvGrpSpPr>
+        <p:grpSpPr>
+          <a:xfrm>
+            <a:off x="0" y="-8467"/>
+            <a:ext cx="12192000" cy="6866467"/>
+            <a:chOff x="0" y="-8467"/>
+            <a:chExt cx="12192000" cy="6866467"/>
+          </a:xfrm>
+        </p:grpSpPr>
+        <p:cxnSp>
+          <p:nvCxnSpPr>
+            <p:cNvPr id="32" name="Straight Connector 31"/>
+            <p:cNvCxnSpPr/>
+            <p:nvPr/>
+          </p:nvCxnSpPr>
+          <p:spPr>
+            <a:xfrm>
+              <a:off x="9371012" y="0"/>
+              <a:ext cx="1219200" cy="6858000"/>
+            </a:xfrm>
+            <a:prstGeom prst="line">
+              <a:avLst/>
+            </a:prstGeom>
+            <a:ln w="9525">
+              <a:solidFill>
+                <a:schemeClr val="bg1">
+                  <a:lumMod val="85000"/>
+                  <a:lumOff val="15000"/>
+                </a:schemeClr>
+              </a:solidFill>
+            </a:ln>
+          </p:spPr>
+          <p:style>
+            <a:lnRef idx="2">
+              <a:schemeClr val="accent1"/>
+            </a:lnRef>
+            <a:fillRef idx="0">
+              <a:schemeClr val="accent1"/>
+            </a:fillRef>
+            <a:effectRef idx="1">
+              <a:schemeClr val="accent1"/>
+            </a:effectRef>
+            <a:fontRef idx="minor">
+              <a:schemeClr val="tx1"/>
+            </a:fontRef>
+          </p:style>
+        </p:cxnSp>
+        <p:cxnSp>
+          <p:nvCxnSpPr>
+            <p:cNvPr id="21" name="Straight Connector 20"/>
+            <p:cNvCxnSpPr/>
+            <p:nvPr/>
+          </p:nvCxnSpPr>
+          <p:spPr>
+            <a:xfrm flipH="1">
+              <a:off x="7425267" y="3681413"/>
+              <a:ext cx="4763558" cy="3176587"/>
+            </a:xfrm>
+            <a:prstGeom prst="line">
+              <a:avLst/>
+            </a:prstGeom>
+            <a:ln w="9525">
+              <a:solidFill>
+                <a:schemeClr val="bg1">
+                  <a:lumMod val="85000"/>
+                  <a:lumOff val="15000"/>
+                </a:schemeClr>
+              </a:solidFill>
+            </a:ln>
+          </p:spPr>
+          <p:style>
+            <a:lnRef idx="2">
+              <a:schemeClr val="accent1"/>
+            </a:lnRef>
+            <a:fillRef idx="0">
+              <a:schemeClr val="accent1"/>
+            </a:fillRef>
+            <a:effectRef idx="1">
+              <a:schemeClr val="accent1"/>
+            </a:effectRef>
+            <a:fontRef idx="minor">
+              <a:schemeClr val="tx1"/>
+            </a:fontRef>
+          </p:style>
+        </p:cxnSp>
+        <p:sp>
+          <p:nvSpPr>
+            <p:cNvPr id="24" name="Rectangle 23"/>
+            <p:cNvSpPr/>
+            <p:nvPr/>
+          </p:nvSpPr>
+          <p:spPr>
+            <a:xfrm>
+              <a:off x="9181476" y="-8467"/>
+              <a:ext cx="3007349" cy="6866467"/>
+            </a:xfrm>
+            <a:custGeom>
+              <a:avLst/>
+              <a:gdLst/>
+              <a:ahLst/>
+              <a:cxnLst/>
+              <a:rect l="l" t="t" r="r" b="b"/>
+              <a:pathLst>
+                <a:path w="3007349" h="6866467">
+                  <a:moveTo>
+                    <a:pt x="2045532" y="0"/>
+                  </a:moveTo>
+                  <a:lnTo>
+                    <a:pt x="3007349" y="0"/>
+                  </a:lnTo>
+                  <a:lnTo>
+                    <a:pt x="3007349" y="6866467"/>
+                  </a:lnTo>
+                  <a:lnTo>
+                    <a:pt x="0" y="6866467"/>
+                  </a:lnTo>
+                  <a:lnTo>
+                    <a:pt x="2045532" y="0"/>
+                  </a:lnTo>
+                  <a:close/>
+                </a:path>
+              </a:pathLst>
+            </a:custGeom>
+            <a:solidFill>
+              <a:schemeClr val="accent1">
+                <a:alpha val="30000"/>
+              </a:schemeClr>
+            </a:solidFill>
+            <a:ln>
+              <a:noFill/>
+            </a:ln>
+            <a:effectLst/>
+          </p:spPr>
+          <p:style>
+            <a:lnRef idx="1">
+              <a:schemeClr val="accent1"/>
+            </a:lnRef>
+            <a:fillRef idx="3">
+              <a:schemeClr val="accent1"/>
+            </a:fillRef>
+            <a:effectRef idx="2">
+              <a:schemeClr val="accent1"/>
+            </a:effectRef>
+            <a:fontRef idx="minor">
+              <a:schemeClr val="lt1"/>
+            </a:fontRef>
+          </p:style>
+        </p:sp>
+        <p:sp>
+          <p:nvSpPr>
+            <p:cNvPr id="26" name="Rectangle 25"/>
+            <p:cNvSpPr/>
+            <p:nvPr/>
+          </p:nvSpPr>
+          <p:spPr>
+            <a:xfrm>
+              <a:off x="9603442" y="-8467"/>
+              <a:ext cx="2588558" cy="6866467"/>
+            </a:xfrm>
+            <a:custGeom>
+              <a:avLst/>
+              <a:gdLst/>
+              <a:ahLst/>
+              <a:cxnLst/>
+              <a:rect l="l" t="t" r="r" b="b"/>
+              <a:pathLst>
+                <a:path w="2573311" h="6866467">
+                  <a:moveTo>
+                    <a:pt x="0" y="0"/>
+                  </a:moveTo>
+                  <a:lnTo>
+                    <a:pt x="2573311" y="0"/>
+                  </a:lnTo>
+                  <a:lnTo>
+                    <a:pt x="2573311" y="6866467"/>
+                  </a:lnTo>
+                  <a:lnTo>
+                    <a:pt x="1202336" y="6866467"/>
+                  </a:lnTo>
+                  <a:lnTo>
+                    <a:pt x="0" y="0"/>
+                  </a:lnTo>
+                  <a:close/>
+                </a:path>
+              </a:pathLst>
+            </a:custGeom>
+            <a:solidFill>
+              <a:schemeClr val="accent1">
+                <a:alpha val="20000"/>
+              </a:schemeClr>
+            </a:solidFill>
+            <a:ln>
+              <a:noFill/>
+            </a:ln>
+            <a:effectLst/>
+          </p:spPr>
+          <p:style>
+            <a:lnRef idx="1">
+              <a:schemeClr val="accent1"/>
+            </a:lnRef>
+            <a:fillRef idx="3">
+              <a:schemeClr val="accent1"/>
+            </a:fillRef>
+            <a:effectRef idx="2">
+              <a:schemeClr val="accent1"/>
+            </a:effectRef>
+            <a:fontRef idx="minor">
+              <a:schemeClr val="lt1"/>
+            </a:fontRef>
+          </p:style>
+        </p:sp>
+        <p:sp>
+          <p:nvSpPr>
+            <p:cNvPr id="27" name="Isosceles Triangle 26"/>
+            <p:cNvSpPr/>
+            <p:nvPr/>
+          </p:nvSpPr>
+          <p:spPr>
+            <a:xfrm>
+              <a:off x="8932333" y="3048000"/>
+              <a:ext cx="3259667" cy="3810000"/>
+            </a:xfrm>
+            <a:prstGeom prst="triangle">
+              <a:avLst>
+                <a:gd name="adj" fmla="val 100000"/>
+              </a:avLst>
+            </a:prstGeom>
+            <a:solidFill>
+              <a:schemeClr val="accent2">
+                <a:alpha val="72000"/>
+              </a:schemeClr>
+            </a:solidFill>
+            <a:ln>
+              <a:noFill/>
+            </a:ln>
+            <a:effectLst/>
+          </p:spPr>
+          <p:style>
+            <a:lnRef idx="1">
+              <a:schemeClr val="accent1"/>
+            </a:lnRef>
+            <a:fillRef idx="3">
+              <a:schemeClr val="accent1"/>
+            </a:fillRef>
+            <a:effectRef idx="2">
+              <a:schemeClr val="accent1"/>
+            </a:effectRef>
+            <a:fontRef idx="minor">
+              <a:schemeClr val="lt1"/>
+            </a:fontRef>
+          </p:style>
+        </p:sp>
+        <p:sp>
+          <p:nvSpPr>
+            <p:cNvPr id="28" name="Rectangle 27"/>
+            <p:cNvSpPr/>
+            <p:nvPr/>
+          </p:nvSpPr>
+          <p:spPr>
+            <a:xfrm>
+              <a:off x="9334500" y="-8467"/>
+              <a:ext cx="2854326" cy="6866467"/>
+            </a:xfrm>
+            <a:custGeom>
+              <a:avLst/>
+              <a:gdLst/>
+              <a:ahLst/>
+              <a:cxnLst/>
+              <a:rect l="l" t="t" r="r" b="b"/>
+              <a:pathLst>
+                <a:path w="2858013" h="6866467">
+                  <a:moveTo>
+                    <a:pt x="0" y="0"/>
+                  </a:moveTo>
+                  <a:lnTo>
+                    <a:pt x="2858013" y="0"/>
+                  </a:lnTo>
+                  <a:lnTo>
+                    <a:pt x="2858013" y="6866467"/>
+                  </a:lnTo>
+                  <a:lnTo>
+                    <a:pt x="2473942" y="6866467"/>
+                  </a:lnTo>
+                  <a:lnTo>
+                    <a:pt x="0" y="0"/>
+                  </a:lnTo>
+                  <a:close/>
+                </a:path>
+              </a:pathLst>
+            </a:custGeom>
+            <a:solidFill>
+              <a:schemeClr val="accent2">
+                <a:lumMod val="75000"/>
+                <a:alpha val="70000"/>
+              </a:schemeClr>
+            </a:solidFill>
+            <a:ln>
+              <a:noFill/>
+            </a:ln>
+            <a:effectLst/>
+          </p:spPr>
+          <p:style>
+            <a:lnRef idx="1">
+              <a:schemeClr val="accent1"/>
+            </a:lnRef>
+            <a:fillRef idx="3">
+              <a:schemeClr val="accent1"/>
+            </a:fillRef>
+            <a:effectRef idx="2">
+              <a:schemeClr val="accent1"/>
+            </a:effectRef>
+            <a:fontRef idx="minor">
+              <a:schemeClr val="lt1"/>
+            </a:fontRef>
+          </p:style>
+        </p:sp>
+        <p:sp>
+          <p:nvSpPr>
+            <p:cNvPr id="29" name="Rectangle 28"/>
+            <p:cNvSpPr/>
+            <p:nvPr/>
+          </p:nvSpPr>
+          <p:spPr>
+            <a:xfrm>
+              <a:off x="10898730" y="-8467"/>
+              <a:ext cx="1290094" cy="6866467"/>
+            </a:xfrm>
+            <a:custGeom>
+              <a:avLst/>
+              <a:gdLst/>
+              <a:ahLst/>
+              <a:cxnLst/>
+              <a:rect l="l" t="t" r="r" b="b"/>
+              <a:pathLst>
+                <a:path w="1290094" h="6858000">
+                  <a:moveTo>
+                    <a:pt x="1019735" y="0"/>
+                  </a:moveTo>
+                  <a:lnTo>
+                    <a:pt x="1290094" y="0"/>
+                  </a:lnTo>
+                  <a:lnTo>
+                    <a:pt x="1290094" y="6858000"/>
+                  </a:lnTo>
+                  <a:lnTo>
+                    <a:pt x="0" y="6858000"/>
+                  </a:lnTo>
+                  <a:lnTo>
+                    <a:pt x="1019735" y="0"/>
+                  </a:lnTo>
+                  <a:close/>
+                </a:path>
+              </a:pathLst>
+            </a:custGeom>
+            <a:solidFill>
+              <a:schemeClr val="accent1">
+                <a:lumMod val="60000"/>
+                <a:lumOff val="40000"/>
+                <a:alpha val="70000"/>
+              </a:schemeClr>
+            </a:solidFill>
+            <a:ln>
+              <a:noFill/>
+            </a:ln>
+            <a:effectLst/>
+          </p:spPr>
+          <p:style>
+            <a:lnRef idx="1">
+              <a:schemeClr val="accent1"/>
+            </a:lnRef>
+            <a:fillRef idx="3">
+              <a:schemeClr val="accent1"/>
+            </a:fillRef>
+            <a:effectRef idx="2">
+              <a:schemeClr val="accent1"/>
+            </a:effectRef>
+            <a:fontRef idx="minor">
+              <a:schemeClr val="lt1"/>
+            </a:fontRef>
+          </p:style>
+        </p:sp>
+        <p:sp>
+          <p:nvSpPr>
+            <p:cNvPr id="30" name="Rectangle 29"/>
+            <p:cNvSpPr/>
+            <p:nvPr/>
+          </p:nvSpPr>
+          <p:spPr>
+            <a:xfrm>
+              <a:off x="10938999" y="-8467"/>
+              <a:ext cx="1249825" cy="6866467"/>
+            </a:xfrm>
+            <a:custGeom>
+              <a:avLst/>
+              <a:gdLst/>
+              <a:ahLst/>
+              <a:cxnLst/>
+              <a:rect l="l" t="t" r="r" b="b"/>
+              <a:pathLst>
+                <a:path w="1249825" h="6858000">
+                  <a:moveTo>
+                    <a:pt x="0" y="0"/>
+                  </a:moveTo>
+                  <a:lnTo>
+                    <a:pt x="1249825" y="0"/>
+                  </a:lnTo>
+                  <a:lnTo>
+                    <a:pt x="1249825" y="6858000"/>
+                  </a:lnTo>
+                  <a:lnTo>
+                    <a:pt x="1109382" y="6858000"/>
+                  </a:lnTo>
+                  <a:lnTo>
+                    <a:pt x="0" y="0"/>
+                  </a:lnTo>
+                  <a:close/>
+                </a:path>
+              </a:pathLst>
+            </a:custGeom>
+            <a:solidFill>
+              <a:schemeClr val="accent1">
+                <a:alpha val="65000"/>
+              </a:schemeClr>
+            </a:solidFill>
+            <a:ln>
+              <a:noFill/>
+            </a:ln>
+            <a:effectLst/>
+          </p:spPr>
+          <p:style>
+            <a:lnRef idx="1">
+              <a:schemeClr val="accent1"/>
+            </a:lnRef>
+            <a:fillRef idx="3">
+              <a:schemeClr val="accent1"/>
+            </a:fillRef>
+            <a:effectRef idx="2">
+              <a:schemeClr val="accent1"/>
+            </a:effectRef>
+            <a:fontRef idx="minor">
+              <a:schemeClr val="lt1"/>
+            </a:fontRef>
+          </p:style>
+        </p:sp>
+        <p:sp>
+          <p:nvSpPr>
+            <p:cNvPr id="31" name="Isosceles Triangle 30"/>
+            <p:cNvSpPr/>
+            <p:nvPr/>
+          </p:nvSpPr>
+          <p:spPr>
+            <a:xfrm>
+              <a:off x="10371666" y="3589867"/>
+              <a:ext cx="1817159" cy="3268133"/>
+            </a:xfrm>
+            <a:prstGeom prst="triangle">
+              <a:avLst>
+                <a:gd name="adj" fmla="val 100000"/>
+              </a:avLst>
+            </a:prstGeom>
+            <a:solidFill>
+              <a:schemeClr val="accent1">
+                <a:alpha val="80000"/>
+              </a:schemeClr>
+            </a:solidFill>
+            <a:ln>
+              <a:noFill/>
+            </a:ln>
+            <a:effectLst/>
+          </p:spPr>
+          <p:style>
+            <a:lnRef idx="1">
+              <a:schemeClr val="accent1"/>
+            </a:lnRef>
+            <a:fillRef idx="3">
+              <a:schemeClr val="accent1"/>
+            </a:fillRef>
+            <a:effectRef idx="2">
+              <a:schemeClr val="accent1"/>
+            </a:effectRef>
+            <a:fontRef idx="minor">
+              <a:schemeClr val="lt1"/>
+            </a:fontRef>
+          </p:style>
+        </p:sp>
+        <p:sp>
+          <p:nvSpPr>
+            <p:cNvPr id="19" name="Isosceles Triangle 18"/>
+            <p:cNvSpPr/>
+            <p:nvPr/>
+          </p:nvSpPr>
+          <p:spPr>
+            <a:xfrm rot="10800000">
+              <a:off x="0" y="0"/>
+              <a:ext cx="842596" cy="5666154"/>
+            </a:xfrm>
+            <a:prstGeom prst="triangle">
+              <a:avLst>
+                <a:gd name="adj" fmla="val 100000"/>
+              </a:avLst>
+            </a:prstGeom>
+            <a:solidFill>
+              <a:schemeClr val="accent1">
+                <a:alpha val="85000"/>
+              </a:schemeClr>
+            </a:solidFill>
+            <a:ln>
+              <a:noFill/>
+            </a:ln>
+            <a:effectLst/>
+          </p:spPr>
+          <p:style>
+            <a:lnRef idx="1">
+              <a:schemeClr val="accent1"/>
+            </a:lnRef>
+            <a:fillRef idx="3">
+              <a:schemeClr val="accent1"/>
+            </a:fillRef>
+            <a:effectRef idx="2">
+              <a:schemeClr val="accent1"/>
+            </a:effectRef>
+            <a:fontRef idx="minor">
+              <a:schemeClr val="lt1"/>
+            </a:fontRef>
+          </p:style>
+        </p:sp>
+      </p:grpSp>
+      <p:sp>
+        <p:nvSpPr>
+          <p:cNvPr id="2" name="Title 1"/>
           <p:cNvSpPr>
             <a:spLocks noGrp="1"/>
           </p:cNvSpPr>
@@ -153,35 +680,35 @@
         </p:nvSpPr>
         <p:spPr>
           <a:xfrm>
-            <a:off x="1524000" y="1122363"/>
-            <a:ext cx="9144000" cy="2387600"/>
+            <a:off x="1507067" y="2404534"/>
+            <a:ext cx="7766936" cy="1646302"/>
           </a:xfrm>
         </p:spPr>
         <p:txBody>
-          <a:bodyPr anchor="b"/>
+          <a:bodyPr anchor="b">
+            <a:noAutofit/>
+          </a:bodyPr>
           <a:lstStyle>
-            <a:lvl1pPr algn="ctr">
-              <a:defRPr sz="6000"/>
+            <a:lvl1pPr algn="r">
+              <a:defRPr sz="5400">
+                <a:solidFill>
+                  <a:schemeClr val="accent1"/>
+                </a:solidFill>
+              </a:defRPr>
             </a:lvl1pPr>
           </a:lstStyle>
           <a:p>
             <a:r>
-              <a:rPr lang="en-US"/>
-              <a:t>Click to edit Master title style</a:t>
-            </a:r>
-            <a:endParaRPr lang="es-MX"/>
-          </a:p>
-        </p:txBody>
-      </p:sp>
-      <p:sp>
-        <p:nvSpPr>
-          <p:cNvPr id="3" name="Subtitle 2">
-            <a:extLst>
-              <a:ext uri="{FF2B5EF4-FFF2-40B4-BE49-F238E27FC236}">
-                <a16:creationId xmlns:a16="http://schemas.microsoft.com/office/drawing/2014/main" id="{F55BC7DA-9C61-42F2-A2AE-EEFDE3AD0BB8}"/>
-              </a:ext>
-            </a:extLst>
-          </p:cNvPr>
+              <a:rPr lang="es-ES"/>
+              <a:t>Haga clic para modificar el estilo de título del patrón</a:t>
+            </a:r>
+            <a:endParaRPr lang="en-US" dirty="0"/>
+          </a:p>
+        </p:txBody>
+      </p:sp>
+      <p:sp>
+        <p:nvSpPr>
+          <p:cNvPr id="3" name="Subtitle 2"/>
           <p:cNvSpPr>
             <a:spLocks noGrp="1"/>
           </p:cNvSpPr>
@@ -191,68 +718,117 @@
         </p:nvSpPr>
         <p:spPr>
           <a:xfrm>
-            <a:off x="1524000" y="3602038"/>
-            <a:ext cx="9144000" cy="1655762"/>
+            <a:off x="1507067" y="4050833"/>
+            <a:ext cx="7766936" cy="1096899"/>
           </a:xfrm>
         </p:spPr>
         <p:txBody>
-          <a:bodyPr/>
+          <a:bodyPr anchor="t"/>
           <a:lstStyle>
-            <a:lvl1pPr marL="0" indent="0" algn="ctr">
-              <a:buNone/>
-              <a:defRPr sz="2400"/>
+            <a:lvl1pPr marL="0" indent="0" algn="r">
+              <a:buNone/>
+              <a:defRPr>
+                <a:solidFill>
+                  <a:schemeClr val="tx1">
+                    <a:lumMod val="50000"/>
+                    <a:lumOff val="50000"/>
+                  </a:schemeClr>
+                </a:solidFill>
+              </a:defRPr>
             </a:lvl1pPr>
             <a:lvl2pPr marL="457200" indent="0" algn="ctr">
               <a:buNone/>
-              <a:defRPr sz="2000"/>
+              <a:defRPr>
+                <a:solidFill>
+                  <a:schemeClr val="tx1">
+                    <a:tint val="75000"/>
+                  </a:schemeClr>
+                </a:solidFill>
+              </a:defRPr>
             </a:lvl2pPr>
             <a:lvl3pPr marL="914400" indent="0" algn="ctr">
               <a:buNone/>
-              <a:defRPr sz="1800"/>
+              <a:defRPr>
+                <a:solidFill>
+                  <a:schemeClr val="tx1">
+                    <a:tint val="75000"/>
+                  </a:schemeClr>
+                </a:solidFill>
+              </a:defRPr>
             </a:lvl3pPr>
             <a:lvl4pPr marL="1371600" indent="0" algn="ctr">
               <a:buNone/>
-              <a:defRPr sz="1600"/>
+              <a:defRPr>
+                <a:solidFill>
+                  <a:schemeClr val="tx1">
+                    <a:tint val="75000"/>
+                  </a:schemeClr>
+                </a:solidFill>
+              </a:defRPr>
             </a:lvl4pPr>
             <a:lvl5pPr marL="1828800" indent="0" algn="ctr">
               <a:buNone/>
-              <a:defRPr sz="1600"/>
+              <a:defRPr>
+                <a:solidFill>
+                  <a:schemeClr val="tx1">
+                    <a:tint val="75000"/>
+                  </a:schemeClr>
+                </a:solidFill>
+              </a:defRPr>
             </a:lvl5pPr>
             <a:lvl6pPr marL="2286000" indent="0" algn="ctr">
               <a:buNone/>
-              <a:defRPr sz="1600"/>
+              <a:defRPr>
+                <a:solidFill>
+                  <a:schemeClr val="tx1">
+                    <a:tint val="75000"/>
+                  </a:schemeClr>
+                </a:solidFill>
+              </a:defRPr>
             </a:lvl6pPr>
             <a:lvl7pPr marL="2743200" indent="0" algn="ctr">
               <a:buNone/>
-              <a:defRPr sz="1600"/>
+              <a:defRPr>
+                <a:solidFill>
+                  <a:schemeClr val="tx1">
+                    <a:tint val="75000"/>
+                  </a:schemeClr>
+                </a:solidFill>
+              </a:defRPr>
             </a:lvl7pPr>
             <a:lvl8pPr marL="3200400" indent="0" algn="ctr">
               <a:buNone/>
-              <a:defRPr sz="1600"/>
+              <a:defRPr>
+                <a:solidFill>
+                  <a:schemeClr val="tx1">
+                    <a:tint val="75000"/>
+                  </a:schemeClr>
+                </a:solidFill>
+              </a:defRPr>
             </a:lvl8pPr>
             <a:lvl9pPr marL="3657600" indent="0" algn="ctr">
               <a:buNone/>
-              <a:defRPr sz="1600"/>
+              <a:defRPr>
+                <a:solidFill>
+                  <a:schemeClr val="tx1">
+                    <a:tint val="75000"/>
+                  </a:schemeClr>
+                </a:solidFill>
+              </a:defRPr>
             </a:lvl9pPr>
           </a:lstStyle>
           <a:p>
             <a:r>
-              <a:rPr lang="en-US"/>
-              <a:t>Click to edit Master subtitle style</a:t>
-            </a:r>
-            <a:endParaRPr lang="es-MX"/>
-          </a:p>
-        </p:txBody>
-      </p:sp>
-      <p:sp>
-        <p:nvSpPr>
-          <p:cNvPr id="4" name="Date Placeholder 3">
-            <a:extLst>
-              <a:ext uri="{FF2B5EF4-FFF2-40B4-BE49-F238E27FC236}">
-                <a16:creationId xmlns:a16="http://schemas.microsoft.com/office/drawing/2014/main" id="{E55B38C6-1023-4C7F-8935-BAC721A01340}"/>
-              </a:ext>
-            </a:extLst>
-          </p:cNvPr>
+              <a:rPr lang="es-ES"/>
+              <a:t>Haga clic para modificar el estilo de subtítulo del patrón</a:t>
+            </a:r>
+            <a:endParaRPr lang="en-US" dirty="0"/>
+          </a:p>
+        </p:txBody>
+      </p:sp>
+      <p:sp>
+        <p:nvSpPr>
+          <p:cNvPr id="4" name="Date Placeholder 3"/>
           <p:cNvSpPr>
             <a:spLocks noGrp="1"/>
           </p:cNvSpPr>
@@ -275,13 +851,7 @@
       </p:sp>
       <p:sp>
         <p:nvSpPr>
-          <p:cNvPr id="5" name="Footer Placeholder 4">
-            <a:extLst>
-              <a:ext uri="{FF2B5EF4-FFF2-40B4-BE49-F238E27FC236}">
-                <a16:creationId xmlns:a16="http://schemas.microsoft.com/office/drawing/2014/main" id="{B6D95E93-C7AC-426A-A8FF-79B262E1E419}"/>
-              </a:ext>
-            </a:extLst>
-          </p:cNvPr>
+          <p:cNvPr id="5" name="Footer Placeholder 4"/>
           <p:cNvSpPr>
             <a:spLocks noGrp="1"/>
           </p:cNvSpPr>
@@ -300,13 +870,7 @@
       </p:sp>
       <p:sp>
         <p:nvSpPr>
-          <p:cNvPr id="6" name="Slide Number Placeholder 5">
-            <a:extLst>
-              <a:ext uri="{FF2B5EF4-FFF2-40B4-BE49-F238E27FC236}">
-                <a16:creationId xmlns:a16="http://schemas.microsoft.com/office/drawing/2014/main" id="{F23584DA-4027-4578-B383-2B2B468CFCF4}"/>
-              </a:ext>
-            </a:extLst>
-          </p:cNvPr>
+          <p:cNvPr id="6" name="Slide Number Placeholder 5"/>
           <p:cNvSpPr>
             <a:spLocks noGrp="1"/>
           </p:cNvSpPr>
@@ -321,7 +885,7 @@
           <a:p>
             <a:fld id="{1D128B5B-32DC-4879-9BCA-E4DC3137B244}" type="slidenum">
               <a:rPr lang="es-MX" smtClean="0"/>
-              <a:t>‹#›</a:t>
+              <a:t>‹Nº›</a:t>
             </a:fld>
             <a:endParaRPr lang="es-MX"/>
           </a:p>
@@ -330,7 +894,7 @@
     </p:spTree>
     <p:extLst>
       <p:ext uri="{BB962C8B-B14F-4D97-AF65-F5344CB8AC3E}">
-        <p14:creationId xmlns:p14="http://schemas.microsoft.com/office/powerpoint/2010/main" val="2831262068"/>
+        <p14:creationId xmlns:p14="http://schemas.microsoft.com/office/powerpoint/2010/main" val="4832532"/>
       </p:ext>
     </p:extLst>
   </p:cSld>
@@ -341,8 +905,8 @@
 </file>
 
 <file path=ppt/slideLayouts/slideLayout10.xml><?xml version="1.0" encoding="utf-8"?>
-<p:sldLayout xmlns:a="http://schemas.openxmlformats.org/drawingml/2006/main" xmlns:r="http://schemas.openxmlformats.org/officeDocument/2006/relationships" xmlns:p="http://schemas.openxmlformats.org/presentationml/2006/main" type="vertTx" preserve="1">
-  <p:cSld name="Title and Vertical Text">
+<p:sldLayout xmlns:a="http://schemas.openxmlformats.org/drawingml/2006/main" xmlns:r="http://schemas.openxmlformats.org/officeDocument/2006/relationships" xmlns:p="http://schemas.openxmlformats.org/presentationml/2006/main" preserve="1">
+  <p:cSld name="Título y descripción">
     <p:spTree>
       <p:nvGrpSpPr>
         <p:cNvPr id="1" name=""/>
@@ -359,13 +923,7 @@
       </p:grpSpPr>
       <p:sp>
         <p:nvSpPr>
-          <p:cNvPr id="2" name="Title 1">
-            <a:extLst>
-              <a:ext uri="{FF2B5EF4-FFF2-40B4-BE49-F238E27FC236}">
-                <a16:creationId xmlns:a16="http://schemas.microsoft.com/office/drawing/2014/main" id="{75C24E71-3808-4418-AC7A-E111BCF9DE7E}"/>
-              </a:ext>
-            </a:extLst>
-          </p:cNvPr>
+          <p:cNvPr id="2" name="Title 1"/>
           <p:cNvSpPr>
             <a:spLocks noGrp="1"/>
           </p:cNvSpPr>
@@ -373,86 +931,155 @@
             <p:ph type="title"/>
           </p:nvPr>
         </p:nvSpPr>
-        <p:spPr/>
-        <p:txBody>
-          <a:bodyPr/>
-          <a:lstStyle/>
-          <a:p>
-            <a:r>
-              <a:rPr lang="en-US"/>
-              <a:t>Click to edit Master title style</a:t>
-            </a:r>
-            <a:endParaRPr lang="es-MX"/>
-          </a:p>
-        </p:txBody>
-      </p:sp>
-      <p:sp>
-        <p:nvSpPr>
-          <p:cNvPr id="3" name="Vertical Text Placeholder 2">
-            <a:extLst>
-              <a:ext uri="{FF2B5EF4-FFF2-40B4-BE49-F238E27FC236}">
-                <a16:creationId xmlns:a16="http://schemas.microsoft.com/office/drawing/2014/main" id="{207E0532-082A-4E2E-B946-5D01F04DA1F2}"/>
-              </a:ext>
-            </a:extLst>
-          </p:cNvPr>
-          <p:cNvSpPr>
-            <a:spLocks noGrp="1"/>
-          </p:cNvSpPr>
-          <p:nvPr>
-            <p:ph type="body" orient="vert" idx="1"/>
-          </p:nvPr>
-        </p:nvSpPr>
-        <p:spPr/>
-        <p:txBody>
-          <a:bodyPr vert="eaVert"/>
-          <a:lstStyle/>
+        <p:spPr>
+          <a:xfrm>
+            <a:off x="677335" y="609600"/>
+            <a:ext cx="8596668" cy="3403600"/>
+          </a:xfrm>
+        </p:spPr>
+        <p:txBody>
+          <a:bodyPr anchor="ctr">
+            <a:normAutofit/>
+          </a:bodyPr>
+          <a:lstStyle>
+            <a:lvl1pPr algn="l">
+              <a:defRPr sz="4400" b="0" cap="none"/>
+            </a:lvl1pPr>
+          </a:lstStyle>
+          <a:p>
+            <a:r>
+              <a:rPr lang="es-ES"/>
+              <a:t>Haga clic para modificar el estilo de título del patrón</a:t>
+            </a:r>
+            <a:endParaRPr lang="en-US" dirty="0"/>
+          </a:p>
+        </p:txBody>
+      </p:sp>
+      <p:sp>
+        <p:nvSpPr>
+          <p:cNvPr id="3" name="Text Placeholder 2"/>
+          <p:cNvSpPr>
+            <a:spLocks noGrp="1"/>
+          </p:cNvSpPr>
+          <p:nvPr>
+            <p:ph type="body" idx="1"/>
+          </p:nvPr>
+        </p:nvSpPr>
+        <p:spPr>
+          <a:xfrm>
+            <a:off x="677335" y="4470400"/>
+            <a:ext cx="8596668" cy="1570962"/>
+          </a:xfrm>
+        </p:spPr>
+        <p:txBody>
+          <a:bodyPr anchor="ctr">
+            <a:normAutofit/>
+          </a:bodyPr>
+          <a:lstStyle>
+            <a:lvl1pPr marL="0" indent="0" algn="l">
+              <a:buNone/>
+              <a:defRPr sz="1800">
+                <a:solidFill>
+                  <a:schemeClr val="tx1">
+                    <a:lumMod val="75000"/>
+                    <a:lumOff val="25000"/>
+                  </a:schemeClr>
+                </a:solidFill>
+              </a:defRPr>
+            </a:lvl1pPr>
+            <a:lvl2pPr marL="457200" indent="0">
+              <a:buNone/>
+              <a:defRPr sz="1800">
+                <a:solidFill>
+                  <a:schemeClr val="tx1">
+                    <a:tint val="75000"/>
+                  </a:schemeClr>
+                </a:solidFill>
+              </a:defRPr>
+            </a:lvl2pPr>
+            <a:lvl3pPr marL="914400" indent="0">
+              <a:buNone/>
+              <a:defRPr sz="1600">
+                <a:solidFill>
+                  <a:schemeClr val="tx1">
+                    <a:tint val="75000"/>
+                  </a:schemeClr>
+                </a:solidFill>
+              </a:defRPr>
+            </a:lvl3pPr>
+            <a:lvl4pPr marL="1371600" indent="0">
+              <a:buNone/>
+              <a:defRPr sz="1400">
+                <a:solidFill>
+                  <a:schemeClr val="tx1">
+                    <a:tint val="75000"/>
+                  </a:schemeClr>
+                </a:solidFill>
+              </a:defRPr>
+            </a:lvl4pPr>
+            <a:lvl5pPr marL="1828800" indent="0">
+              <a:buNone/>
+              <a:defRPr sz="1400">
+                <a:solidFill>
+                  <a:schemeClr val="tx1">
+                    <a:tint val="75000"/>
+                  </a:schemeClr>
+                </a:solidFill>
+              </a:defRPr>
+            </a:lvl5pPr>
+            <a:lvl6pPr marL="2286000" indent="0">
+              <a:buNone/>
+              <a:defRPr sz="1400">
+                <a:solidFill>
+                  <a:schemeClr val="tx1">
+                    <a:tint val="75000"/>
+                  </a:schemeClr>
+                </a:solidFill>
+              </a:defRPr>
+            </a:lvl6pPr>
+            <a:lvl7pPr marL="2743200" indent="0">
+              <a:buNone/>
+              <a:defRPr sz="1400">
+                <a:solidFill>
+                  <a:schemeClr val="tx1">
+                    <a:tint val="75000"/>
+                  </a:schemeClr>
+                </a:solidFill>
+              </a:defRPr>
+            </a:lvl7pPr>
+            <a:lvl8pPr marL="3200400" indent="0">
+              <a:buNone/>
+              <a:defRPr sz="1400">
+                <a:solidFill>
+                  <a:schemeClr val="tx1">
+                    <a:tint val="75000"/>
+                  </a:schemeClr>
+                </a:solidFill>
+              </a:defRPr>
+            </a:lvl8pPr>
+            <a:lvl9pPr marL="3657600" indent="0">
+              <a:buNone/>
+              <a:defRPr sz="1400">
+                <a:solidFill>
+                  <a:schemeClr val="tx1">
+                    <a:tint val="75000"/>
+                  </a:schemeClr>
+                </a:solidFill>
+              </a:defRPr>
+            </a:lvl9pPr>
+          </a:lstStyle>
           <a:p>
             <a:pPr lvl="0"/>
             <a:r>
-              <a:rPr lang="en-US"/>
-              <a:t>Click to edit Master text styles</a:t>
-            </a:r>
-          </a:p>
-          <a:p>
-            <a:pPr lvl="1"/>
-            <a:r>
-              <a:rPr lang="en-US"/>
-              <a:t>Second level</a:t>
-            </a:r>
-          </a:p>
-          <a:p>
-            <a:pPr lvl="2"/>
-            <a:r>
-              <a:rPr lang="en-US"/>
-              <a:t>Third level</a:t>
-            </a:r>
-          </a:p>
-          <a:p>
-            <a:pPr lvl="3"/>
-            <a:r>
-              <a:rPr lang="en-US"/>
-              <a:t>Fourth level</a:t>
-            </a:r>
-          </a:p>
-          <a:p>
-            <a:pPr lvl="4"/>
-            <a:r>
-              <a:rPr lang="en-US"/>
-              <a:t>Fifth level</a:t>
-            </a:r>
-            <a:endParaRPr lang="es-MX"/>
-          </a:p>
-        </p:txBody>
-      </p:sp>
-      <p:sp>
-        <p:nvSpPr>
-          <p:cNvPr id="4" name="Date Placeholder 3">
-            <a:extLst>
-              <a:ext uri="{FF2B5EF4-FFF2-40B4-BE49-F238E27FC236}">
-                <a16:creationId xmlns:a16="http://schemas.microsoft.com/office/drawing/2014/main" id="{B7697BF6-C2BE-471A-82D2-A8CFCD861D4F}"/>
-              </a:ext>
-            </a:extLst>
-          </p:cNvPr>
+              <a:rPr lang="es-ES"/>
+              <a:t>Haga clic para modificar los estilos de texto del patrón</a:t>
+            </a:r>
+          </a:p>
+        </p:txBody>
+      </p:sp>
+      <p:sp>
+        <p:nvSpPr>
+          <p:cNvPr id="4" name="Date Placeholder 3"/>
           <p:cNvSpPr>
             <a:spLocks noGrp="1"/>
           </p:cNvSpPr>
@@ -475,13 +1102,7 @@
       </p:sp>
       <p:sp>
         <p:nvSpPr>
-          <p:cNvPr id="5" name="Footer Placeholder 4">
-            <a:extLst>
-              <a:ext uri="{FF2B5EF4-FFF2-40B4-BE49-F238E27FC236}">
-                <a16:creationId xmlns:a16="http://schemas.microsoft.com/office/drawing/2014/main" id="{49B61E88-ABC7-46A8-9B44-64FC13F496F3}"/>
-              </a:ext>
-            </a:extLst>
-          </p:cNvPr>
+          <p:cNvPr id="5" name="Footer Placeholder 4"/>
           <p:cNvSpPr>
             <a:spLocks noGrp="1"/>
           </p:cNvSpPr>
@@ -500,13 +1121,7 @@
       </p:sp>
       <p:sp>
         <p:nvSpPr>
-          <p:cNvPr id="6" name="Slide Number Placeholder 5">
-            <a:extLst>
-              <a:ext uri="{FF2B5EF4-FFF2-40B4-BE49-F238E27FC236}">
-                <a16:creationId xmlns:a16="http://schemas.microsoft.com/office/drawing/2014/main" id="{D0A4F165-C43C-4D8A-BD4C-3BC6025CB5B5}"/>
-              </a:ext>
-            </a:extLst>
-          </p:cNvPr>
+          <p:cNvPr id="6" name="Slide Number Placeholder 5"/>
           <p:cNvSpPr>
             <a:spLocks noGrp="1"/>
           </p:cNvSpPr>
@@ -521,7 +1136,7 @@
           <a:p>
             <a:fld id="{1D128B5B-32DC-4879-9BCA-E4DC3137B244}" type="slidenum">
               <a:rPr lang="es-MX" smtClean="0"/>
-              <a:t>‹#›</a:t>
+              <a:t>‹Nº›</a:t>
             </a:fld>
             <a:endParaRPr lang="es-MX"/>
           </a:p>
@@ -530,7 +1145,7 @@
     </p:spTree>
     <p:extLst>
       <p:ext uri="{BB962C8B-B14F-4D97-AF65-F5344CB8AC3E}">
-        <p14:creationId xmlns:p14="http://schemas.microsoft.com/office/powerpoint/2010/main" val="2692301916"/>
+        <p14:creationId xmlns:p14="http://schemas.microsoft.com/office/powerpoint/2010/main" val="409320249"/>
       </p:ext>
     </p:extLst>
   </p:cSld>
@@ -541,8 +1156,8 @@
 </file>
 
 <file path=ppt/slideLayouts/slideLayout11.xml><?xml version="1.0" encoding="utf-8"?>
-<p:sldLayout xmlns:a="http://schemas.openxmlformats.org/drawingml/2006/main" xmlns:r="http://schemas.openxmlformats.org/officeDocument/2006/relationships" xmlns:p="http://schemas.openxmlformats.org/presentationml/2006/main" type="vertTitleAndTx" preserve="1">
-  <p:cSld name="Vertical Title and Text">
+<p:sldLayout xmlns:a="http://schemas.openxmlformats.org/drawingml/2006/main" xmlns:r="http://schemas.openxmlformats.org/officeDocument/2006/relationships" xmlns:p="http://schemas.openxmlformats.org/presentationml/2006/main" preserve="1">
+  <p:cSld name="Cita con descripción">
     <p:spTree>
       <p:nvGrpSpPr>
         <p:cNvPr id="1" name=""/>
@@ -559,110 +1174,226 @@
       </p:grpSpPr>
       <p:sp>
         <p:nvSpPr>
-          <p:cNvPr id="2" name="Vertical Title 1">
-            <a:extLst>
-              <a:ext uri="{FF2B5EF4-FFF2-40B4-BE49-F238E27FC236}">
-                <a16:creationId xmlns:a16="http://schemas.microsoft.com/office/drawing/2014/main" id="{356DF5A6-A228-4E55-A4C7-EAC3A2A4D8C2}"/>
-              </a:ext>
-            </a:extLst>
-          </p:cNvPr>
-          <p:cNvSpPr>
-            <a:spLocks noGrp="1"/>
-          </p:cNvSpPr>
-          <p:nvPr>
-            <p:ph type="title" orient="vert"/>
+          <p:cNvPr id="2" name="Title 1"/>
+          <p:cNvSpPr>
+            <a:spLocks noGrp="1"/>
+          </p:cNvSpPr>
+          <p:nvPr>
+            <p:ph type="title"/>
           </p:nvPr>
         </p:nvSpPr>
         <p:spPr>
           <a:xfrm>
-            <a:off x="8724900" y="365125"/>
-            <a:ext cx="2628900" cy="5811838"/>
+            <a:off x="931334" y="609600"/>
+            <a:ext cx="8094134" cy="3022600"/>
           </a:xfrm>
         </p:spPr>
         <p:txBody>
-          <a:bodyPr vert="eaVert"/>
-          <a:lstStyle/>
-          <a:p>
-            <a:r>
-              <a:rPr lang="en-US"/>
-              <a:t>Click to edit Master title style</a:t>
-            </a:r>
-            <a:endParaRPr lang="es-MX"/>
-          </a:p>
-        </p:txBody>
-      </p:sp>
-      <p:sp>
-        <p:nvSpPr>
-          <p:cNvPr id="3" name="Vertical Text Placeholder 2">
-            <a:extLst>
-              <a:ext uri="{FF2B5EF4-FFF2-40B4-BE49-F238E27FC236}">
-                <a16:creationId xmlns:a16="http://schemas.microsoft.com/office/drawing/2014/main" id="{BBBD1F54-6FDC-4DA1-AE76-8D40BAA052FF}"/>
-              </a:ext>
-            </a:extLst>
-          </p:cNvPr>
-          <p:cNvSpPr>
-            <a:spLocks noGrp="1"/>
-          </p:cNvSpPr>
-          <p:nvPr>
-            <p:ph type="body" orient="vert" idx="1"/>
+          <a:bodyPr anchor="ctr">
+            <a:normAutofit/>
+          </a:bodyPr>
+          <a:lstStyle>
+            <a:lvl1pPr algn="l">
+              <a:defRPr sz="4400" b="0" cap="none"/>
+            </a:lvl1pPr>
+          </a:lstStyle>
+          <a:p>
+            <a:r>
+              <a:rPr lang="es-ES"/>
+              <a:t>Haga clic para modificar el estilo de título del patrón</a:t>
+            </a:r>
+            <a:endParaRPr lang="en-US" dirty="0"/>
+          </a:p>
+        </p:txBody>
+      </p:sp>
+      <p:sp>
+        <p:nvSpPr>
+          <p:cNvPr id="23" name="Text Placeholder 9"/>
+          <p:cNvSpPr>
+            <a:spLocks noGrp="1"/>
+          </p:cNvSpPr>
+          <p:nvPr>
+            <p:ph type="body" sz="quarter" idx="13"/>
           </p:nvPr>
         </p:nvSpPr>
         <p:spPr>
           <a:xfrm>
-            <a:off x="838200" y="365125"/>
-            <a:ext cx="7734300" cy="5811838"/>
+            <a:off x="1366139" y="3632200"/>
+            <a:ext cx="7224524" cy="381000"/>
           </a:xfrm>
         </p:spPr>
         <p:txBody>
-          <a:bodyPr vert="eaVert"/>
-          <a:lstStyle/>
+          <a:bodyPr anchor="ctr">
+            <a:noAutofit/>
+          </a:bodyPr>
+          <a:lstStyle>
+            <a:lvl1pPr marL="0" indent="0">
+              <a:buFontTx/>
+              <a:buNone/>
+              <a:defRPr sz="1600">
+                <a:solidFill>
+                  <a:schemeClr val="tx1">
+                    <a:lumMod val="50000"/>
+                    <a:lumOff val="50000"/>
+                  </a:schemeClr>
+                </a:solidFill>
+              </a:defRPr>
+            </a:lvl1pPr>
+            <a:lvl2pPr marL="457200" indent="0">
+              <a:buFontTx/>
+              <a:buNone/>
+              <a:defRPr/>
+            </a:lvl2pPr>
+            <a:lvl3pPr marL="914400" indent="0">
+              <a:buFontTx/>
+              <a:buNone/>
+              <a:defRPr/>
+            </a:lvl3pPr>
+            <a:lvl4pPr marL="1371600" indent="0">
+              <a:buFontTx/>
+              <a:buNone/>
+              <a:defRPr/>
+            </a:lvl4pPr>
+            <a:lvl5pPr marL="1828800" indent="0">
+              <a:buFontTx/>
+              <a:buNone/>
+              <a:defRPr/>
+            </a:lvl5pPr>
+          </a:lstStyle>
           <a:p>
             <a:pPr lvl="0"/>
             <a:r>
-              <a:rPr lang="en-US"/>
-              <a:t>Click to edit Master text styles</a:t>
-            </a:r>
-          </a:p>
-          <a:p>
-            <a:pPr lvl="1"/>
-            <a:r>
-              <a:rPr lang="en-US"/>
-              <a:t>Second level</a:t>
-            </a:r>
-          </a:p>
-          <a:p>
-            <a:pPr lvl="2"/>
-            <a:r>
-              <a:rPr lang="en-US"/>
-              <a:t>Third level</a:t>
-            </a:r>
-          </a:p>
-          <a:p>
-            <a:pPr lvl="3"/>
-            <a:r>
-              <a:rPr lang="en-US"/>
-              <a:t>Fourth level</a:t>
-            </a:r>
-          </a:p>
-          <a:p>
-            <a:pPr lvl="4"/>
-            <a:r>
-              <a:rPr lang="en-US"/>
-              <a:t>Fifth level</a:t>
-            </a:r>
-            <a:endParaRPr lang="es-MX"/>
-          </a:p>
-        </p:txBody>
-      </p:sp>
-      <p:sp>
-        <p:nvSpPr>
-          <p:cNvPr id="4" name="Date Placeholder 3">
-            <a:extLst>
-              <a:ext uri="{FF2B5EF4-FFF2-40B4-BE49-F238E27FC236}">
-                <a16:creationId xmlns:a16="http://schemas.microsoft.com/office/drawing/2014/main" id="{FB02500B-DED7-46EF-90E1-C1F1B67908D4}"/>
-              </a:ext>
-            </a:extLst>
-          </p:cNvPr>
+              <a:rPr lang="es-ES"/>
+              <a:t>Haga clic para modificar los estilos de texto del patrón</a:t>
+            </a:r>
+          </a:p>
+        </p:txBody>
+      </p:sp>
+      <p:sp>
+        <p:nvSpPr>
+          <p:cNvPr id="3" name="Text Placeholder 2"/>
+          <p:cNvSpPr>
+            <a:spLocks noGrp="1"/>
+          </p:cNvSpPr>
+          <p:nvPr>
+            <p:ph type="body" idx="1"/>
+          </p:nvPr>
+        </p:nvSpPr>
+        <p:spPr>
+          <a:xfrm>
+            <a:off x="677335" y="4470400"/>
+            <a:ext cx="8596668" cy="1570962"/>
+          </a:xfrm>
+        </p:spPr>
+        <p:txBody>
+          <a:bodyPr anchor="ctr">
+            <a:normAutofit/>
+          </a:bodyPr>
+          <a:lstStyle>
+            <a:lvl1pPr marL="0" indent="0" algn="l">
+              <a:buNone/>
+              <a:defRPr sz="1800">
+                <a:solidFill>
+                  <a:schemeClr val="tx1">
+                    <a:lumMod val="75000"/>
+                    <a:lumOff val="25000"/>
+                  </a:schemeClr>
+                </a:solidFill>
+              </a:defRPr>
+            </a:lvl1pPr>
+            <a:lvl2pPr marL="457200" indent="0">
+              <a:buNone/>
+              <a:defRPr sz="1800">
+                <a:solidFill>
+                  <a:schemeClr val="tx1">
+                    <a:tint val="75000"/>
+                  </a:schemeClr>
+                </a:solidFill>
+              </a:defRPr>
+            </a:lvl2pPr>
+            <a:lvl3pPr marL="914400" indent="0">
+              <a:buNone/>
+              <a:defRPr sz="1600">
+                <a:solidFill>
+                  <a:schemeClr val="tx1">
+                    <a:tint val="75000"/>
+                  </a:schemeClr>
+                </a:solidFill>
+              </a:defRPr>
+            </a:lvl3pPr>
+            <a:lvl4pPr marL="1371600" indent="0">
+              <a:buNone/>
+              <a:defRPr sz="1400">
+                <a:solidFill>
+                  <a:schemeClr val="tx1">
+                    <a:tint val="75000"/>
+                  </a:schemeClr>
+                </a:solidFill>
+              </a:defRPr>
+            </a:lvl4pPr>
+            <a:lvl5pPr marL="1828800" indent="0">
+              <a:buNone/>
+              <a:defRPr sz="1400">
+                <a:solidFill>
+                  <a:schemeClr val="tx1">
+                    <a:tint val="75000"/>
+                  </a:schemeClr>
+                </a:solidFill>
+              </a:defRPr>
+            </a:lvl5pPr>
+            <a:lvl6pPr marL="2286000" indent="0">
+              <a:buNone/>
+              <a:defRPr sz="1400">
+                <a:solidFill>
+                  <a:schemeClr val="tx1">
+                    <a:tint val="75000"/>
+                  </a:schemeClr>
+                </a:solidFill>
+              </a:defRPr>
+            </a:lvl6pPr>
+            <a:lvl7pPr marL="2743200" indent="0">
+              <a:buNone/>
+              <a:defRPr sz="1400">
+                <a:solidFill>
+                  <a:schemeClr val="tx1">
+                    <a:tint val="75000"/>
+                  </a:schemeClr>
+                </a:solidFill>
+              </a:defRPr>
+            </a:lvl7pPr>
+            <a:lvl8pPr marL="3200400" indent="0">
+              <a:buNone/>
+              <a:defRPr sz="1400">
+                <a:solidFill>
+                  <a:schemeClr val="tx1">
+                    <a:tint val="75000"/>
+                  </a:schemeClr>
+                </a:solidFill>
+              </a:defRPr>
+            </a:lvl8pPr>
+            <a:lvl9pPr marL="3657600" indent="0">
+              <a:buNone/>
+              <a:defRPr sz="1400">
+                <a:solidFill>
+                  <a:schemeClr val="tx1">
+                    <a:tint val="75000"/>
+                  </a:schemeClr>
+                </a:solidFill>
+              </a:defRPr>
+            </a:lvl9pPr>
+          </a:lstStyle>
+          <a:p>
+            <a:pPr lvl="0"/>
+            <a:r>
+              <a:rPr lang="es-ES"/>
+              <a:t>Haga clic para modificar los estilos de texto del patrón</a:t>
+            </a:r>
+          </a:p>
+        </p:txBody>
+      </p:sp>
+      <p:sp>
+        <p:nvSpPr>
+          <p:cNvPr id="4" name="Date Placeholder 3"/>
           <p:cNvSpPr>
             <a:spLocks noGrp="1"/>
           </p:cNvSpPr>
@@ -685,13 +1416,7 @@
       </p:sp>
       <p:sp>
         <p:nvSpPr>
-          <p:cNvPr id="5" name="Footer Placeholder 4">
-            <a:extLst>
-              <a:ext uri="{FF2B5EF4-FFF2-40B4-BE49-F238E27FC236}">
-                <a16:creationId xmlns:a16="http://schemas.microsoft.com/office/drawing/2014/main" id="{87A96142-4D2B-481B-A91E-D842BE68836E}"/>
-              </a:ext>
-            </a:extLst>
-          </p:cNvPr>
+          <p:cNvPr id="5" name="Footer Placeholder 4"/>
           <p:cNvSpPr>
             <a:spLocks noGrp="1"/>
           </p:cNvSpPr>
@@ -710,13 +1435,7 @@
       </p:sp>
       <p:sp>
         <p:nvSpPr>
-          <p:cNvPr id="6" name="Slide Number Placeholder 5">
-            <a:extLst>
-              <a:ext uri="{FF2B5EF4-FFF2-40B4-BE49-F238E27FC236}">
-                <a16:creationId xmlns:a16="http://schemas.microsoft.com/office/drawing/2014/main" id="{B887E6CD-318E-4AD4-A431-010CE7F6F493}"/>
-              </a:ext>
-            </a:extLst>
-          </p:cNvPr>
+          <p:cNvPr id="6" name="Slide Number Placeholder 5"/>
           <p:cNvSpPr>
             <a:spLocks noGrp="1"/>
           </p:cNvSpPr>
@@ -731,16 +1450,92 @@
           <a:p>
             <a:fld id="{1D128B5B-32DC-4879-9BCA-E4DC3137B244}" type="slidenum">
               <a:rPr lang="es-MX" smtClean="0"/>
-              <a:t>‹#›</a:t>
+              <a:t>‹Nº›</a:t>
             </a:fld>
             <a:endParaRPr lang="es-MX"/>
+          </a:p>
+        </p:txBody>
+      </p:sp>
+      <p:sp>
+        <p:nvSpPr>
+          <p:cNvPr id="20" name="TextBox 19"/>
+          <p:cNvSpPr txBox="1"/>
+          <p:nvPr/>
+        </p:nvSpPr>
+        <p:spPr>
+          <a:xfrm>
+            <a:off x="541870" y="790378"/>
+            <a:ext cx="609600" cy="584776"/>
+          </a:xfrm>
+          <a:prstGeom prst="rect">
+            <a:avLst/>
+          </a:prstGeom>
+        </p:spPr>
+        <p:txBody>
+          <a:bodyPr vert="horz" lIns="91440" tIns="45720" rIns="91440" bIns="45720" rtlCol="0" anchor="ctr">
+            <a:noAutofit/>
+          </a:bodyPr>
+          <a:lstStyle/>
+          <a:p>
+            <a:pPr lvl="0"/>
+            <a:r>
+              <a:rPr lang="en-US" sz="8000" baseline="0" dirty="0">
+                <a:ln w="3175" cmpd="sng">
+                  <a:noFill/>
+                </a:ln>
+                <a:solidFill>
+                  <a:schemeClr val="accent1"/>
+                </a:solidFill>
+                <a:effectLst/>
+                <a:latin typeface="Arial"/>
+              </a:rPr>
+              <a:t>“</a:t>
+            </a:r>
+          </a:p>
+        </p:txBody>
+      </p:sp>
+      <p:sp>
+        <p:nvSpPr>
+          <p:cNvPr id="22" name="TextBox 21"/>
+          <p:cNvSpPr txBox="1"/>
+          <p:nvPr/>
+        </p:nvSpPr>
+        <p:spPr>
+          <a:xfrm>
+            <a:off x="8893011" y="2886556"/>
+            <a:ext cx="609600" cy="584776"/>
+          </a:xfrm>
+          <a:prstGeom prst="rect">
+            <a:avLst/>
+          </a:prstGeom>
+        </p:spPr>
+        <p:txBody>
+          <a:bodyPr vert="horz" lIns="91440" tIns="45720" rIns="91440" bIns="45720" rtlCol="0" anchor="ctr">
+            <a:noAutofit/>
+          </a:bodyPr>
+          <a:lstStyle/>
+          <a:p>
+            <a:pPr lvl="0"/>
+            <a:r>
+              <a:rPr lang="en-US" sz="8000" baseline="0" dirty="0">
+                <a:ln w="3175" cmpd="sng">
+                  <a:noFill/>
+                </a:ln>
+                <a:solidFill>
+                  <a:schemeClr val="accent1"/>
+                </a:solidFill>
+                <a:effectLst/>
+                <a:latin typeface="Arial"/>
+              </a:rPr>
+              <a:t>”</a:t>
+            </a:r>
           </a:p>
         </p:txBody>
       </p:sp>
     </p:spTree>
     <p:extLst>
       <p:ext uri="{BB962C8B-B14F-4D97-AF65-F5344CB8AC3E}">
-        <p14:creationId xmlns:p14="http://schemas.microsoft.com/office/powerpoint/2010/main" val="1601240947"/>
+        <p14:creationId xmlns:p14="http://schemas.microsoft.com/office/powerpoint/2010/main" val="60578525"/>
       </p:ext>
     </p:extLst>
   </p:cSld>
@@ -750,9 +1545,9 @@
 </p:sldLayout>
 </file>
 
-<file path=ppt/slideLayouts/slideLayout2.xml><?xml version="1.0" encoding="utf-8"?>
-<p:sldLayout xmlns:a="http://schemas.openxmlformats.org/drawingml/2006/main" xmlns:r="http://schemas.openxmlformats.org/officeDocument/2006/relationships" xmlns:p="http://schemas.openxmlformats.org/presentationml/2006/main" type="obj" preserve="1">
-  <p:cSld name="Title and Content">
+<file path=ppt/slideLayouts/slideLayout12.xml><?xml version="1.0" encoding="utf-8"?>
+<p:sldLayout xmlns:a="http://schemas.openxmlformats.org/drawingml/2006/main" xmlns:r="http://schemas.openxmlformats.org/officeDocument/2006/relationships" xmlns:p="http://schemas.openxmlformats.org/presentationml/2006/main" preserve="1">
+  <p:cSld name="Tarjeta de nombre">
     <p:spTree>
       <p:nvGrpSpPr>
         <p:cNvPr id="1" name=""/>
@@ -769,13 +1564,7 @@
       </p:grpSpPr>
       <p:sp>
         <p:nvSpPr>
-          <p:cNvPr id="2" name="Title 1">
-            <a:extLst>
-              <a:ext uri="{FF2B5EF4-FFF2-40B4-BE49-F238E27FC236}">
-                <a16:creationId xmlns:a16="http://schemas.microsoft.com/office/drawing/2014/main" id="{805BD2BB-4F12-4F8E-BDF8-75E8C55E1AA4}"/>
-              </a:ext>
-            </a:extLst>
-          </p:cNvPr>
+          <p:cNvPr id="2" name="Title 1"/>
           <p:cNvSpPr>
             <a:spLocks noGrp="1"/>
           </p:cNvSpPr>
@@ -783,86 +1572,155 @@
             <p:ph type="title"/>
           </p:nvPr>
         </p:nvSpPr>
-        <p:spPr/>
-        <p:txBody>
-          <a:bodyPr/>
-          <a:lstStyle/>
-          <a:p>
-            <a:r>
-              <a:rPr lang="en-US"/>
-              <a:t>Click to edit Master title style</a:t>
-            </a:r>
-            <a:endParaRPr lang="es-MX"/>
-          </a:p>
-        </p:txBody>
-      </p:sp>
-      <p:sp>
-        <p:nvSpPr>
-          <p:cNvPr id="3" name="Content Placeholder 2">
-            <a:extLst>
-              <a:ext uri="{FF2B5EF4-FFF2-40B4-BE49-F238E27FC236}">
-                <a16:creationId xmlns:a16="http://schemas.microsoft.com/office/drawing/2014/main" id="{D07DBBF5-3CE7-49A4-BCEE-38AD6EF78FDD}"/>
-              </a:ext>
-            </a:extLst>
-          </p:cNvPr>
-          <p:cNvSpPr>
-            <a:spLocks noGrp="1"/>
-          </p:cNvSpPr>
-          <p:nvPr>
-            <p:ph idx="1"/>
-          </p:nvPr>
-        </p:nvSpPr>
-        <p:spPr/>
-        <p:txBody>
-          <a:bodyPr/>
-          <a:lstStyle/>
+        <p:spPr>
+          <a:xfrm>
+            <a:off x="677335" y="1931988"/>
+            <a:ext cx="8596668" cy="2595460"/>
+          </a:xfrm>
+        </p:spPr>
+        <p:txBody>
+          <a:bodyPr anchor="b">
+            <a:normAutofit/>
+          </a:bodyPr>
+          <a:lstStyle>
+            <a:lvl1pPr algn="l">
+              <a:defRPr sz="4400" b="0" cap="none"/>
+            </a:lvl1pPr>
+          </a:lstStyle>
+          <a:p>
+            <a:r>
+              <a:rPr lang="es-ES"/>
+              <a:t>Haga clic para modificar el estilo de título del patrón</a:t>
+            </a:r>
+            <a:endParaRPr lang="en-US" dirty="0"/>
+          </a:p>
+        </p:txBody>
+      </p:sp>
+      <p:sp>
+        <p:nvSpPr>
+          <p:cNvPr id="3" name="Text Placeholder 2"/>
+          <p:cNvSpPr>
+            <a:spLocks noGrp="1"/>
+          </p:cNvSpPr>
+          <p:nvPr>
+            <p:ph type="body" idx="1"/>
+          </p:nvPr>
+        </p:nvSpPr>
+        <p:spPr>
+          <a:xfrm>
+            <a:off x="677335" y="4527448"/>
+            <a:ext cx="8596668" cy="1513914"/>
+          </a:xfrm>
+        </p:spPr>
+        <p:txBody>
+          <a:bodyPr anchor="t">
+            <a:normAutofit/>
+          </a:bodyPr>
+          <a:lstStyle>
+            <a:lvl1pPr marL="0" indent="0" algn="l">
+              <a:buNone/>
+              <a:defRPr sz="1800">
+                <a:solidFill>
+                  <a:schemeClr val="tx1">
+                    <a:lumMod val="75000"/>
+                    <a:lumOff val="25000"/>
+                  </a:schemeClr>
+                </a:solidFill>
+              </a:defRPr>
+            </a:lvl1pPr>
+            <a:lvl2pPr marL="457200" indent="0">
+              <a:buNone/>
+              <a:defRPr sz="1800">
+                <a:solidFill>
+                  <a:schemeClr val="tx1">
+                    <a:tint val="75000"/>
+                  </a:schemeClr>
+                </a:solidFill>
+              </a:defRPr>
+            </a:lvl2pPr>
+            <a:lvl3pPr marL="914400" indent="0">
+              <a:buNone/>
+              <a:defRPr sz="1600">
+                <a:solidFill>
+                  <a:schemeClr val="tx1">
+                    <a:tint val="75000"/>
+                  </a:schemeClr>
+                </a:solidFill>
+              </a:defRPr>
+            </a:lvl3pPr>
+            <a:lvl4pPr marL="1371600" indent="0">
+              <a:buNone/>
+              <a:defRPr sz="1400">
+                <a:solidFill>
+                  <a:schemeClr val="tx1">
+                    <a:tint val="75000"/>
+                  </a:schemeClr>
+                </a:solidFill>
+              </a:defRPr>
+            </a:lvl4pPr>
+            <a:lvl5pPr marL="1828800" indent="0">
+              <a:buNone/>
+              <a:defRPr sz="1400">
+                <a:solidFill>
+                  <a:schemeClr val="tx1">
+                    <a:tint val="75000"/>
+                  </a:schemeClr>
+                </a:solidFill>
+              </a:defRPr>
+            </a:lvl5pPr>
+            <a:lvl6pPr marL="2286000" indent="0">
+              <a:buNone/>
+              <a:defRPr sz="1400">
+                <a:solidFill>
+                  <a:schemeClr val="tx1">
+                    <a:tint val="75000"/>
+                  </a:schemeClr>
+                </a:solidFill>
+              </a:defRPr>
+            </a:lvl6pPr>
+            <a:lvl7pPr marL="2743200" indent="0">
+              <a:buNone/>
+              <a:defRPr sz="1400">
+                <a:solidFill>
+                  <a:schemeClr val="tx1">
+                    <a:tint val="75000"/>
+                  </a:schemeClr>
+                </a:solidFill>
+              </a:defRPr>
+            </a:lvl7pPr>
+            <a:lvl8pPr marL="3200400" indent="0">
+              <a:buNone/>
+              <a:defRPr sz="1400">
+                <a:solidFill>
+                  <a:schemeClr val="tx1">
+                    <a:tint val="75000"/>
+                  </a:schemeClr>
+                </a:solidFill>
+              </a:defRPr>
+            </a:lvl8pPr>
+            <a:lvl9pPr marL="3657600" indent="0">
+              <a:buNone/>
+              <a:defRPr sz="1400">
+                <a:solidFill>
+                  <a:schemeClr val="tx1">
+                    <a:tint val="75000"/>
+                  </a:schemeClr>
+                </a:solidFill>
+              </a:defRPr>
+            </a:lvl9pPr>
+          </a:lstStyle>
           <a:p>
             <a:pPr lvl="0"/>
             <a:r>
-              <a:rPr lang="en-US"/>
-              <a:t>Click to edit Master text styles</a:t>
-            </a:r>
-          </a:p>
-          <a:p>
-            <a:pPr lvl="1"/>
-            <a:r>
-              <a:rPr lang="en-US"/>
-              <a:t>Second level</a:t>
-            </a:r>
-          </a:p>
-          <a:p>
-            <a:pPr lvl="2"/>
-            <a:r>
-              <a:rPr lang="en-US"/>
-              <a:t>Third level</a:t>
-            </a:r>
-          </a:p>
-          <a:p>
-            <a:pPr lvl="3"/>
-            <a:r>
-              <a:rPr lang="en-US"/>
-              <a:t>Fourth level</a:t>
-            </a:r>
-          </a:p>
-          <a:p>
-            <a:pPr lvl="4"/>
-            <a:r>
-              <a:rPr lang="en-US"/>
-              <a:t>Fifth level</a:t>
-            </a:r>
-            <a:endParaRPr lang="es-MX"/>
-          </a:p>
-        </p:txBody>
-      </p:sp>
-      <p:sp>
-        <p:nvSpPr>
-          <p:cNvPr id="4" name="Date Placeholder 3">
-            <a:extLst>
-              <a:ext uri="{FF2B5EF4-FFF2-40B4-BE49-F238E27FC236}">
-                <a16:creationId xmlns:a16="http://schemas.microsoft.com/office/drawing/2014/main" id="{EA8C8D2A-D8CA-48DA-B555-A7C725D12816}"/>
-              </a:ext>
-            </a:extLst>
-          </p:cNvPr>
+              <a:rPr lang="es-ES"/>
+              <a:t>Haga clic para modificar los estilos de texto del patrón</a:t>
+            </a:r>
+          </a:p>
+        </p:txBody>
+      </p:sp>
+      <p:sp>
+        <p:nvSpPr>
+          <p:cNvPr id="4" name="Date Placeholder 3"/>
           <p:cNvSpPr>
             <a:spLocks noGrp="1"/>
           </p:cNvSpPr>
@@ -885,13 +1743,7 @@
       </p:sp>
       <p:sp>
         <p:nvSpPr>
-          <p:cNvPr id="5" name="Footer Placeholder 4">
-            <a:extLst>
-              <a:ext uri="{FF2B5EF4-FFF2-40B4-BE49-F238E27FC236}">
-                <a16:creationId xmlns:a16="http://schemas.microsoft.com/office/drawing/2014/main" id="{7CAD4CB7-16DC-4D05-B3F5-72C5C17AF410}"/>
-              </a:ext>
-            </a:extLst>
-          </p:cNvPr>
+          <p:cNvPr id="5" name="Footer Placeholder 4"/>
           <p:cNvSpPr>
             <a:spLocks noGrp="1"/>
           </p:cNvSpPr>
@@ -910,13 +1762,7 @@
       </p:sp>
       <p:sp>
         <p:nvSpPr>
-          <p:cNvPr id="6" name="Slide Number Placeholder 5">
-            <a:extLst>
-              <a:ext uri="{FF2B5EF4-FFF2-40B4-BE49-F238E27FC236}">
-                <a16:creationId xmlns:a16="http://schemas.microsoft.com/office/drawing/2014/main" id="{19CD9E31-A072-47B1-9253-1B98402CBE59}"/>
-              </a:ext>
-            </a:extLst>
-          </p:cNvPr>
+          <p:cNvPr id="6" name="Slide Number Placeholder 5"/>
           <p:cNvSpPr>
             <a:spLocks noGrp="1"/>
           </p:cNvSpPr>
@@ -931,7 +1777,7 @@
           <a:p>
             <a:fld id="{1D128B5B-32DC-4879-9BCA-E4DC3137B244}" type="slidenum">
               <a:rPr lang="es-MX" smtClean="0"/>
-              <a:t>‹#›</a:t>
+              <a:t>‹Nº›</a:t>
             </a:fld>
             <a:endParaRPr lang="es-MX"/>
           </a:p>
@@ -940,7 +1786,7 @@
     </p:spTree>
     <p:extLst>
       <p:ext uri="{BB962C8B-B14F-4D97-AF65-F5344CB8AC3E}">
-        <p14:creationId xmlns:p14="http://schemas.microsoft.com/office/powerpoint/2010/main" val="2187736441"/>
+        <p14:creationId xmlns:p14="http://schemas.microsoft.com/office/powerpoint/2010/main" val="2012248758"/>
       </p:ext>
     </p:extLst>
   </p:cSld>
@@ -950,9 +1796,9 @@
 </p:sldLayout>
 </file>
 
-<file path=ppt/slideLayouts/slideLayout3.xml><?xml version="1.0" encoding="utf-8"?>
-<p:sldLayout xmlns:a="http://schemas.openxmlformats.org/drawingml/2006/main" xmlns:r="http://schemas.openxmlformats.org/officeDocument/2006/relationships" xmlns:p="http://schemas.openxmlformats.org/presentationml/2006/main" type="secHead" preserve="1">
-  <p:cSld name="Section Header">
+<file path=ppt/slideLayouts/slideLayout13.xml><?xml version="1.0" encoding="utf-8"?>
+<p:sldLayout xmlns:a="http://schemas.openxmlformats.org/drawingml/2006/main" xmlns:r="http://schemas.openxmlformats.org/officeDocument/2006/relationships" xmlns:p="http://schemas.openxmlformats.org/presentationml/2006/main" preserve="1">
+  <p:cSld name="Citar la tarjeta de nombre">
     <p:spTree>
       <p:nvGrpSpPr>
         <p:cNvPr id="1" name=""/>
@@ -969,13 +1815,7 @@
       </p:grpSpPr>
       <p:sp>
         <p:nvSpPr>
-          <p:cNvPr id="2" name="Title 1">
-            <a:extLst>
-              <a:ext uri="{FF2B5EF4-FFF2-40B4-BE49-F238E27FC236}">
-                <a16:creationId xmlns:a16="http://schemas.microsoft.com/office/drawing/2014/main" id="{3742EE77-1738-4F6E-BD2C-72E14810C0E7}"/>
-              </a:ext>
-            </a:extLst>
-          </p:cNvPr>
+          <p:cNvPr id="2" name="Title 1"/>
           <p:cNvSpPr>
             <a:spLocks noGrp="1"/>
           </p:cNvSpPr>
@@ -985,160 +1825,216 @@
         </p:nvSpPr>
         <p:spPr>
           <a:xfrm>
-            <a:off x="831850" y="1709738"/>
-            <a:ext cx="10515600" cy="2852737"/>
+            <a:off x="931334" y="609600"/>
+            <a:ext cx="8094134" cy="3022600"/>
           </a:xfrm>
         </p:spPr>
         <p:txBody>
-          <a:bodyPr anchor="b"/>
+          <a:bodyPr anchor="ctr">
+            <a:normAutofit/>
+          </a:bodyPr>
           <a:lstStyle>
-            <a:lvl1pPr>
-              <a:defRPr sz="6000"/>
+            <a:lvl1pPr algn="l">
+              <a:defRPr sz="4400" b="0" cap="none"/>
             </a:lvl1pPr>
           </a:lstStyle>
           <a:p>
             <a:r>
-              <a:rPr lang="en-US"/>
-              <a:t>Click to edit Master title style</a:t>
-            </a:r>
-            <a:endParaRPr lang="es-MX"/>
-          </a:p>
-        </p:txBody>
-      </p:sp>
-      <p:sp>
-        <p:nvSpPr>
-          <p:cNvPr id="3" name="Text Placeholder 2">
-            <a:extLst>
-              <a:ext uri="{FF2B5EF4-FFF2-40B4-BE49-F238E27FC236}">
-                <a16:creationId xmlns:a16="http://schemas.microsoft.com/office/drawing/2014/main" id="{B289ABDD-7550-4CCC-A3F5-D3698A33ACBE}"/>
-              </a:ext>
-            </a:extLst>
-          </p:cNvPr>
-          <p:cNvSpPr>
-            <a:spLocks noGrp="1"/>
-          </p:cNvSpPr>
-          <p:nvPr>
-            <p:ph type="body" idx="1"/>
+              <a:rPr lang="es-ES"/>
+              <a:t>Haga clic para modificar el estilo de título del patrón</a:t>
+            </a:r>
+            <a:endParaRPr lang="en-US" dirty="0"/>
+          </a:p>
+        </p:txBody>
+      </p:sp>
+      <p:sp>
+        <p:nvSpPr>
+          <p:cNvPr id="23" name="Text Placeholder 9"/>
+          <p:cNvSpPr>
+            <a:spLocks noGrp="1"/>
+          </p:cNvSpPr>
+          <p:nvPr>
+            <p:ph type="body" sz="quarter" idx="13"/>
           </p:nvPr>
         </p:nvSpPr>
         <p:spPr>
           <a:xfrm>
-            <a:off x="831850" y="4589463"/>
-            <a:ext cx="10515600" cy="1500187"/>
+            <a:off x="677332" y="4013200"/>
+            <a:ext cx="8596669" cy="514248"/>
           </a:xfrm>
         </p:spPr>
         <p:txBody>
-          <a:bodyPr/>
+          <a:bodyPr anchor="b">
+            <a:noAutofit/>
+          </a:bodyPr>
           <a:lstStyle>
             <a:lvl1pPr marL="0" indent="0">
+              <a:buFontTx/>
               <a:buNone/>
               <a:defRPr sz="2400">
+                <a:solidFill>
+                  <a:schemeClr val="tx1">
+                    <a:lumMod val="75000"/>
+                    <a:lumOff val="25000"/>
+                  </a:schemeClr>
+                </a:solidFill>
+              </a:defRPr>
+            </a:lvl1pPr>
+            <a:lvl2pPr marL="457200" indent="0">
+              <a:buFontTx/>
+              <a:buNone/>
+              <a:defRPr/>
+            </a:lvl2pPr>
+            <a:lvl3pPr marL="914400" indent="0">
+              <a:buFontTx/>
+              <a:buNone/>
+              <a:defRPr/>
+            </a:lvl3pPr>
+            <a:lvl4pPr marL="1371600" indent="0">
+              <a:buFontTx/>
+              <a:buNone/>
+              <a:defRPr/>
+            </a:lvl4pPr>
+            <a:lvl5pPr marL="1828800" indent="0">
+              <a:buFontTx/>
+              <a:buNone/>
+              <a:defRPr/>
+            </a:lvl5pPr>
+          </a:lstStyle>
+          <a:p>
+            <a:pPr lvl="0"/>
+            <a:r>
+              <a:rPr lang="es-ES"/>
+              <a:t>Haga clic para modificar los estilos de texto del patrón</a:t>
+            </a:r>
+          </a:p>
+        </p:txBody>
+      </p:sp>
+      <p:sp>
+        <p:nvSpPr>
+          <p:cNvPr id="3" name="Text Placeholder 2"/>
+          <p:cNvSpPr>
+            <a:spLocks noGrp="1"/>
+          </p:cNvSpPr>
+          <p:nvPr>
+            <p:ph type="body" idx="1"/>
+          </p:nvPr>
+        </p:nvSpPr>
+        <p:spPr>
+          <a:xfrm>
+            <a:off x="677335" y="4527448"/>
+            <a:ext cx="8596668" cy="1513914"/>
+          </a:xfrm>
+        </p:spPr>
+        <p:txBody>
+          <a:bodyPr anchor="t">
+            <a:normAutofit/>
+          </a:bodyPr>
+          <a:lstStyle>
+            <a:lvl1pPr marL="0" indent="0" algn="l">
+              <a:buNone/>
+              <a:defRPr sz="1800">
+                <a:solidFill>
+                  <a:schemeClr val="tx1">
+                    <a:lumMod val="50000"/>
+                    <a:lumOff val="50000"/>
+                  </a:schemeClr>
+                </a:solidFill>
+              </a:defRPr>
+            </a:lvl1pPr>
+            <a:lvl2pPr marL="457200" indent="0">
+              <a:buNone/>
+              <a:defRPr sz="1800">
                 <a:solidFill>
                   <a:schemeClr val="tx1">
                     <a:tint val="75000"/>
                   </a:schemeClr>
                 </a:solidFill>
               </a:defRPr>
-            </a:lvl1pPr>
-            <a:lvl2pPr marL="457200" indent="0">
-              <a:buNone/>
-              <a:defRPr sz="2000">
+            </a:lvl2pPr>
+            <a:lvl3pPr marL="914400" indent="0">
+              <a:buNone/>
+              <a:defRPr sz="1600">
                 <a:solidFill>
                   <a:schemeClr val="tx1">
                     <a:tint val="75000"/>
                   </a:schemeClr>
                 </a:solidFill>
               </a:defRPr>
-            </a:lvl2pPr>
-            <a:lvl3pPr marL="914400" indent="0">
-              <a:buNone/>
-              <a:defRPr sz="1800">
+            </a:lvl3pPr>
+            <a:lvl4pPr marL="1371600" indent="0">
+              <a:buNone/>
+              <a:defRPr sz="1400">
                 <a:solidFill>
                   <a:schemeClr val="tx1">
                     <a:tint val="75000"/>
                   </a:schemeClr>
                 </a:solidFill>
               </a:defRPr>
-            </a:lvl3pPr>
-            <a:lvl4pPr marL="1371600" indent="0">
-              <a:buNone/>
-              <a:defRPr sz="1600">
+            </a:lvl4pPr>
+            <a:lvl5pPr marL="1828800" indent="0">
+              <a:buNone/>
+              <a:defRPr sz="1400">
                 <a:solidFill>
                   <a:schemeClr val="tx1">
                     <a:tint val="75000"/>
                   </a:schemeClr>
                 </a:solidFill>
               </a:defRPr>
-            </a:lvl4pPr>
-            <a:lvl5pPr marL="1828800" indent="0">
-              <a:buNone/>
-              <a:defRPr sz="1600">
+            </a:lvl5pPr>
+            <a:lvl6pPr marL="2286000" indent="0">
+              <a:buNone/>
+              <a:defRPr sz="1400">
                 <a:solidFill>
                   <a:schemeClr val="tx1">
                     <a:tint val="75000"/>
                   </a:schemeClr>
                 </a:solidFill>
               </a:defRPr>
-            </a:lvl5pPr>
-            <a:lvl6pPr marL="2286000" indent="0">
-              <a:buNone/>
-              <a:defRPr sz="1600">
+            </a:lvl6pPr>
+            <a:lvl7pPr marL="2743200" indent="0">
+              <a:buNone/>
+              <a:defRPr sz="1400">
                 <a:solidFill>
                   <a:schemeClr val="tx1">
                     <a:tint val="75000"/>
                   </a:schemeClr>
                 </a:solidFill>
               </a:defRPr>
-            </a:lvl6pPr>
-            <a:lvl7pPr marL="2743200" indent="0">
-              <a:buNone/>
-              <a:defRPr sz="1600">
+            </a:lvl7pPr>
+            <a:lvl8pPr marL="3200400" indent="0">
+              <a:buNone/>
+              <a:defRPr sz="1400">
                 <a:solidFill>
                   <a:schemeClr val="tx1">
                     <a:tint val="75000"/>
                   </a:schemeClr>
                 </a:solidFill>
               </a:defRPr>
-            </a:lvl7pPr>
-            <a:lvl8pPr marL="3200400" indent="0">
-              <a:buNone/>
-              <a:defRPr sz="1600">
+            </a:lvl8pPr>
+            <a:lvl9pPr marL="3657600" indent="0">
+              <a:buNone/>
+              <a:defRPr sz="1400">
                 <a:solidFill>
                   <a:schemeClr val="tx1">
                     <a:tint val="75000"/>
                   </a:schemeClr>
                 </a:solidFill>
               </a:defRPr>
-            </a:lvl8pPr>
-            <a:lvl9pPr marL="3657600" indent="0">
-              <a:buNone/>
-              <a:defRPr sz="1600">
-                <a:solidFill>
-                  <a:schemeClr val="tx1">
-                    <a:tint val="75000"/>
-                  </a:schemeClr>
-                </a:solidFill>
-              </a:defRPr>
             </a:lvl9pPr>
           </a:lstStyle>
           <a:p>
             <a:pPr lvl="0"/>
             <a:r>
-              <a:rPr lang="en-US"/>
-              <a:t>Click to edit Master text styles</a:t>
-            </a:r>
-          </a:p>
-        </p:txBody>
-      </p:sp>
-      <p:sp>
-        <p:nvSpPr>
-          <p:cNvPr id="4" name="Date Placeholder 3">
-            <a:extLst>
-              <a:ext uri="{FF2B5EF4-FFF2-40B4-BE49-F238E27FC236}">
-                <a16:creationId xmlns:a16="http://schemas.microsoft.com/office/drawing/2014/main" id="{07B746D1-2039-4C3E-8BD1-189FFF438E10}"/>
-              </a:ext>
-            </a:extLst>
-          </p:cNvPr>
+              <a:rPr lang="es-ES"/>
+              <a:t>Haga clic para modificar los estilos de texto del patrón</a:t>
+            </a:r>
+          </a:p>
+        </p:txBody>
+      </p:sp>
+      <p:sp>
+        <p:nvSpPr>
+          <p:cNvPr id="4" name="Date Placeholder 3"/>
           <p:cNvSpPr>
             <a:spLocks noGrp="1"/>
           </p:cNvSpPr>
@@ -1161,13 +2057,7 @@
       </p:sp>
       <p:sp>
         <p:nvSpPr>
-          <p:cNvPr id="5" name="Footer Placeholder 4">
-            <a:extLst>
-              <a:ext uri="{FF2B5EF4-FFF2-40B4-BE49-F238E27FC236}">
-                <a16:creationId xmlns:a16="http://schemas.microsoft.com/office/drawing/2014/main" id="{F5E067F6-BD94-414E-87B0-C6E2CBFF4DEC}"/>
-              </a:ext>
-            </a:extLst>
-          </p:cNvPr>
+          <p:cNvPr id="5" name="Footer Placeholder 4"/>
           <p:cNvSpPr>
             <a:spLocks noGrp="1"/>
           </p:cNvSpPr>
@@ -1186,13 +2076,7 @@
       </p:sp>
       <p:sp>
         <p:nvSpPr>
-          <p:cNvPr id="6" name="Slide Number Placeholder 5">
-            <a:extLst>
-              <a:ext uri="{FF2B5EF4-FFF2-40B4-BE49-F238E27FC236}">
-                <a16:creationId xmlns:a16="http://schemas.microsoft.com/office/drawing/2014/main" id="{1C5717D4-95FB-45E8-8FDD-CCC713BC0FBF}"/>
-              </a:ext>
-            </a:extLst>
-          </p:cNvPr>
+          <p:cNvPr id="6" name="Slide Number Placeholder 5"/>
           <p:cNvSpPr>
             <a:spLocks noGrp="1"/>
           </p:cNvSpPr>
@@ -1207,16 +2091,92 @@
           <a:p>
             <a:fld id="{1D128B5B-32DC-4879-9BCA-E4DC3137B244}" type="slidenum">
               <a:rPr lang="es-MX" smtClean="0"/>
-              <a:t>‹#›</a:t>
+              <a:t>‹Nº›</a:t>
             </a:fld>
             <a:endParaRPr lang="es-MX"/>
+          </a:p>
+        </p:txBody>
+      </p:sp>
+      <p:sp>
+        <p:nvSpPr>
+          <p:cNvPr id="24" name="TextBox 23"/>
+          <p:cNvSpPr txBox="1"/>
+          <p:nvPr/>
+        </p:nvSpPr>
+        <p:spPr>
+          <a:xfrm>
+            <a:off x="541870" y="790378"/>
+            <a:ext cx="609600" cy="584776"/>
+          </a:xfrm>
+          <a:prstGeom prst="rect">
+            <a:avLst/>
+          </a:prstGeom>
+        </p:spPr>
+        <p:txBody>
+          <a:bodyPr vert="horz" lIns="91440" tIns="45720" rIns="91440" bIns="45720" rtlCol="0" anchor="ctr">
+            <a:noAutofit/>
+          </a:bodyPr>
+          <a:lstStyle/>
+          <a:p>
+            <a:pPr lvl="0"/>
+            <a:r>
+              <a:rPr lang="en-US" sz="8000" baseline="0" dirty="0">
+                <a:ln w="3175" cmpd="sng">
+                  <a:noFill/>
+                </a:ln>
+                <a:solidFill>
+                  <a:schemeClr val="accent1"/>
+                </a:solidFill>
+                <a:effectLst/>
+                <a:latin typeface="Arial"/>
+              </a:rPr>
+              <a:t>“</a:t>
+            </a:r>
+          </a:p>
+        </p:txBody>
+      </p:sp>
+      <p:sp>
+        <p:nvSpPr>
+          <p:cNvPr id="25" name="TextBox 24"/>
+          <p:cNvSpPr txBox="1"/>
+          <p:nvPr/>
+        </p:nvSpPr>
+        <p:spPr>
+          <a:xfrm>
+            <a:off x="8893011" y="2886556"/>
+            <a:ext cx="609600" cy="584776"/>
+          </a:xfrm>
+          <a:prstGeom prst="rect">
+            <a:avLst/>
+          </a:prstGeom>
+        </p:spPr>
+        <p:txBody>
+          <a:bodyPr vert="horz" lIns="91440" tIns="45720" rIns="91440" bIns="45720" rtlCol="0" anchor="ctr">
+            <a:noAutofit/>
+          </a:bodyPr>
+          <a:lstStyle/>
+          <a:p>
+            <a:pPr lvl="0"/>
+            <a:r>
+              <a:rPr lang="en-US" sz="8000" baseline="0" dirty="0">
+                <a:ln w="3175" cmpd="sng">
+                  <a:noFill/>
+                </a:ln>
+                <a:solidFill>
+                  <a:schemeClr val="accent1"/>
+                </a:solidFill>
+                <a:effectLst/>
+                <a:latin typeface="Arial"/>
+              </a:rPr>
+              <a:t>”</a:t>
+            </a:r>
           </a:p>
         </p:txBody>
       </p:sp>
     </p:spTree>
     <p:extLst>
       <p:ext uri="{BB962C8B-B14F-4D97-AF65-F5344CB8AC3E}">
-        <p14:creationId xmlns:p14="http://schemas.microsoft.com/office/powerpoint/2010/main" val="4252255721"/>
+        <p14:creationId xmlns:p14="http://schemas.microsoft.com/office/powerpoint/2010/main" val="974866540"/>
       </p:ext>
     </p:extLst>
   </p:cSld>
@@ -1226,9 +2186,9 @@
 </p:sldLayout>
 </file>
 
-<file path=ppt/slideLayouts/slideLayout4.xml><?xml version="1.0" encoding="utf-8"?>
-<p:sldLayout xmlns:a="http://schemas.openxmlformats.org/drawingml/2006/main" xmlns:r="http://schemas.openxmlformats.org/officeDocument/2006/relationships" xmlns:p="http://schemas.openxmlformats.org/presentationml/2006/main" type="twoObj" preserve="1">
-  <p:cSld name="Two Content">
+<file path=ppt/slideLayouts/slideLayout14.xml><?xml version="1.0" encoding="utf-8"?>
+<p:sldLayout xmlns:a="http://schemas.openxmlformats.org/drawingml/2006/main" xmlns:r="http://schemas.openxmlformats.org/officeDocument/2006/relationships" xmlns:p="http://schemas.openxmlformats.org/presentationml/2006/main" preserve="1">
+  <p:cSld name="Verdadero o falso">
     <p:spTree>
       <p:nvGrpSpPr>
         <p:cNvPr id="1" name=""/>
@@ -1245,168 +2205,223 @@
       </p:grpSpPr>
       <p:sp>
         <p:nvSpPr>
-          <p:cNvPr id="2" name="Title 1">
-            <a:extLst>
-              <a:ext uri="{FF2B5EF4-FFF2-40B4-BE49-F238E27FC236}">
-                <a16:creationId xmlns:a16="http://schemas.microsoft.com/office/drawing/2014/main" id="{DBB3A172-5529-40DD-B041-BA8F33A9115A}"/>
-              </a:ext>
-            </a:extLst>
-          </p:cNvPr>
+          <p:cNvPr id="2" name="Title 1"/>
           <p:cNvSpPr>
             <a:spLocks noGrp="1"/>
           </p:cNvSpPr>
           <p:nvPr>
             <p:ph type="title"/>
-          </p:nvPr>
-        </p:nvSpPr>
-        <p:spPr/>
-        <p:txBody>
-          <a:bodyPr/>
-          <a:lstStyle/>
-          <a:p>
-            <a:r>
-              <a:rPr lang="en-US"/>
-              <a:t>Click to edit Master title style</a:t>
-            </a:r>
-            <a:endParaRPr lang="es-MX"/>
-          </a:p>
-        </p:txBody>
-      </p:sp>
-      <p:sp>
-        <p:nvSpPr>
-          <p:cNvPr id="3" name="Content Placeholder 2">
-            <a:extLst>
-              <a:ext uri="{FF2B5EF4-FFF2-40B4-BE49-F238E27FC236}">
-                <a16:creationId xmlns:a16="http://schemas.microsoft.com/office/drawing/2014/main" id="{956F97AD-B6A7-42B2-8279-07AE9D5D0A8B}"/>
-              </a:ext>
-            </a:extLst>
-          </p:cNvPr>
-          <p:cNvSpPr>
-            <a:spLocks noGrp="1"/>
-          </p:cNvSpPr>
-          <p:nvPr>
-            <p:ph sz="half" idx="1"/>
           </p:nvPr>
         </p:nvSpPr>
         <p:spPr>
           <a:xfrm>
-            <a:off x="838200" y="1825625"/>
-            <a:ext cx="5181600" cy="4351338"/>
+            <a:off x="685799" y="609600"/>
+            <a:ext cx="8588203" cy="3022600"/>
           </a:xfrm>
         </p:spPr>
         <p:txBody>
-          <a:bodyPr/>
-          <a:lstStyle/>
-          <a:p>
-            <a:pPr lvl="0"/>
-            <a:r>
-              <a:rPr lang="en-US"/>
-              <a:t>Click to edit Master text styles</a:t>
-            </a:r>
-          </a:p>
-          <a:p>
-            <a:pPr lvl="1"/>
-            <a:r>
-              <a:rPr lang="en-US"/>
-              <a:t>Second level</a:t>
-            </a:r>
-          </a:p>
-          <a:p>
-            <a:pPr lvl="2"/>
-            <a:r>
-              <a:rPr lang="en-US"/>
-              <a:t>Third level</a:t>
-            </a:r>
-          </a:p>
-          <a:p>
-            <a:pPr lvl="3"/>
-            <a:r>
-              <a:rPr lang="en-US"/>
-              <a:t>Fourth level</a:t>
-            </a:r>
-          </a:p>
-          <a:p>
-            <a:pPr lvl="4"/>
-            <a:r>
-              <a:rPr lang="en-US"/>
-              <a:t>Fifth level</a:t>
-            </a:r>
-            <a:endParaRPr lang="es-MX"/>
-          </a:p>
-        </p:txBody>
-      </p:sp>
-      <p:sp>
-        <p:nvSpPr>
-          <p:cNvPr id="4" name="Content Placeholder 3">
-            <a:extLst>
-              <a:ext uri="{FF2B5EF4-FFF2-40B4-BE49-F238E27FC236}">
-                <a16:creationId xmlns:a16="http://schemas.microsoft.com/office/drawing/2014/main" id="{2AE796C5-E386-41EE-8A9A-23CCADF51909}"/>
-              </a:ext>
-            </a:extLst>
-          </p:cNvPr>
-          <p:cNvSpPr>
-            <a:spLocks noGrp="1"/>
-          </p:cNvSpPr>
-          <p:nvPr>
-            <p:ph sz="half" idx="2"/>
+          <a:bodyPr anchor="ctr">
+            <a:normAutofit/>
+          </a:bodyPr>
+          <a:lstStyle>
+            <a:lvl1pPr algn="l">
+              <a:defRPr sz="4400" b="0" cap="none"/>
+            </a:lvl1pPr>
+          </a:lstStyle>
+          <a:p>
+            <a:r>
+              <a:rPr lang="es-ES"/>
+              <a:t>Haga clic para modificar el estilo de título del patrón</a:t>
+            </a:r>
+            <a:endParaRPr lang="en-US" dirty="0"/>
+          </a:p>
+        </p:txBody>
+      </p:sp>
+      <p:sp>
+        <p:nvSpPr>
+          <p:cNvPr id="23" name="Text Placeholder 9"/>
+          <p:cNvSpPr>
+            <a:spLocks noGrp="1"/>
+          </p:cNvSpPr>
+          <p:nvPr>
+            <p:ph type="body" sz="quarter" idx="13"/>
           </p:nvPr>
         </p:nvSpPr>
         <p:spPr>
           <a:xfrm>
-            <a:off x="6172200" y="1825625"/>
-            <a:ext cx="5181600" cy="4351338"/>
+            <a:off x="677332" y="4013200"/>
+            <a:ext cx="8596669" cy="514248"/>
           </a:xfrm>
         </p:spPr>
         <p:txBody>
-          <a:bodyPr/>
-          <a:lstStyle/>
+          <a:bodyPr anchor="b">
+            <a:noAutofit/>
+          </a:bodyPr>
+          <a:lstStyle>
+            <a:lvl1pPr marL="0" indent="0">
+              <a:buFontTx/>
+              <a:buNone/>
+              <a:defRPr sz="2400">
+                <a:solidFill>
+                  <a:schemeClr val="accent1"/>
+                </a:solidFill>
+              </a:defRPr>
+            </a:lvl1pPr>
+            <a:lvl2pPr marL="457200" indent="0">
+              <a:buFontTx/>
+              <a:buNone/>
+              <a:defRPr/>
+            </a:lvl2pPr>
+            <a:lvl3pPr marL="914400" indent="0">
+              <a:buFontTx/>
+              <a:buNone/>
+              <a:defRPr/>
+            </a:lvl3pPr>
+            <a:lvl4pPr marL="1371600" indent="0">
+              <a:buFontTx/>
+              <a:buNone/>
+              <a:defRPr/>
+            </a:lvl4pPr>
+            <a:lvl5pPr marL="1828800" indent="0">
+              <a:buFontTx/>
+              <a:buNone/>
+              <a:defRPr/>
+            </a:lvl5pPr>
+          </a:lstStyle>
           <a:p>
             <a:pPr lvl="0"/>
             <a:r>
-              <a:rPr lang="en-US"/>
-              <a:t>Click to edit Master text styles</a:t>
-            </a:r>
-          </a:p>
-          <a:p>
-            <a:pPr lvl="1"/>
-            <a:r>
-              <a:rPr lang="en-US"/>
-              <a:t>Second level</a:t>
-            </a:r>
-          </a:p>
-          <a:p>
-            <a:pPr lvl="2"/>
-            <a:r>
-              <a:rPr lang="en-US"/>
-              <a:t>Third level</a:t>
-            </a:r>
-          </a:p>
-          <a:p>
-            <a:pPr lvl="3"/>
-            <a:r>
-              <a:rPr lang="en-US"/>
-              <a:t>Fourth level</a:t>
-            </a:r>
-          </a:p>
-          <a:p>
-            <a:pPr lvl="4"/>
-            <a:r>
-              <a:rPr lang="en-US"/>
-              <a:t>Fifth level</a:t>
-            </a:r>
-            <a:endParaRPr lang="es-MX"/>
-          </a:p>
-        </p:txBody>
-      </p:sp>
-      <p:sp>
-        <p:nvSpPr>
-          <p:cNvPr id="5" name="Date Placeholder 4">
-            <a:extLst>
-              <a:ext uri="{FF2B5EF4-FFF2-40B4-BE49-F238E27FC236}">
-                <a16:creationId xmlns:a16="http://schemas.microsoft.com/office/drawing/2014/main" id="{B5509874-0F95-463F-A2A5-11C377456BF9}"/>
-              </a:ext>
-            </a:extLst>
-          </p:cNvPr>
+              <a:rPr lang="es-ES"/>
+              <a:t>Haga clic para modificar los estilos de texto del patrón</a:t>
+            </a:r>
+          </a:p>
+        </p:txBody>
+      </p:sp>
+      <p:sp>
+        <p:nvSpPr>
+          <p:cNvPr id="3" name="Text Placeholder 2"/>
+          <p:cNvSpPr>
+            <a:spLocks noGrp="1"/>
+          </p:cNvSpPr>
+          <p:nvPr>
+            <p:ph type="body" idx="1"/>
+          </p:nvPr>
+        </p:nvSpPr>
+        <p:spPr>
+          <a:xfrm>
+            <a:off x="677335" y="4527448"/>
+            <a:ext cx="8596668" cy="1513914"/>
+          </a:xfrm>
+        </p:spPr>
+        <p:txBody>
+          <a:bodyPr anchor="t">
+            <a:normAutofit/>
+          </a:bodyPr>
+          <a:lstStyle>
+            <a:lvl1pPr marL="0" indent="0" algn="l">
+              <a:buNone/>
+              <a:defRPr sz="1800">
+                <a:solidFill>
+                  <a:schemeClr val="tx1">
+                    <a:lumMod val="50000"/>
+                    <a:lumOff val="50000"/>
+                  </a:schemeClr>
+                </a:solidFill>
+              </a:defRPr>
+            </a:lvl1pPr>
+            <a:lvl2pPr marL="457200" indent="0">
+              <a:buNone/>
+              <a:defRPr sz="1800">
+                <a:solidFill>
+                  <a:schemeClr val="tx1">
+                    <a:tint val="75000"/>
+                  </a:schemeClr>
+                </a:solidFill>
+              </a:defRPr>
+            </a:lvl2pPr>
+            <a:lvl3pPr marL="914400" indent="0">
+              <a:buNone/>
+              <a:defRPr sz="1600">
+                <a:solidFill>
+                  <a:schemeClr val="tx1">
+                    <a:tint val="75000"/>
+                  </a:schemeClr>
+                </a:solidFill>
+              </a:defRPr>
+            </a:lvl3pPr>
+            <a:lvl4pPr marL="1371600" indent="0">
+              <a:buNone/>
+              <a:defRPr sz="1400">
+                <a:solidFill>
+                  <a:schemeClr val="tx1">
+                    <a:tint val="75000"/>
+                  </a:schemeClr>
+                </a:solidFill>
+              </a:defRPr>
+            </a:lvl4pPr>
+            <a:lvl5pPr marL="1828800" indent="0">
+              <a:buNone/>
+              <a:defRPr sz="1400">
+                <a:solidFill>
+                  <a:schemeClr val="tx1">
+                    <a:tint val="75000"/>
+                  </a:schemeClr>
+                </a:solidFill>
+              </a:defRPr>
+            </a:lvl5pPr>
+            <a:lvl6pPr marL="2286000" indent="0">
+              <a:buNone/>
+              <a:defRPr sz="1400">
+                <a:solidFill>
+                  <a:schemeClr val="tx1">
+                    <a:tint val="75000"/>
+                  </a:schemeClr>
+                </a:solidFill>
+              </a:defRPr>
+            </a:lvl6pPr>
+            <a:lvl7pPr marL="2743200" indent="0">
+              <a:buNone/>
+              <a:defRPr sz="1400">
+                <a:solidFill>
+                  <a:schemeClr val="tx1">
+                    <a:tint val="75000"/>
+                  </a:schemeClr>
+                </a:solidFill>
+              </a:defRPr>
+            </a:lvl7pPr>
+            <a:lvl8pPr marL="3200400" indent="0">
+              <a:buNone/>
+              <a:defRPr sz="1400">
+                <a:solidFill>
+                  <a:schemeClr val="tx1">
+                    <a:tint val="75000"/>
+                  </a:schemeClr>
+                </a:solidFill>
+              </a:defRPr>
+            </a:lvl8pPr>
+            <a:lvl9pPr marL="3657600" indent="0">
+              <a:buNone/>
+              <a:defRPr sz="1400">
+                <a:solidFill>
+                  <a:schemeClr val="tx1">
+                    <a:tint val="75000"/>
+                  </a:schemeClr>
+                </a:solidFill>
+              </a:defRPr>
+            </a:lvl9pPr>
+          </a:lstStyle>
+          <a:p>
+            <a:pPr lvl="0"/>
+            <a:r>
+              <a:rPr lang="es-ES"/>
+              <a:t>Haga clic para modificar los estilos de texto del patrón</a:t>
+            </a:r>
+          </a:p>
+        </p:txBody>
+      </p:sp>
+      <p:sp>
+        <p:nvSpPr>
+          <p:cNvPr id="4" name="Date Placeholder 3"/>
           <p:cNvSpPr>
             <a:spLocks noGrp="1"/>
           </p:cNvSpPr>
@@ -1429,13 +2444,7 @@
       </p:sp>
       <p:sp>
         <p:nvSpPr>
-          <p:cNvPr id="6" name="Footer Placeholder 5">
-            <a:extLst>
-              <a:ext uri="{FF2B5EF4-FFF2-40B4-BE49-F238E27FC236}">
-                <a16:creationId xmlns:a16="http://schemas.microsoft.com/office/drawing/2014/main" id="{8C824513-A788-4705-AB39-F54295F183F7}"/>
-              </a:ext>
-            </a:extLst>
-          </p:cNvPr>
+          <p:cNvPr id="5" name="Footer Placeholder 4"/>
           <p:cNvSpPr>
             <a:spLocks noGrp="1"/>
           </p:cNvSpPr>
@@ -1454,13 +2463,7 @@
       </p:sp>
       <p:sp>
         <p:nvSpPr>
-          <p:cNvPr id="7" name="Slide Number Placeholder 6">
-            <a:extLst>
-              <a:ext uri="{FF2B5EF4-FFF2-40B4-BE49-F238E27FC236}">
-                <a16:creationId xmlns:a16="http://schemas.microsoft.com/office/drawing/2014/main" id="{F65E20B4-419C-42B3-AEB1-D2B3CA2E43E2}"/>
-              </a:ext>
-            </a:extLst>
-          </p:cNvPr>
+          <p:cNvPr id="6" name="Slide Number Placeholder 5"/>
           <p:cNvSpPr>
             <a:spLocks noGrp="1"/>
           </p:cNvSpPr>
@@ -1475,7 +2478,7 @@
           <a:p>
             <a:fld id="{1D128B5B-32DC-4879-9BCA-E4DC3137B244}" type="slidenum">
               <a:rPr lang="es-MX" smtClean="0"/>
-              <a:t>‹#›</a:t>
+              <a:t>‹Nº›</a:t>
             </a:fld>
             <a:endParaRPr lang="es-MX"/>
           </a:p>
@@ -1484,7 +2487,7 @@
     </p:spTree>
     <p:extLst>
       <p:ext uri="{BB962C8B-B14F-4D97-AF65-F5344CB8AC3E}">
-        <p14:creationId xmlns:p14="http://schemas.microsoft.com/office/powerpoint/2010/main" val="791963580"/>
+        <p14:creationId xmlns:p14="http://schemas.microsoft.com/office/powerpoint/2010/main" val="1904616244"/>
       </p:ext>
     </p:extLst>
   </p:cSld>
@@ -1494,9 +2497,9 @@
 </p:sldLayout>
 </file>
 
-<file path=ppt/slideLayouts/slideLayout5.xml><?xml version="1.0" encoding="utf-8"?>
-<p:sldLayout xmlns:a="http://schemas.openxmlformats.org/drawingml/2006/main" xmlns:r="http://schemas.openxmlformats.org/officeDocument/2006/relationships" xmlns:p="http://schemas.openxmlformats.org/presentationml/2006/main" type="twoTxTwoObj" preserve="1">
-  <p:cSld name="Comparison">
+<file path=ppt/slideLayouts/slideLayout15.xml><?xml version="1.0" encoding="utf-8"?>
+<p:sldLayout xmlns:a="http://schemas.openxmlformats.org/drawingml/2006/main" xmlns:r="http://schemas.openxmlformats.org/officeDocument/2006/relationships" xmlns:p="http://schemas.openxmlformats.org/presentationml/2006/main" type="vertTx" preserve="1">
+  <p:cSld name="Título y texto vertical">
     <p:spTree>
       <p:nvGrpSpPr>
         <p:cNvPr id="1" name=""/>
@@ -1513,13 +2516,7 @@
       </p:grpSpPr>
       <p:sp>
         <p:nvSpPr>
-          <p:cNvPr id="2" name="Title 1">
-            <a:extLst>
-              <a:ext uri="{FF2B5EF4-FFF2-40B4-BE49-F238E27FC236}">
-                <a16:creationId xmlns:a16="http://schemas.microsoft.com/office/drawing/2014/main" id="{579806A5-2D2D-4A85-89C1-29A5B9A3F639}"/>
-              </a:ext>
-            </a:extLst>
-          </p:cNvPr>
+          <p:cNvPr id="2" name="Title 1"/>
           <p:cNvSpPr>
             <a:spLocks noGrp="1"/>
           </p:cNvSpPr>
@@ -1527,301 +2524,74 @@
             <p:ph type="title"/>
           </p:nvPr>
         </p:nvSpPr>
-        <p:spPr>
-          <a:xfrm>
-            <a:off x="839788" y="365125"/>
-            <a:ext cx="10515600" cy="1325563"/>
-          </a:xfrm>
-        </p:spPr>
+        <p:spPr/>
         <p:txBody>
           <a:bodyPr/>
           <a:lstStyle/>
           <a:p>
             <a:r>
-              <a:rPr lang="en-US"/>
-              <a:t>Click to edit Master title style</a:t>
-            </a:r>
-            <a:endParaRPr lang="es-MX"/>
-          </a:p>
-        </p:txBody>
-      </p:sp>
-      <p:sp>
-        <p:nvSpPr>
-          <p:cNvPr id="3" name="Text Placeholder 2">
-            <a:extLst>
-              <a:ext uri="{FF2B5EF4-FFF2-40B4-BE49-F238E27FC236}">
-                <a16:creationId xmlns:a16="http://schemas.microsoft.com/office/drawing/2014/main" id="{0B30B2B7-49ED-4F61-9FF7-C33D5583EB7B}"/>
-              </a:ext>
-            </a:extLst>
-          </p:cNvPr>
-          <p:cNvSpPr>
-            <a:spLocks noGrp="1"/>
-          </p:cNvSpPr>
-          <p:nvPr>
-            <p:ph type="body" idx="1"/>
-          </p:nvPr>
-        </p:nvSpPr>
-        <p:spPr>
-          <a:xfrm>
-            <a:off x="839788" y="1681163"/>
-            <a:ext cx="5157787" cy="823912"/>
-          </a:xfrm>
-        </p:spPr>
-        <p:txBody>
-          <a:bodyPr anchor="b"/>
-          <a:lstStyle>
-            <a:lvl1pPr marL="0" indent="0">
-              <a:buNone/>
-              <a:defRPr sz="2400" b="1"/>
-            </a:lvl1pPr>
-            <a:lvl2pPr marL="457200" indent="0">
-              <a:buNone/>
-              <a:defRPr sz="2000" b="1"/>
-            </a:lvl2pPr>
-            <a:lvl3pPr marL="914400" indent="0">
-              <a:buNone/>
-              <a:defRPr sz="1800" b="1"/>
-            </a:lvl3pPr>
-            <a:lvl4pPr marL="1371600" indent="0">
-              <a:buNone/>
-              <a:defRPr sz="1600" b="1"/>
-            </a:lvl4pPr>
-            <a:lvl5pPr marL="1828800" indent="0">
-              <a:buNone/>
-              <a:defRPr sz="1600" b="1"/>
-            </a:lvl5pPr>
-            <a:lvl6pPr marL="2286000" indent="0">
-              <a:buNone/>
-              <a:defRPr sz="1600" b="1"/>
-            </a:lvl6pPr>
-            <a:lvl7pPr marL="2743200" indent="0">
-              <a:buNone/>
-              <a:defRPr sz="1600" b="1"/>
-            </a:lvl7pPr>
-            <a:lvl8pPr marL="3200400" indent="0">
-              <a:buNone/>
-              <a:defRPr sz="1600" b="1"/>
-            </a:lvl8pPr>
-            <a:lvl9pPr marL="3657600" indent="0">
-              <a:buNone/>
-              <a:defRPr sz="1600" b="1"/>
-            </a:lvl9pPr>
-          </a:lstStyle>
+              <a:rPr lang="es-ES"/>
+              <a:t>Haga clic para modificar el estilo de título del patrón</a:t>
+            </a:r>
+            <a:endParaRPr lang="en-US" dirty="0"/>
+          </a:p>
+        </p:txBody>
+      </p:sp>
+      <p:sp>
+        <p:nvSpPr>
+          <p:cNvPr id="3" name="Vertical Text Placeholder 2"/>
+          <p:cNvSpPr>
+            <a:spLocks noGrp="1"/>
+          </p:cNvSpPr>
+          <p:nvPr>
+            <p:ph type="body" orient="vert" idx="1"/>
+          </p:nvPr>
+        </p:nvSpPr>
+        <p:spPr/>
+        <p:txBody>
+          <a:bodyPr vert="eaVert"/>
+          <a:lstStyle/>
           <a:p>
             <a:pPr lvl="0"/>
             <a:r>
-              <a:rPr lang="en-US"/>
-              <a:t>Click to edit Master text styles</a:t>
-            </a:r>
-          </a:p>
-        </p:txBody>
-      </p:sp>
-      <p:sp>
-        <p:nvSpPr>
-          <p:cNvPr id="4" name="Content Placeholder 3">
-            <a:extLst>
-              <a:ext uri="{FF2B5EF4-FFF2-40B4-BE49-F238E27FC236}">
-                <a16:creationId xmlns:a16="http://schemas.microsoft.com/office/drawing/2014/main" id="{DA33611F-B96E-41A6-AFCA-4E8EA5C98C6C}"/>
-              </a:ext>
-            </a:extLst>
-          </p:cNvPr>
-          <p:cNvSpPr>
-            <a:spLocks noGrp="1"/>
-          </p:cNvSpPr>
-          <p:nvPr>
-            <p:ph sz="half" idx="2"/>
-          </p:nvPr>
-        </p:nvSpPr>
-        <p:spPr>
-          <a:xfrm>
-            <a:off x="839788" y="2505075"/>
-            <a:ext cx="5157787" cy="3684588"/>
-          </a:xfrm>
-        </p:spPr>
-        <p:txBody>
-          <a:bodyPr/>
-          <a:lstStyle/>
-          <a:p>
-            <a:pPr lvl="0"/>
-            <a:r>
-              <a:rPr lang="en-US"/>
-              <a:t>Click to edit Master text styles</a:t>
+              <a:rPr lang="es-ES"/>
+              <a:t>Haga clic para modificar los estilos de texto del patrón</a:t>
             </a:r>
           </a:p>
           <a:p>
             <a:pPr lvl="1"/>
             <a:r>
-              <a:rPr lang="en-US"/>
-              <a:t>Second level</a:t>
+              <a:rPr lang="es-ES"/>
+              <a:t>Segundo nivel</a:t>
             </a:r>
           </a:p>
           <a:p>
             <a:pPr lvl="2"/>
             <a:r>
-              <a:rPr lang="en-US"/>
-              <a:t>Third level</a:t>
+              <a:rPr lang="es-ES"/>
+              <a:t>Tercer nivel</a:t>
             </a:r>
           </a:p>
           <a:p>
             <a:pPr lvl="3"/>
             <a:r>
-              <a:rPr lang="en-US"/>
-              <a:t>Fourth level</a:t>
+              <a:rPr lang="es-ES"/>
+              <a:t>Cuarto nivel</a:t>
             </a:r>
           </a:p>
           <a:p>
             <a:pPr lvl="4"/>
             <a:r>
-              <a:rPr lang="en-US"/>
-              <a:t>Fifth level</a:t>
-            </a:r>
-            <a:endParaRPr lang="es-MX"/>
-          </a:p>
-        </p:txBody>
-      </p:sp>
-      <p:sp>
-        <p:nvSpPr>
-          <p:cNvPr id="5" name="Text Placeholder 4">
-            <a:extLst>
-              <a:ext uri="{FF2B5EF4-FFF2-40B4-BE49-F238E27FC236}">
-                <a16:creationId xmlns:a16="http://schemas.microsoft.com/office/drawing/2014/main" id="{F07A983B-34DA-4C3F-AFEF-7DD7BB3290C9}"/>
-              </a:ext>
-            </a:extLst>
-          </p:cNvPr>
-          <p:cNvSpPr>
-            <a:spLocks noGrp="1"/>
-          </p:cNvSpPr>
-          <p:nvPr>
-            <p:ph type="body" sz="quarter" idx="3"/>
-          </p:nvPr>
-        </p:nvSpPr>
-        <p:spPr>
-          <a:xfrm>
-            <a:off x="6172200" y="1681163"/>
-            <a:ext cx="5183188" cy="823912"/>
-          </a:xfrm>
-        </p:spPr>
-        <p:txBody>
-          <a:bodyPr anchor="b"/>
-          <a:lstStyle>
-            <a:lvl1pPr marL="0" indent="0">
-              <a:buNone/>
-              <a:defRPr sz="2400" b="1"/>
-            </a:lvl1pPr>
-            <a:lvl2pPr marL="457200" indent="0">
-              <a:buNone/>
-              <a:defRPr sz="2000" b="1"/>
-            </a:lvl2pPr>
-            <a:lvl3pPr marL="914400" indent="0">
-              <a:buNone/>
-              <a:defRPr sz="1800" b="1"/>
-            </a:lvl3pPr>
-            <a:lvl4pPr marL="1371600" indent="0">
-              <a:buNone/>
-              <a:defRPr sz="1600" b="1"/>
-            </a:lvl4pPr>
-            <a:lvl5pPr marL="1828800" indent="0">
-              <a:buNone/>
-              <a:defRPr sz="1600" b="1"/>
-            </a:lvl5pPr>
-            <a:lvl6pPr marL="2286000" indent="0">
-              <a:buNone/>
-              <a:defRPr sz="1600" b="1"/>
-            </a:lvl6pPr>
-            <a:lvl7pPr marL="2743200" indent="0">
-              <a:buNone/>
-              <a:defRPr sz="1600" b="1"/>
-            </a:lvl7pPr>
-            <a:lvl8pPr marL="3200400" indent="0">
-              <a:buNone/>
-              <a:defRPr sz="1600" b="1"/>
-            </a:lvl8pPr>
-            <a:lvl9pPr marL="3657600" indent="0">
-              <a:buNone/>
-              <a:defRPr sz="1600" b="1"/>
-            </a:lvl9pPr>
-          </a:lstStyle>
-          <a:p>
-            <a:pPr lvl="0"/>
-            <a:r>
-              <a:rPr lang="en-US"/>
-              <a:t>Click to edit Master text styles</a:t>
-            </a:r>
-          </a:p>
-        </p:txBody>
-      </p:sp>
-      <p:sp>
-        <p:nvSpPr>
-          <p:cNvPr id="6" name="Content Placeholder 5">
-            <a:extLst>
-              <a:ext uri="{FF2B5EF4-FFF2-40B4-BE49-F238E27FC236}">
-                <a16:creationId xmlns:a16="http://schemas.microsoft.com/office/drawing/2014/main" id="{859BF4F2-014C-42EA-AC97-1550FE348BB8}"/>
-              </a:ext>
-            </a:extLst>
-          </p:cNvPr>
-          <p:cNvSpPr>
-            <a:spLocks noGrp="1"/>
-          </p:cNvSpPr>
-          <p:nvPr>
-            <p:ph sz="quarter" idx="4"/>
-          </p:nvPr>
-        </p:nvSpPr>
-        <p:spPr>
-          <a:xfrm>
-            <a:off x="6172200" y="2505075"/>
-            <a:ext cx="5183188" cy="3684588"/>
-          </a:xfrm>
-        </p:spPr>
-        <p:txBody>
-          <a:bodyPr/>
-          <a:lstStyle/>
-          <a:p>
-            <a:pPr lvl="0"/>
-            <a:r>
-              <a:rPr lang="en-US"/>
-              <a:t>Click to edit Master text styles</a:t>
-            </a:r>
-          </a:p>
-          <a:p>
-            <a:pPr lvl="1"/>
-            <a:r>
-              <a:rPr lang="en-US"/>
-              <a:t>Second level</a:t>
-            </a:r>
-          </a:p>
-          <a:p>
-            <a:pPr lvl="2"/>
-            <a:r>
-              <a:rPr lang="en-US"/>
-              <a:t>Third level</a:t>
-            </a:r>
-          </a:p>
-          <a:p>
-            <a:pPr lvl="3"/>
-            <a:r>
-              <a:rPr lang="en-US"/>
-              <a:t>Fourth level</a:t>
-            </a:r>
-          </a:p>
-          <a:p>
-            <a:pPr lvl="4"/>
-            <a:r>
-              <a:rPr lang="en-US"/>
-              <a:t>Fifth level</a:t>
-            </a:r>
-            <a:endParaRPr lang="es-MX"/>
-          </a:p>
-        </p:txBody>
-      </p:sp>
-      <p:sp>
-        <p:nvSpPr>
-          <p:cNvPr id="7" name="Date Placeholder 6">
-            <a:extLst>
-              <a:ext uri="{FF2B5EF4-FFF2-40B4-BE49-F238E27FC236}">
-                <a16:creationId xmlns:a16="http://schemas.microsoft.com/office/drawing/2014/main" id="{2F52FA95-2A64-4894-8304-D041B27FF256}"/>
-              </a:ext>
-            </a:extLst>
-          </p:cNvPr>
+              <a:rPr lang="es-ES"/>
+              <a:t>Quinto nivel</a:t>
+            </a:r>
+            <a:endParaRPr lang="en-US" dirty="0"/>
+          </a:p>
+        </p:txBody>
+      </p:sp>
+      <p:sp>
+        <p:nvSpPr>
+          <p:cNvPr id="4" name="Date Placeholder 3"/>
           <p:cNvSpPr>
             <a:spLocks noGrp="1"/>
           </p:cNvSpPr>
@@ -1844,13 +2614,7 @@
       </p:sp>
       <p:sp>
         <p:nvSpPr>
-          <p:cNvPr id="8" name="Footer Placeholder 7">
-            <a:extLst>
-              <a:ext uri="{FF2B5EF4-FFF2-40B4-BE49-F238E27FC236}">
-                <a16:creationId xmlns:a16="http://schemas.microsoft.com/office/drawing/2014/main" id="{C56321B8-830B-4ACF-8246-7EF1C2E7797E}"/>
-              </a:ext>
-            </a:extLst>
-          </p:cNvPr>
+          <p:cNvPr id="5" name="Footer Placeholder 4"/>
           <p:cNvSpPr>
             <a:spLocks noGrp="1"/>
           </p:cNvSpPr>
@@ -1869,13 +2633,7 @@
       </p:sp>
       <p:sp>
         <p:nvSpPr>
-          <p:cNvPr id="9" name="Slide Number Placeholder 8">
-            <a:extLst>
-              <a:ext uri="{FF2B5EF4-FFF2-40B4-BE49-F238E27FC236}">
-                <a16:creationId xmlns:a16="http://schemas.microsoft.com/office/drawing/2014/main" id="{040DCE98-1EDE-41FD-88B3-F6238885562B}"/>
-              </a:ext>
-            </a:extLst>
-          </p:cNvPr>
+          <p:cNvPr id="6" name="Slide Number Placeholder 5"/>
           <p:cNvSpPr>
             <a:spLocks noGrp="1"/>
           </p:cNvSpPr>
@@ -1890,7 +2648,7 @@
           <a:p>
             <a:fld id="{1D128B5B-32DC-4879-9BCA-E4DC3137B244}" type="slidenum">
               <a:rPr lang="es-MX" smtClean="0"/>
-              <a:t>‹#›</a:t>
+              <a:t>‹Nº›</a:t>
             </a:fld>
             <a:endParaRPr lang="es-MX"/>
           </a:p>
@@ -1899,7 +2657,7 @@
     </p:spTree>
     <p:extLst>
       <p:ext uri="{BB962C8B-B14F-4D97-AF65-F5344CB8AC3E}">
-        <p14:creationId xmlns:p14="http://schemas.microsoft.com/office/powerpoint/2010/main" val="963042629"/>
+        <p14:creationId xmlns:p14="http://schemas.microsoft.com/office/powerpoint/2010/main" val="1659357290"/>
       </p:ext>
     </p:extLst>
   </p:cSld>
@@ -1909,9 +2667,9 @@
 </p:sldLayout>
 </file>
 
-<file path=ppt/slideLayouts/slideLayout6.xml><?xml version="1.0" encoding="utf-8"?>
-<p:sldLayout xmlns:a="http://schemas.openxmlformats.org/drawingml/2006/main" xmlns:r="http://schemas.openxmlformats.org/officeDocument/2006/relationships" xmlns:p="http://schemas.openxmlformats.org/presentationml/2006/main" type="titleOnly" preserve="1">
-  <p:cSld name="Title Only">
+<file path=ppt/slideLayouts/slideLayout16.xml><?xml version="1.0" encoding="utf-8"?>
+<p:sldLayout xmlns:a="http://schemas.openxmlformats.org/drawingml/2006/main" xmlns:r="http://schemas.openxmlformats.org/officeDocument/2006/relationships" xmlns:p="http://schemas.openxmlformats.org/presentationml/2006/main" type="vertTitleAndTx" preserve="1">
+  <p:cSld name="Título vertical y texto">
     <p:spTree>
       <p:nvGrpSpPr>
         <p:cNvPr id="1" name=""/>
@@ -1928,42 +2686,92 @@
       </p:grpSpPr>
       <p:sp>
         <p:nvSpPr>
-          <p:cNvPr id="2" name="Title 1">
-            <a:extLst>
-              <a:ext uri="{FF2B5EF4-FFF2-40B4-BE49-F238E27FC236}">
-                <a16:creationId xmlns:a16="http://schemas.microsoft.com/office/drawing/2014/main" id="{4F7CF5F9-B4A4-4327-8124-7AFFCAAAC31F}"/>
-              </a:ext>
-            </a:extLst>
-          </p:cNvPr>
-          <p:cNvSpPr>
-            <a:spLocks noGrp="1"/>
-          </p:cNvSpPr>
-          <p:nvPr>
-            <p:ph type="title"/>
-          </p:nvPr>
-        </p:nvSpPr>
-        <p:spPr/>
-        <p:txBody>
-          <a:bodyPr/>
-          <a:lstStyle/>
-          <a:p>
-            <a:r>
-              <a:rPr lang="en-US"/>
-              <a:t>Click to edit Master title style</a:t>
-            </a:r>
-            <a:endParaRPr lang="es-MX"/>
-          </a:p>
-        </p:txBody>
-      </p:sp>
-      <p:sp>
-        <p:nvSpPr>
-          <p:cNvPr id="3" name="Date Placeholder 2">
-            <a:extLst>
-              <a:ext uri="{FF2B5EF4-FFF2-40B4-BE49-F238E27FC236}">
-                <a16:creationId xmlns:a16="http://schemas.microsoft.com/office/drawing/2014/main" id="{2525D097-99A4-4C3A-BCD9-90EC944D8983}"/>
-              </a:ext>
-            </a:extLst>
-          </p:cNvPr>
+          <p:cNvPr id="2" name="Vertical Title 1"/>
+          <p:cNvSpPr>
+            <a:spLocks noGrp="1"/>
+          </p:cNvSpPr>
+          <p:nvPr>
+            <p:ph type="title" orient="vert"/>
+          </p:nvPr>
+        </p:nvSpPr>
+        <p:spPr>
+          <a:xfrm>
+            <a:off x="7967673" y="609599"/>
+            <a:ext cx="1304743" cy="5251451"/>
+          </a:xfrm>
+        </p:spPr>
+        <p:txBody>
+          <a:bodyPr vert="eaVert" anchor="ctr"/>
+          <a:lstStyle/>
+          <a:p>
+            <a:r>
+              <a:rPr lang="es-ES"/>
+              <a:t>Haga clic para modificar el estilo de título del patrón</a:t>
+            </a:r>
+            <a:endParaRPr lang="en-US" dirty="0"/>
+          </a:p>
+        </p:txBody>
+      </p:sp>
+      <p:sp>
+        <p:nvSpPr>
+          <p:cNvPr id="3" name="Vertical Text Placeholder 2"/>
+          <p:cNvSpPr>
+            <a:spLocks noGrp="1"/>
+          </p:cNvSpPr>
+          <p:nvPr>
+            <p:ph type="body" orient="vert" idx="1"/>
+          </p:nvPr>
+        </p:nvSpPr>
+        <p:spPr>
+          <a:xfrm>
+            <a:off x="677335" y="609600"/>
+            <a:ext cx="7060150" cy="5251450"/>
+          </a:xfrm>
+        </p:spPr>
+        <p:txBody>
+          <a:bodyPr vert="eaVert"/>
+          <a:lstStyle/>
+          <a:p>
+            <a:pPr lvl="0"/>
+            <a:r>
+              <a:rPr lang="es-ES"/>
+              <a:t>Haga clic para modificar los estilos de texto del patrón</a:t>
+            </a:r>
+          </a:p>
+          <a:p>
+            <a:pPr lvl="1"/>
+            <a:r>
+              <a:rPr lang="es-ES"/>
+              <a:t>Segundo nivel</a:t>
+            </a:r>
+          </a:p>
+          <a:p>
+            <a:pPr lvl="2"/>
+            <a:r>
+              <a:rPr lang="es-ES"/>
+              <a:t>Tercer nivel</a:t>
+            </a:r>
+          </a:p>
+          <a:p>
+            <a:pPr lvl="3"/>
+            <a:r>
+              <a:rPr lang="es-ES"/>
+              <a:t>Cuarto nivel</a:t>
+            </a:r>
+          </a:p>
+          <a:p>
+            <a:pPr lvl="4"/>
+            <a:r>
+              <a:rPr lang="es-ES"/>
+              <a:t>Quinto nivel</a:t>
+            </a:r>
+            <a:endParaRPr lang="en-US" dirty="0"/>
+          </a:p>
+        </p:txBody>
+      </p:sp>
+      <p:sp>
+        <p:nvSpPr>
+          <p:cNvPr id="4" name="Date Placeholder 3"/>
           <p:cNvSpPr>
             <a:spLocks noGrp="1"/>
           </p:cNvSpPr>
@@ -1986,13 +2794,7 @@
       </p:sp>
       <p:sp>
         <p:nvSpPr>
-          <p:cNvPr id="4" name="Footer Placeholder 3">
-            <a:extLst>
-              <a:ext uri="{FF2B5EF4-FFF2-40B4-BE49-F238E27FC236}">
-                <a16:creationId xmlns:a16="http://schemas.microsoft.com/office/drawing/2014/main" id="{4283B46F-F19B-48CB-9356-4E64C70EAC6F}"/>
-              </a:ext>
-            </a:extLst>
-          </p:cNvPr>
+          <p:cNvPr id="5" name="Footer Placeholder 4"/>
           <p:cNvSpPr>
             <a:spLocks noGrp="1"/>
           </p:cNvSpPr>
@@ -2011,13 +2813,7 @@
       </p:sp>
       <p:sp>
         <p:nvSpPr>
-          <p:cNvPr id="5" name="Slide Number Placeholder 4">
-            <a:extLst>
-              <a:ext uri="{FF2B5EF4-FFF2-40B4-BE49-F238E27FC236}">
-                <a16:creationId xmlns:a16="http://schemas.microsoft.com/office/drawing/2014/main" id="{AEC41EE8-EF75-4081-BDD8-734F4FAF0F09}"/>
-              </a:ext>
-            </a:extLst>
-          </p:cNvPr>
+          <p:cNvPr id="6" name="Slide Number Placeholder 5"/>
           <p:cNvSpPr>
             <a:spLocks noGrp="1"/>
           </p:cNvSpPr>
@@ -2032,7 +2828,7 @@
           <a:p>
             <a:fld id="{1D128B5B-32DC-4879-9BCA-E4DC3137B244}" type="slidenum">
               <a:rPr lang="es-MX" smtClean="0"/>
-              <a:t>‹#›</a:t>
+              <a:t>‹Nº›</a:t>
             </a:fld>
             <a:endParaRPr lang="es-MX"/>
           </a:p>
@@ -2041,7 +2837,7 @@
     </p:spTree>
     <p:extLst>
       <p:ext uri="{BB962C8B-B14F-4D97-AF65-F5344CB8AC3E}">
-        <p14:creationId xmlns:p14="http://schemas.microsoft.com/office/powerpoint/2010/main" val="77859275"/>
+        <p14:creationId xmlns:p14="http://schemas.microsoft.com/office/powerpoint/2010/main" val="3675949001"/>
       </p:ext>
     </p:extLst>
   </p:cSld>
@@ -2051,9 +2847,9 @@
 </p:sldLayout>
 </file>
 
-<file path=ppt/slideLayouts/slideLayout7.xml><?xml version="1.0" encoding="utf-8"?>
-<p:sldLayout xmlns:a="http://schemas.openxmlformats.org/drawingml/2006/main" xmlns:r="http://schemas.openxmlformats.org/officeDocument/2006/relationships" xmlns:p="http://schemas.openxmlformats.org/presentationml/2006/main" type="blank" preserve="1">
-  <p:cSld name="Blank">
+<file path=ppt/slideLayouts/slideLayout2.xml><?xml version="1.0" encoding="utf-8"?>
+<p:sldLayout xmlns:a="http://schemas.openxmlformats.org/drawingml/2006/main" xmlns:r="http://schemas.openxmlformats.org/officeDocument/2006/relationships" xmlns:p="http://schemas.openxmlformats.org/presentationml/2006/main" type="obj" preserve="1">
+  <p:cSld name="Título y objetos">
     <p:spTree>
       <p:nvGrpSpPr>
         <p:cNvPr id="1" name=""/>
@@ -2070,13 +2866,88 @@
       </p:grpSpPr>
       <p:sp>
         <p:nvSpPr>
-          <p:cNvPr id="2" name="Date Placeholder 1">
-            <a:extLst>
-              <a:ext uri="{FF2B5EF4-FFF2-40B4-BE49-F238E27FC236}">
-                <a16:creationId xmlns:a16="http://schemas.microsoft.com/office/drawing/2014/main" id="{1742D263-C098-422D-A25A-65F320466957}"/>
-              </a:ext>
-            </a:extLst>
-          </p:cNvPr>
+          <p:cNvPr id="2" name="Title 1"/>
+          <p:cNvSpPr>
+            <a:spLocks noGrp="1"/>
+          </p:cNvSpPr>
+          <p:nvPr>
+            <p:ph type="title"/>
+          </p:nvPr>
+        </p:nvSpPr>
+        <p:spPr/>
+        <p:txBody>
+          <a:bodyPr>
+            <a:normAutofit/>
+          </a:bodyPr>
+          <a:lstStyle>
+            <a:lvl1pPr>
+              <a:defRPr sz="3600"/>
+            </a:lvl1pPr>
+          </a:lstStyle>
+          <a:p>
+            <a:r>
+              <a:rPr lang="es-ES"/>
+              <a:t>Haga clic para modificar el estilo de título del patrón</a:t>
+            </a:r>
+            <a:endParaRPr lang="en-US" dirty="0"/>
+          </a:p>
+        </p:txBody>
+      </p:sp>
+      <p:sp>
+        <p:nvSpPr>
+          <p:cNvPr id="3" name="Content Placeholder 2"/>
+          <p:cNvSpPr>
+            <a:spLocks noGrp="1"/>
+          </p:cNvSpPr>
+          <p:nvPr>
+            <p:ph idx="1"/>
+          </p:nvPr>
+        </p:nvSpPr>
+        <p:spPr/>
+        <p:txBody>
+          <a:bodyPr/>
+          <a:lstStyle/>
+          <a:p>
+            <a:pPr lvl="0"/>
+            <a:r>
+              <a:rPr lang="es-ES"/>
+              <a:t>Haga clic para modificar los estilos de texto del patrón</a:t>
+            </a:r>
+          </a:p>
+          <a:p>
+            <a:pPr lvl="1"/>
+            <a:r>
+              <a:rPr lang="es-ES"/>
+              <a:t>Segundo nivel</a:t>
+            </a:r>
+          </a:p>
+          <a:p>
+            <a:pPr lvl="2"/>
+            <a:r>
+              <a:rPr lang="es-ES"/>
+              <a:t>Tercer nivel</a:t>
+            </a:r>
+          </a:p>
+          <a:p>
+            <a:pPr lvl="3"/>
+            <a:r>
+              <a:rPr lang="es-ES"/>
+              <a:t>Cuarto nivel</a:t>
+            </a:r>
+          </a:p>
+          <a:p>
+            <a:pPr lvl="4"/>
+            <a:r>
+              <a:rPr lang="es-ES"/>
+              <a:t>Quinto nivel</a:t>
+            </a:r>
+            <a:endParaRPr lang="en-US" dirty="0"/>
+          </a:p>
+        </p:txBody>
+      </p:sp>
+      <p:sp>
+        <p:nvSpPr>
+          <p:cNvPr id="4" name="Date Placeholder 3"/>
           <p:cNvSpPr>
             <a:spLocks noGrp="1"/>
           </p:cNvSpPr>
@@ -2099,13 +2970,7 @@
       </p:sp>
       <p:sp>
         <p:nvSpPr>
-          <p:cNvPr id="3" name="Footer Placeholder 2">
-            <a:extLst>
-              <a:ext uri="{FF2B5EF4-FFF2-40B4-BE49-F238E27FC236}">
-                <a16:creationId xmlns:a16="http://schemas.microsoft.com/office/drawing/2014/main" id="{15196DFB-8FAB-41E7-8EA2-89DFDAC187DE}"/>
-              </a:ext>
-            </a:extLst>
-          </p:cNvPr>
+          <p:cNvPr id="5" name="Footer Placeholder 4"/>
           <p:cNvSpPr>
             <a:spLocks noGrp="1"/>
           </p:cNvSpPr>
@@ -2124,13 +2989,7 @@
       </p:sp>
       <p:sp>
         <p:nvSpPr>
-          <p:cNvPr id="4" name="Slide Number Placeholder 3">
-            <a:extLst>
-              <a:ext uri="{FF2B5EF4-FFF2-40B4-BE49-F238E27FC236}">
-                <a16:creationId xmlns:a16="http://schemas.microsoft.com/office/drawing/2014/main" id="{683D64B8-56C7-489F-A9A0-93E5CA87DD39}"/>
-              </a:ext>
-            </a:extLst>
-          </p:cNvPr>
+          <p:cNvPr id="6" name="Slide Number Placeholder 5"/>
           <p:cNvSpPr>
             <a:spLocks noGrp="1"/>
           </p:cNvSpPr>
@@ -2145,7 +3004,7 @@
           <a:p>
             <a:fld id="{1D128B5B-32DC-4879-9BCA-E4DC3137B244}" type="slidenum">
               <a:rPr lang="es-MX" smtClean="0"/>
-              <a:t>‹#›</a:t>
+              <a:t>‹Nº›</a:t>
             </a:fld>
             <a:endParaRPr lang="es-MX"/>
           </a:p>
@@ -2154,7 +3013,7 @@
     </p:spTree>
     <p:extLst>
       <p:ext uri="{BB962C8B-B14F-4D97-AF65-F5344CB8AC3E}">
-        <p14:creationId xmlns:p14="http://schemas.microsoft.com/office/powerpoint/2010/main" val="1057649506"/>
+        <p14:creationId xmlns:p14="http://schemas.microsoft.com/office/powerpoint/2010/main" val="1089248757"/>
       </p:ext>
     </p:extLst>
   </p:cSld>
@@ -2164,9 +3023,9 @@
 </p:sldLayout>
 </file>
 
-<file path=ppt/slideLayouts/slideLayout8.xml><?xml version="1.0" encoding="utf-8"?>
-<p:sldLayout xmlns:a="http://schemas.openxmlformats.org/drawingml/2006/main" xmlns:r="http://schemas.openxmlformats.org/officeDocument/2006/relationships" xmlns:p="http://schemas.openxmlformats.org/presentationml/2006/main" type="objTx" preserve="1">
-  <p:cSld name="Content with Caption">
+<file path=ppt/slideLayouts/slideLayout3.xml><?xml version="1.0" encoding="utf-8"?>
+<p:sldLayout xmlns:a="http://schemas.openxmlformats.org/drawingml/2006/main" xmlns:r="http://schemas.openxmlformats.org/officeDocument/2006/relationships" xmlns:p="http://schemas.openxmlformats.org/presentationml/2006/main" type="secHead" preserve="1">
+  <p:cSld name="Encabezado de sección">
     <p:spTree>
       <p:nvGrpSpPr>
         <p:cNvPr id="1" name=""/>
@@ -2183,13 +3042,7 @@
       </p:grpSpPr>
       <p:sp>
         <p:nvSpPr>
-          <p:cNvPr id="2" name="Title 1">
-            <a:extLst>
-              <a:ext uri="{FF2B5EF4-FFF2-40B4-BE49-F238E27FC236}">
-                <a16:creationId xmlns:a16="http://schemas.microsoft.com/office/drawing/2014/main" id="{E295C69F-C0E9-49EE-95E7-90C5786C195E}"/>
-              </a:ext>
-            </a:extLst>
-          </p:cNvPr>
+          <p:cNvPr id="2" name="Title 1"/>
           <p:cNvSpPr>
             <a:spLocks noGrp="1"/>
           </p:cNvSpPr>
@@ -2199,197 +3052,149 @@
         </p:nvSpPr>
         <p:spPr>
           <a:xfrm>
-            <a:off x="839788" y="457200"/>
-            <a:ext cx="3932237" cy="1600200"/>
+            <a:off x="677335" y="2700867"/>
+            <a:ext cx="8596668" cy="1826581"/>
           </a:xfrm>
         </p:spPr>
         <p:txBody>
           <a:bodyPr anchor="b"/>
           <a:lstStyle>
-            <a:lvl1pPr>
-              <a:defRPr sz="3200"/>
+            <a:lvl1pPr algn="l">
+              <a:defRPr sz="4000" b="0" cap="none"/>
             </a:lvl1pPr>
           </a:lstStyle>
           <a:p>
             <a:r>
-              <a:rPr lang="en-US"/>
-              <a:t>Click to edit Master title style</a:t>
-            </a:r>
-            <a:endParaRPr lang="es-MX"/>
-          </a:p>
-        </p:txBody>
-      </p:sp>
-      <p:sp>
-        <p:nvSpPr>
-          <p:cNvPr id="3" name="Content Placeholder 2">
-            <a:extLst>
-              <a:ext uri="{FF2B5EF4-FFF2-40B4-BE49-F238E27FC236}">
-                <a16:creationId xmlns:a16="http://schemas.microsoft.com/office/drawing/2014/main" id="{F56200E5-8AEF-43B4-8C0E-38D03A4B3795}"/>
-              </a:ext>
-            </a:extLst>
-          </p:cNvPr>
-          <p:cNvSpPr>
-            <a:spLocks noGrp="1"/>
-          </p:cNvSpPr>
-          <p:nvPr>
-            <p:ph idx="1"/>
+              <a:rPr lang="es-ES"/>
+              <a:t>Haga clic para modificar el estilo de título del patrón</a:t>
+            </a:r>
+            <a:endParaRPr lang="en-US" dirty="0"/>
+          </a:p>
+        </p:txBody>
+      </p:sp>
+      <p:sp>
+        <p:nvSpPr>
+          <p:cNvPr id="3" name="Text Placeholder 2"/>
+          <p:cNvSpPr>
+            <a:spLocks noGrp="1"/>
+          </p:cNvSpPr>
+          <p:nvPr>
+            <p:ph type="body" idx="1"/>
           </p:nvPr>
         </p:nvSpPr>
         <p:spPr>
           <a:xfrm>
-            <a:off x="5183188" y="987425"/>
-            <a:ext cx="6172200" cy="4873625"/>
+            <a:off x="677335" y="4527448"/>
+            <a:ext cx="8596668" cy="860400"/>
           </a:xfrm>
         </p:spPr>
         <p:txBody>
-          <a:bodyPr/>
+          <a:bodyPr anchor="t"/>
           <a:lstStyle>
-            <a:lvl1pPr>
-              <a:defRPr sz="3200"/>
+            <a:lvl1pPr marL="0" indent="0" algn="l">
+              <a:buNone/>
+              <a:defRPr sz="2000">
+                <a:solidFill>
+                  <a:schemeClr val="tx1">
+                    <a:lumMod val="50000"/>
+                    <a:lumOff val="50000"/>
+                  </a:schemeClr>
+                </a:solidFill>
+              </a:defRPr>
             </a:lvl1pPr>
-            <a:lvl2pPr>
-              <a:defRPr sz="2800"/>
+            <a:lvl2pPr marL="457200" indent="0">
+              <a:buNone/>
+              <a:defRPr sz="1800">
+                <a:solidFill>
+                  <a:schemeClr val="tx1">
+                    <a:tint val="75000"/>
+                  </a:schemeClr>
+                </a:solidFill>
+              </a:defRPr>
             </a:lvl2pPr>
-            <a:lvl3pPr>
-              <a:defRPr sz="2400"/>
+            <a:lvl3pPr marL="914400" indent="0">
+              <a:buNone/>
+              <a:defRPr sz="1600">
+                <a:solidFill>
+                  <a:schemeClr val="tx1">
+                    <a:tint val="75000"/>
+                  </a:schemeClr>
+                </a:solidFill>
+              </a:defRPr>
             </a:lvl3pPr>
-            <a:lvl4pPr>
-              <a:defRPr sz="2000"/>
+            <a:lvl4pPr marL="1371600" indent="0">
+              <a:buNone/>
+              <a:defRPr sz="1400">
+                <a:solidFill>
+                  <a:schemeClr val="tx1">
+                    <a:tint val="75000"/>
+                  </a:schemeClr>
+                </a:solidFill>
+              </a:defRPr>
             </a:lvl4pPr>
-            <a:lvl5pPr>
-              <a:defRPr sz="2000"/>
+            <a:lvl5pPr marL="1828800" indent="0">
+              <a:buNone/>
+              <a:defRPr sz="1400">
+                <a:solidFill>
+                  <a:schemeClr val="tx1">
+                    <a:tint val="75000"/>
+                  </a:schemeClr>
+                </a:solidFill>
+              </a:defRPr>
             </a:lvl5pPr>
-            <a:lvl6pPr>
-              <a:defRPr sz="2000"/>
+            <a:lvl6pPr marL="2286000" indent="0">
+              <a:buNone/>
+              <a:defRPr sz="1400">
+                <a:solidFill>
+                  <a:schemeClr val="tx1">
+                    <a:tint val="75000"/>
+                  </a:schemeClr>
+                </a:solidFill>
+              </a:defRPr>
             </a:lvl6pPr>
-            <a:lvl7pPr>
-              <a:defRPr sz="2000"/>
+            <a:lvl7pPr marL="2743200" indent="0">
+              <a:buNone/>
+              <a:defRPr sz="1400">
+                <a:solidFill>
+                  <a:schemeClr val="tx1">
+                    <a:tint val="75000"/>
+                  </a:schemeClr>
+                </a:solidFill>
+              </a:defRPr>
             </a:lvl7pPr>
-            <a:lvl8pPr>
-              <a:defRPr sz="2000"/>
+            <a:lvl8pPr marL="3200400" indent="0">
+              <a:buNone/>
+              <a:defRPr sz="1400">
+                <a:solidFill>
+                  <a:schemeClr val="tx1">
+                    <a:tint val="75000"/>
+                  </a:schemeClr>
+                </a:solidFill>
+              </a:defRPr>
             </a:lvl8pPr>
-            <a:lvl9pPr>
-              <a:defRPr sz="2000"/>
+            <a:lvl9pPr marL="3657600" indent="0">
+              <a:buNone/>
+              <a:defRPr sz="1400">
+                <a:solidFill>
+                  <a:schemeClr val="tx1">
+                    <a:tint val="75000"/>
+                  </a:schemeClr>
+                </a:solidFill>
+              </a:defRPr>
             </a:lvl9pPr>
           </a:lstStyle>
           <a:p>
             <a:pPr lvl="0"/>
             <a:r>
-              <a:rPr lang="en-US"/>
-              <a:t>Click to edit Master text styles</a:t>
-            </a:r>
-          </a:p>
-          <a:p>
-            <a:pPr lvl="1"/>
-            <a:r>
-              <a:rPr lang="en-US"/>
-              <a:t>Second level</a:t>
-            </a:r>
-          </a:p>
-          <a:p>
-            <a:pPr lvl="2"/>
-            <a:r>
-              <a:rPr lang="en-US"/>
-              <a:t>Third level</a:t>
-            </a:r>
-          </a:p>
-          <a:p>
-            <a:pPr lvl="3"/>
-            <a:r>
-              <a:rPr lang="en-US"/>
-              <a:t>Fourth level</a:t>
-            </a:r>
-          </a:p>
-          <a:p>
-            <a:pPr lvl="4"/>
-            <a:r>
-              <a:rPr lang="en-US"/>
-              <a:t>Fifth level</a:t>
-            </a:r>
-            <a:endParaRPr lang="es-MX"/>
-          </a:p>
-        </p:txBody>
-      </p:sp>
-      <p:sp>
-        <p:nvSpPr>
-          <p:cNvPr id="4" name="Text Placeholder 3">
-            <a:extLst>
-              <a:ext uri="{FF2B5EF4-FFF2-40B4-BE49-F238E27FC236}">
-                <a16:creationId xmlns:a16="http://schemas.microsoft.com/office/drawing/2014/main" id="{D80E23F2-2E23-4955-BB1E-0BC51EDBD861}"/>
-              </a:ext>
-            </a:extLst>
-          </p:cNvPr>
-          <p:cNvSpPr>
-            <a:spLocks noGrp="1"/>
-          </p:cNvSpPr>
-          <p:nvPr>
-            <p:ph type="body" sz="half" idx="2"/>
-          </p:nvPr>
-        </p:nvSpPr>
-        <p:spPr>
-          <a:xfrm>
-            <a:off x="839788" y="2057400"/>
-            <a:ext cx="3932237" cy="3811588"/>
-          </a:xfrm>
-        </p:spPr>
-        <p:txBody>
-          <a:bodyPr/>
-          <a:lstStyle>
-            <a:lvl1pPr marL="0" indent="0">
-              <a:buNone/>
-              <a:defRPr sz="1600"/>
-            </a:lvl1pPr>
-            <a:lvl2pPr marL="457200" indent="0">
-              <a:buNone/>
-              <a:defRPr sz="1400"/>
-            </a:lvl2pPr>
-            <a:lvl3pPr marL="914400" indent="0">
-              <a:buNone/>
-              <a:defRPr sz="1200"/>
-            </a:lvl3pPr>
-            <a:lvl4pPr marL="1371600" indent="0">
-              <a:buNone/>
-              <a:defRPr sz="1000"/>
-            </a:lvl4pPr>
-            <a:lvl5pPr marL="1828800" indent="0">
-              <a:buNone/>
-              <a:defRPr sz="1000"/>
-            </a:lvl5pPr>
-            <a:lvl6pPr marL="2286000" indent="0">
-              <a:buNone/>
-              <a:defRPr sz="1000"/>
-            </a:lvl6pPr>
-            <a:lvl7pPr marL="2743200" indent="0">
-              <a:buNone/>
-              <a:defRPr sz="1000"/>
-            </a:lvl7pPr>
-            <a:lvl8pPr marL="3200400" indent="0">
-              <a:buNone/>
-              <a:defRPr sz="1000"/>
-            </a:lvl8pPr>
-            <a:lvl9pPr marL="3657600" indent="0">
-              <a:buNone/>
-              <a:defRPr sz="1000"/>
-            </a:lvl9pPr>
-          </a:lstStyle>
-          <a:p>
-            <a:pPr lvl="0"/>
-            <a:r>
-              <a:rPr lang="en-US"/>
-              <a:t>Click to edit Master text styles</a:t>
-            </a:r>
-          </a:p>
-        </p:txBody>
-      </p:sp>
-      <p:sp>
-        <p:nvSpPr>
-          <p:cNvPr id="5" name="Date Placeholder 4">
-            <a:extLst>
-              <a:ext uri="{FF2B5EF4-FFF2-40B4-BE49-F238E27FC236}">
-                <a16:creationId xmlns:a16="http://schemas.microsoft.com/office/drawing/2014/main" id="{0EFAF6A1-7376-48AC-A759-EC56AFBAEC63}"/>
-              </a:ext>
-            </a:extLst>
-          </p:cNvPr>
+              <a:rPr lang="es-ES"/>
+              <a:t>Haga clic para modificar los estilos de texto del patrón</a:t>
+            </a:r>
+          </a:p>
+        </p:txBody>
+      </p:sp>
+      <p:sp>
+        <p:nvSpPr>
+          <p:cNvPr id="4" name="Date Placeholder 3"/>
           <p:cNvSpPr>
             <a:spLocks noGrp="1"/>
           </p:cNvSpPr>
@@ -2412,13 +3217,7 @@
       </p:sp>
       <p:sp>
         <p:nvSpPr>
-          <p:cNvPr id="6" name="Footer Placeholder 5">
-            <a:extLst>
-              <a:ext uri="{FF2B5EF4-FFF2-40B4-BE49-F238E27FC236}">
-                <a16:creationId xmlns:a16="http://schemas.microsoft.com/office/drawing/2014/main" id="{F786B580-F4F7-45E1-A1CE-83C0FB5CA4D4}"/>
-              </a:ext>
-            </a:extLst>
-          </p:cNvPr>
+          <p:cNvPr id="5" name="Footer Placeholder 4"/>
           <p:cNvSpPr>
             <a:spLocks noGrp="1"/>
           </p:cNvSpPr>
@@ -2437,13 +3236,7 @@
       </p:sp>
       <p:sp>
         <p:nvSpPr>
-          <p:cNvPr id="7" name="Slide Number Placeholder 6">
-            <a:extLst>
-              <a:ext uri="{FF2B5EF4-FFF2-40B4-BE49-F238E27FC236}">
-                <a16:creationId xmlns:a16="http://schemas.microsoft.com/office/drawing/2014/main" id="{49DD52F3-6DD6-4A50-9DF7-0D42B5D3FB98}"/>
-              </a:ext>
-            </a:extLst>
-          </p:cNvPr>
+          <p:cNvPr id="6" name="Slide Number Placeholder 5"/>
           <p:cNvSpPr>
             <a:spLocks noGrp="1"/>
           </p:cNvSpPr>
@@ -2458,7 +3251,7 @@
           <a:p>
             <a:fld id="{1D128B5B-32DC-4879-9BCA-E4DC3137B244}" type="slidenum">
               <a:rPr lang="es-MX" smtClean="0"/>
-              <a:t>‹#›</a:t>
+              <a:t>‹Nº›</a:t>
             </a:fld>
             <a:endParaRPr lang="es-MX"/>
           </a:p>
@@ -2467,7 +3260,7 @@
     </p:spTree>
     <p:extLst>
       <p:ext uri="{BB962C8B-B14F-4D97-AF65-F5344CB8AC3E}">
-        <p14:creationId xmlns:p14="http://schemas.microsoft.com/office/powerpoint/2010/main" val="19200078"/>
+        <p14:creationId xmlns:p14="http://schemas.microsoft.com/office/powerpoint/2010/main" val="1395383845"/>
       </p:ext>
     </p:extLst>
   </p:cSld>
@@ -2477,9 +3270,9 @@
 </p:sldLayout>
 </file>
 
-<file path=ppt/slideLayouts/slideLayout9.xml><?xml version="1.0" encoding="utf-8"?>
-<p:sldLayout xmlns:a="http://schemas.openxmlformats.org/drawingml/2006/main" xmlns:r="http://schemas.openxmlformats.org/officeDocument/2006/relationships" xmlns:p="http://schemas.openxmlformats.org/presentationml/2006/main" type="picTx" preserve="1">
-  <p:cSld name="Picture with Caption">
+<file path=ppt/slideLayouts/slideLayout4.xml><?xml version="1.0" encoding="utf-8"?>
+<p:sldLayout xmlns:a="http://schemas.openxmlformats.org/drawingml/2006/main" xmlns:r="http://schemas.openxmlformats.org/officeDocument/2006/relationships" xmlns:p="http://schemas.openxmlformats.org/presentationml/2006/main" type="twoObj" preserve="1">
+  <p:cSld name="Dos objetos">
     <p:spTree>
       <p:nvGrpSpPr>
         <p:cNvPr id="1" name=""/>
@@ -2496,189 +3289,144 @@
       </p:grpSpPr>
       <p:sp>
         <p:nvSpPr>
-          <p:cNvPr id="2" name="Title 1">
-            <a:extLst>
-              <a:ext uri="{FF2B5EF4-FFF2-40B4-BE49-F238E27FC236}">
-                <a16:creationId xmlns:a16="http://schemas.microsoft.com/office/drawing/2014/main" id="{51DA219B-9327-4DA8-BCFB-81107DD58180}"/>
-              </a:ext>
-            </a:extLst>
-          </p:cNvPr>
+          <p:cNvPr id="2" name="Title 1"/>
           <p:cNvSpPr>
             <a:spLocks noGrp="1"/>
           </p:cNvSpPr>
           <p:nvPr>
             <p:ph type="title"/>
+          </p:nvPr>
+        </p:nvSpPr>
+        <p:spPr/>
+        <p:txBody>
+          <a:bodyPr/>
+          <a:lstStyle/>
+          <a:p>
+            <a:r>
+              <a:rPr lang="es-ES"/>
+              <a:t>Haga clic para modificar el estilo de título del patrón</a:t>
+            </a:r>
+            <a:endParaRPr lang="en-US" dirty="0"/>
+          </a:p>
+        </p:txBody>
+      </p:sp>
+      <p:sp>
+        <p:nvSpPr>
+          <p:cNvPr id="3" name="Content Placeholder 2"/>
+          <p:cNvSpPr>
+            <a:spLocks noGrp="1"/>
+          </p:cNvSpPr>
+          <p:nvPr>
+            <p:ph sz="half" idx="1"/>
           </p:nvPr>
         </p:nvSpPr>
         <p:spPr>
           <a:xfrm>
-            <a:off x="839788" y="457200"/>
-            <a:ext cx="3932237" cy="1600200"/>
+            <a:off x="677334" y="2160589"/>
+            <a:ext cx="4184035" cy="3880772"/>
           </a:xfrm>
         </p:spPr>
         <p:txBody>
-          <a:bodyPr anchor="b"/>
-          <a:lstStyle>
-            <a:lvl1pPr>
-              <a:defRPr sz="3200"/>
-            </a:lvl1pPr>
-          </a:lstStyle>
-          <a:p>
-            <a:r>
-              <a:rPr lang="en-US"/>
-              <a:t>Click to edit Master title style</a:t>
-            </a:r>
-            <a:endParaRPr lang="es-MX"/>
-          </a:p>
-        </p:txBody>
-      </p:sp>
-      <p:sp>
-        <p:nvSpPr>
-          <p:cNvPr id="3" name="Picture Placeholder 2">
-            <a:extLst>
-              <a:ext uri="{FF2B5EF4-FFF2-40B4-BE49-F238E27FC236}">
-                <a16:creationId xmlns:a16="http://schemas.microsoft.com/office/drawing/2014/main" id="{F8BE5E94-8872-45A4-A54D-BC5DC86E7BAB}"/>
-              </a:ext>
-            </a:extLst>
-          </p:cNvPr>
-          <p:cNvSpPr>
-            <a:spLocks noGrp="1"/>
-          </p:cNvSpPr>
-          <p:nvPr>
-            <p:ph type="pic" idx="1"/>
+          <a:bodyPr/>
+          <a:lstStyle/>
+          <a:p>
+            <a:pPr lvl="0"/>
+            <a:r>
+              <a:rPr lang="es-ES"/>
+              <a:t>Haga clic para modificar los estilos de texto del patrón</a:t>
+            </a:r>
+          </a:p>
+          <a:p>
+            <a:pPr lvl="1"/>
+            <a:r>
+              <a:rPr lang="es-ES"/>
+              <a:t>Segundo nivel</a:t>
+            </a:r>
+          </a:p>
+          <a:p>
+            <a:pPr lvl="2"/>
+            <a:r>
+              <a:rPr lang="es-ES"/>
+              <a:t>Tercer nivel</a:t>
+            </a:r>
+          </a:p>
+          <a:p>
+            <a:pPr lvl="3"/>
+            <a:r>
+              <a:rPr lang="es-ES"/>
+              <a:t>Cuarto nivel</a:t>
+            </a:r>
+          </a:p>
+          <a:p>
+            <a:pPr lvl="4"/>
+            <a:r>
+              <a:rPr lang="es-ES"/>
+              <a:t>Quinto nivel</a:t>
+            </a:r>
+            <a:endParaRPr lang="en-US" dirty="0"/>
+          </a:p>
+        </p:txBody>
+      </p:sp>
+      <p:sp>
+        <p:nvSpPr>
+          <p:cNvPr id="4" name="Content Placeholder 3"/>
+          <p:cNvSpPr>
+            <a:spLocks noGrp="1"/>
+          </p:cNvSpPr>
+          <p:nvPr>
+            <p:ph sz="half" idx="2"/>
           </p:nvPr>
         </p:nvSpPr>
         <p:spPr>
           <a:xfrm>
-            <a:off x="5183188" y="987425"/>
-            <a:ext cx="6172200" cy="4873625"/>
+            <a:off x="5089970" y="2160589"/>
+            <a:ext cx="4184034" cy="3880773"/>
           </a:xfrm>
         </p:spPr>
         <p:txBody>
           <a:bodyPr/>
-          <a:lstStyle>
-            <a:lvl1pPr marL="0" indent="0">
-              <a:buNone/>
-              <a:defRPr sz="3200"/>
-            </a:lvl1pPr>
-            <a:lvl2pPr marL="457200" indent="0">
-              <a:buNone/>
-              <a:defRPr sz="2800"/>
-            </a:lvl2pPr>
-            <a:lvl3pPr marL="914400" indent="0">
-              <a:buNone/>
-              <a:defRPr sz="2400"/>
-            </a:lvl3pPr>
-            <a:lvl4pPr marL="1371600" indent="0">
-              <a:buNone/>
-              <a:defRPr sz="2000"/>
-            </a:lvl4pPr>
-            <a:lvl5pPr marL="1828800" indent="0">
-              <a:buNone/>
-              <a:defRPr sz="2000"/>
-            </a:lvl5pPr>
-            <a:lvl6pPr marL="2286000" indent="0">
-              <a:buNone/>
-              <a:defRPr sz="2000"/>
-            </a:lvl6pPr>
-            <a:lvl7pPr marL="2743200" indent="0">
-              <a:buNone/>
-              <a:defRPr sz="2000"/>
-            </a:lvl7pPr>
-            <a:lvl8pPr marL="3200400" indent="0">
-              <a:buNone/>
-              <a:defRPr sz="2000"/>
-            </a:lvl8pPr>
-            <a:lvl9pPr marL="3657600" indent="0">
-              <a:buNone/>
-              <a:defRPr sz="2000"/>
-            </a:lvl9pPr>
-          </a:lstStyle>
-          <a:p>
-            <a:endParaRPr lang="es-MX"/>
-          </a:p>
-        </p:txBody>
-      </p:sp>
-      <p:sp>
-        <p:nvSpPr>
-          <p:cNvPr id="4" name="Text Placeholder 3">
-            <a:extLst>
-              <a:ext uri="{FF2B5EF4-FFF2-40B4-BE49-F238E27FC236}">
-                <a16:creationId xmlns:a16="http://schemas.microsoft.com/office/drawing/2014/main" id="{E93E3489-0767-4B99-9F5B-EE40775092C8}"/>
-              </a:ext>
-            </a:extLst>
-          </p:cNvPr>
-          <p:cNvSpPr>
-            <a:spLocks noGrp="1"/>
-          </p:cNvSpPr>
-          <p:nvPr>
-            <p:ph type="body" sz="half" idx="2"/>
-          </p:nvPr>
-        </p:nvSpPr>
-        <p:spPr>
-          <a:xfrm>
-            <a:off x="839788" y="2057400"/>
-            <a:ext cx="3932237" cy="3811588"/>
-          </a:xfrm>
-        </p:spPr>
-        <p:txBody>
-          <a:bodyPr/>
-          <a:lstStyle>
-            <a:lvl1pPr marL="0" indent="0">
-              <a:buNone/>
-              <a:defRPr sz="1600"/>
-            </a:lvl1pPr>
-            <a:lvl2pPr marL="457200" indent="0">
-              <a:buNone/>
-              <a:defRPr sz="1400"/>
-            </a:lvl2pPr>
-            <a:lvl3pPr marL="914400" indent="0">
-              <a:buNone/>
-              <a:defRPr sz="1200"/>
-            </a:lvl3pPr>
-            <a:lvl4pPr marL="1371600" indent="0">
-              <a:buNone/>
-              <a:defRPr sz="1000"/>
-            </a:lvl4pPr>
-            <a:lvl5pPr marL="1828800" indent="0">
-              <a:buNone/>
-              <a:defRPr sz="1000"/>
-            </a:lvl5pPr>
-            <a:lvl6pPr marL="2286000" indent="0">
-              <a:buNone/>
-              <a:defRPr sz="1000"/>
-            </a:lvl6pPr>
-            <a:lvl7pPr marL="2743200" indent="0">
-              <a:buNone/>
-              <a:defRPr sz="1000"/>
-            </a:lvl7pPr>
-            <a:lvl8pPr marL="3200400" indent="0">
-              <a:buNone/>
-              <a:defRPr sz="1000"/>
-            </a:lvl8pPr>
-            <a:lvl9pPr marL="3657600" indent="0">
-              <a:buNone/>
-              <a:defRPr sz="1000"/>
-            </a:lvl9pPr>
-          </a:lstStyle>
+          <a:lstStyle/>
           <a:p>
             <a:pPr lvl="0"/>
             <a:r>
-              <a:rPr lang="en-US"/>
-              <a:t>Click to edit Master text styles</a:t>
-            </a:r>
-          </a:p>
-        </p:txBody>
-      </p:sp>
-      <p:sp>
-        <p:nvSpPr>
-          <p:cNvPr id="5" name="Date Placeholder 4">
-            <a:extLst>
-              <a:ext uri="{FF2B5EF4-FFF2-40B4-BE49-F238E27FC236}">
-                <a16:creationId xmlns:a16="http://schemas.microsoft.com/office/drawing/2014/main" id="{4F2D0E2F-A06B-475A-90B9-3BA9A7148605}"/>
-              </a:ext>
-            </a:extLst>
-          </p:cNvPr>
+              <a:rPr lang="es-ES"/>
+              <a:t>Haga clic para modificar los estilos de texto del patrón</a:t>
+            </a:r>
+          </a:p>
+          <a:p>
+            <a:pPr lvl="1"/>
+            <a:r>
+              <a:rPr lang="es-ES"/>
+              <a:t>Segundo nivel</a:t>
+            </a:r>
+          </a:p>
+          <a:p>
+            <a:pPr lvl="2"/>
+            <a:r>
+              <a:rPr lang="es-ES"/>
+              <a:t>Tercer nivel</a:t>
+            </a:r>
+          </a:p>
+          <a:p>
+            <a:pPr lvl="3"/>
+            <a:r>
+              <a:rPr lang="es-ES"/>
+              <a:t>Cuarto nivel</a:t>
+            </a:r>
+          </a:p>
+          <a:p>
+            <a:pPr lvl="4"/>
+            <a:r>
+              <a:rPr lang="es-ES"/>
+              <a:t>Quinto nivel</a:t>
+            </a:r>
+            <a:endParaRPr lang="en-US" dirty="0"/>
+          </a:p>
+        </p:txBody>
+      </p:sp>
+      <p:sp>
+        <p:nvSpPr>
+          <p:cNvPr id="5" name="Date Placeholder 4"/>
           <p:cNvSpPr>
             <a:spLocks noGrp="1"/>
           </p:cNvSpPr>
@@ -2701,13 +3449,7 @@
       </p:sp>
       <p:sp>
         <p:nvSpPr>
-          <p:cNvPr id="6" name="Footer Placeholder 5">
-            <a:extLst>
-              <a:ext uri="{FF2B5EF4-FFF2-40B4-BE49-F238E27FC236}">
-                <a16:creationId xmlns:a16="http://schemas.microsoft.com/office/drawing/2014/main" id="{97565B35-5059-4604-867F-EFF55E9FAB44}"/>
-              </a:ext>
-            </a:extLst>
-          </p:cNvPr>
+          <p:cNvPr id="6" name="Footer Placeholder 5"/>
           <p:cNvSpPr>
             <a:spLocks noGrp="1"/>
           </p:cNvSpPr>
@@ -2726,13 +3468,7 @@
       </p:sp>
       <p:sp>
         <p:nvSpPr>
-          <p:cNvPr id="7" name="Slide Number Placeholder 6">
-            <a:extLst>
-              <a:ext uri="{FF2B5EF4-FFF2-40B4-BE49-F238E27FC236}">
-                <a16:creationId xmlns:a16="http://schemas.microsoft.com/office/drawing/2014/main" id="{41F7F064-4EEF-4AE5-A6C8-91C6A9CF3228}"/>
-              </a:ext>
-            </a:extLst>
-          </p:cNvPr>
+          <p:cNvPr id="7" name="Slide Number Placeholder 6"/>
           <p:cNvSpPr>
             <a:spLocks noGrp="1"/>
           </p:cNvSpPr>
@@ -2747,7 +3483,7 @@
           <a:p>
             <a:fld id="{1D128B5B-32DC-4879-9BCA-E4DC3137B244}" type="slidenum">
               <a:rPr lang="es-MX" smtClean="0"/>
-              <a:t>‹#›</a:t>
+              <a:t>‹Nº›</a:t>
             </a:fld>
             <a:endParaRPr lang="es-MX"/>
           </a:p>
@@ -2756,7 +3492,1117 @@
     </p:spTree>
     <p:extLst>
       <p:ext uri="{BB962C8B-B14F-4D97-AF65-F5344CB8AC3E}">
-        <p14:creationId xmlns:p14="http://schemas.microsoft.com/office/powerpoint/2010/main" val="4256663354"/>
+        <p14:creationId xmlns:p14="http://schemas.microsoft.com/office/powerpoint/2010/main" val="1278592553"/>
+      </p:ext>
+    </p:extLst>
+  </p:cSld>
+  <p:clrMapOvr>
+    <a:masterClrMapping/>
+  </p:clrMapOvr>
+</p:sldLayout>
+</file>
+
+<file path=ppt/slideLayouts/slideLayout5.xml><?xml version="1.0" encoding="utf-8"?>
+<p:sldLayout xmlns:a="http://schemas.openxmlformats.org/drawingml/2006/main" xmlns:r="http://schemas.openxmlformats.org/officeDocument/2006/relationships" xmlns:p="http://schemas.openxmlformats.org/presentationml/2006/main" type="twoTxTwoObj" preserve="1">
+  <p:cSld name="Comparación">
+    <p:spTree>
+      <p:nvGrpSpPr>
+        <p:cNvPr id="1" name=""/>
+        <p:cNvGrpSpPr/>
+        <p:nvPr/>
+      </p:nvGrpSpPr>
+      <p:grpSpPr>
+        <a:xfrm>
+          <a:off x="0" y="0"/>
+          <a:ext cx="0" cy="0"/>
+          <a:chOff x="0" y="0"/>
+          <a:chExt cx="0" cy="0"/>
+        </a:xfrm>
+      </p:grpSpPr>
+      <p:sp>
+        <p:nvSpPr>
+          <p:cNvPr id="2" name="Title 1"/>
+          <p:cNvSpPr>
+            <a:spLocks noGrp="1"/>
+          </p:cNvSpPr>
+          <p:nvPr>
+            <p:ph type="title"/>
+          </p:nvPr>
+        </p:nvSpPr>
+        <p:spPr/>
+        <p:txBody>
+          <a:bodyPr/>
+          <a:lstStyle>
+            <a:lvl1pPr>
+              <a:defRPr/>
+            </a:lvl1pPr>
+          </a:lstStyle>
+          <a:p>
+            <a:r>
+              <a:rPr lang="es-ES"/>
+              <a:t>Haga clic para modificar el estilo de título del patrón</a:t>
+            </a:r>
+            <a:endParaRPr lang="en-US" dirty="0"/>
+          </a:p>
+        </p:txBody>
+      </p:sp>
+      <p:sp>
+        <p:nvSpPr>
+          <p:cNvPr id="3" name="Text Placeholder 2"/>
+          <p:cNvSpPr>
+            <a:spLocks noGrp="1"/>
+          </p:cNvSpPr>
+          <p:nvPr>
+            <p:ph type="body" idx="1"/>
+          </p:nvPr>
+        </p:nvSpPr>
+        <p:spPr>
+          <a:xfrm>
+            <a:off x="675745" y="2160983"/>
+            <a:ext cx="4185623" cy="576262"/>
+          </a:xfrm>
+        </p:spPr>
+        <p:txBody>
+          <a:bodyPr anchor="b">
+            <a:noAutofit/>
+          </a:bodyPr>
+          <a:lstStyle>
+            <a:lvl1pPr marL="0" indent="0">
+              <a:buNone/>
+              <a:defRPr sz="2400" b="0"/>
+            </a:lvl1pPr>
+            <a:lvl2pPr marL="457200" indent="0">
+              <a:buNone/>
+              <a:defRPr sz="2000" b="1"/>
+            </a:lvl2pPr>
+            <a:lvl3pPr marL="914400" indent="0">
+              <a:buNone/>
+              <a:defRPr sz="1800" b="1"/>
+            </a:lvl3pPr>
+            <a:lvl4pPr marL="1371600" indent="0">
+              <a:buNone/>
+              <a:defRPr sz="1600" b="1"/>
+            </a:lvl4pPr>
+            <a:lvl5pPr marL="1828800" indent="0">
+              <a:buNone/>
+              <a:defRPr sz="1600" b="1"/>
+            </a:lvl5pPr>
+            <a:lvl6pPr marL="2286000" indent="0">
+              <a:buNone/>
+              <a:defRPr sz="1600" b="1"/>
+            </a:lvl6pPr>
+            <a:lvl7pPr marL="2743200" indent="0">
+              <a:buNone/>
+              <a:defRPr sz="1600" b="1"/>
+            </a:lvl7pPr>
+            <a:lvl8pPr marL="3200400" indent="0">
+              <a:buNone/>
+              <a:defRPr sz="1600" b="1"/>
+            </a:lvl8pPr>
+            <a:lvl9pPr marL="3657600" indent="0">
+              <a:buNone/>
+              <a:defRPr sz="1600" b="1"/>
+            </a:lvl9pPr>
+          </a:lstStyle>
+          <a:p>
+            <a:pPr lvl="0"/>
+            <a:r>
+              <a:rPr lang="es-ES"/>
+              <a:t>Haga clic para modificar los estilos de texto del patrón</a:t>
+            </a:r>
+          </a:p>
+        </p:txBody>
+      </p:sp>
+      <p:sp>
+        <p:nvSpPr>
+          <p:cNvPr id="4" name="Content Placeholder 3"/>
+          <p:cNvSpPr>
+            <a:spLocks noGrp="1"/>
+          </p:cNvSpPr>
+          <p:nvPr>
+            <p:ph sz="half" idx="2"/>
+          </p:nvPr>
+        </p:nvSpPr>
+        <p:spPr>
+          <a:xfrm>
+            <a:off x="675745" y="2737245"/>
+            <a:ext cx="4185623" cy="3304117"/>
+          </a:xfrm>
+        </p:spPr>
+        <p:txBody>
+          <a:bodyPr>
+            <a:normAutofit/>
+          </a:bodyPr>
+          <a:lstStyle/>
+          <a:p>
+            <a:pPr lvl="0"/>
+            <a:r>
+              <a:rPr lang="es-ES"/>
+              <a:t>Haga clic para modificar los estilos de texto del patrón</a:t>
+            </a:r>
+          </a:p>
+          <a:p>
+            <a:pPr lvl="1"/>
+            <a:r>
+              <a:rPr lang="es-ES"/>
+              <a:t>Segundo nivel</a:t>
+            </a:r>
+          </a:p>
+          <a:p>
+            <a:pPr lvl="2"/>
+            <a:r>
+              <a:rPr lang="es-ES"/>
+              <a:t>Tercer nivel</a:t>
+            </a:r>
+          </a:p>
+          <a:p>
+            <a:pPr lvl="3"/>
+            <a:r>
+              <a:rPr lang="es-ES"/>
+              <a:t>Cuarto nivel</a:t>
+            </a:r>
+          </a:p>
+          <a:p>
+            <a:pPr lvl="4"/>
+            <a:r>
+              <a:rPr lang="es-ES"/>
+              <a:t>Quinto nivel</a:t>
+            </a:r>
+            <a:endParaRPr lang="en-US" dirty="0"/>
+          </a:p>
+        </p:txBody>
+      </p:sp>
+      <p:sp>
+        <p:nvSpPr>
+          <p:cNvPr id="5" name="Text Placeholder 4"/>
+          <p:cNvSpPr>
+            <a:spLocks noGrp="1"/>
+          </p:cNvSpPr>
+          <p:nvPr>
+            <p:ph type="body" sz="quarter" idx="3"/>
+          </p:nvPr>
+        </p:nvSpPr>
+        <p:spPr>
+          <a:xfrm>
+            <a:off x="5088383" y="2160983"/>
+            <a:ext cx="4185618" cy="576262"/>
+          </a:xfrm>
+        </p:spPr>
+        <p:txBody>
+          <a:bodyPr anchor="b">
+            <a:noAutofit/>
+          </a:bodyPr>
+          <a:lstStyle>
+            <a:lvl1pPr marL="0" indent="0">
+              <a:buNone/>
+              <a:defRPr sz="2400" b="0"/>
+            </a:lvl1pPr>
+            <a:lvl2pPr marL="457200" indent="0">
+              <a:buNone/>
+              <a:defRPr sz="2000" b="1"/>
+            </a:lvl2pPr>
+            <a:lvl3pPr marL="914400" indent="0">
+              <a:buNone/>
+              <a:defRPr sz="1800" b="1"/>
+            </a:lvl3pPr>
+            <a:lvl4pPr marL="1371600" indent="0">
+              <a:buNone/>
+              <a:defRPr sz="1600" b="1"/>
+            </a:lvl4pPr>
+            <a:lvl5pPr marL="1828800" indent="0">
+              <a:buNone/>
+              <a:defRPr sz="1600" b="1"/>
+            </a:lvl5pPr>
+            <a:lvl6pPr marL="2286000" indent="0">
+              <a:buNone/>
+              <a:defRPr sz="1600" b="1"/>
+            </a:lvl6pPr>
+            <a:lvl7pPr marL="2743200" indent="0">
+              <a:buNone/>
+              <a:defRPr sz="1600" b="1"/>
+            </a:lvl7pPr>
+            <a:lvl8pPr marL="3200400" indent="0">
+              <a:buNone/>
+              <a:defRPr sz="1600" b="1"/>
+            </a:lvl8pPr>
+            <a:lvl9pPr marL="3657600" indent="0">
+              <a:buNone/>
+              <a:defRPr sz="1600" b="1"/>
+            </a:lvl9pPr>
+          </a:lstStyle>
+          <a:p>
+            <a:pPr lvl="0"/>
+            <a:r>
+              <a:rPr lang="es-ES"/>
+              <a:t>Haga clic para modificar los estilos de texto del patrón</a:t>
+            </a:r>
+          </a:p>
+        </p:txBody>
+      </p:sp>
+      <p:sp>
+        <p:nvSpPr>
+          <p:cNvPr id="6" name="Content Placeholder 5"/>
+          <p:cNvSpPr>
+            <a:spLocks noGrp="1"/>
+          </p:cNvSpPr>
+          <p:nvPr>
+            <p:ph sz="quarter" idx="4"/>
+          </p:nvPr>
+        </p:nvSpPr>
+        <p:spPr>
+          <a:xfrm>
+            <a:off x="5088384" y="2737245"/>
+            <a:ext cx="4185617" cy="3304117"/>
+          </a:xfrm>
+        </p:spPr>
+        <p:txBody>
+          <a:bodyPr>
+            <a:normAutofit/>
+          </a:bodyPr>
+          <a:lstStyle/>
+          <a:p>
+            <a:pPr lvl="0"/>
+            <a:r>
+              <a:rPr lang="es-ES"/>
+              <a:t>Haga clic para modificar los estilos de texto del patrón</a:t>
+            </a:r>
+          </a:p>
+          <a:p>
+            <a:pPr lvl="1"/>
+            <a:r>
+              <a:rPr lang="es-ES"/>
+              <a:t>Segundo nivel</a:t>
+            </a:r>
+          </a:p>
+          <a:p>
+            <a:pPr lvl="2"/>
+            <a:r>
+              <a:rPr lang="es-ES"/>
+              <a:t>Tercer nivel</a:t>
+            </a:r>
+          </a:p>
+          <a:p>
+            <a:pPr lvl="3"/>
+            <a:r>
+              <a:rPr lang="es-ES"/>
+              <a:t>Cuarto nivel</a:t>
+            </a:r>
+          </a:p>
+          <a:p>
+            <a:pPr lvl="4"/>
+            <a:r>
+              <a:rPr lang="es-ES"/>
+              <a:t>Quinto nivel</a:t>
+            </a:r>
+            <a:endParaRPr lang="en-US" dirty="0"/>
+          </a:p>
+        </p:txBody>
+      </p:sp>
+      <p:sp>
+        <p:nvSpPr>
+          <p:cNvPr id="7" name="Date Placeholder 6"/>
+          <p:cNvSpPr>
+            <a:spLocks noGrp="1"/>
+          </p:cNvSpPr>
+          <p:nvPr>
+            <p:ph type="dt" sz="half" idx="10"/>
+          </p:nvPr>
+        </p:nvSpPr>
+        <p:spPr/>
+        <p:txBody>
+          <a:bodyPr/>
+          <a:lstStyle/>
+          <a:p>
+            <a:fld id="{00DE9600-66B2-45F4-A337-8EE544F77EDA}" type="datetimeFigureOut">
+              <a:rPr lang="es-MX" smtClean="0"/>
+              <a:t>01/06/2021</a:t>
+            </a:fld>
+            <a:endParaRPr lang="es-MX"/>
+          </a:p>
+        </p:txBody>
+      </p:sp>
+      <p:sp>
+        <p:nvSpPr>
+          <p:cNvPr id="8" name="Footer Placeholder 7"/>
+          <p:cNvSpPr>
+            <a:spLocks noGrp="1"/>
+          </p:cNvSpPr>
+          <p:nvPr>
+            <p:ph type="ftr" sz="quarter" idx="11"/>
+          </p:nvPr>
+        </p:nvSpPr>
+        <p:spPr/>
+        <p:txBody>
+          <a:bodyPr/>
+          <a:lstStyle/>
+          <a:p>
+            <a:endParaRPr lang="es-MX"/>
+          </a:p>
+        </p:txBody>
+      </p:sp>
+      <p:sp>
+        <p:nvSpPr>
+          <p:cNvPr id="9" name="Slide Number Placeholder 8"/>
+          <p:cNvSpPr>
+            <a:spLocks noGrp="1"/>
+          </p:cNvSpPr>
+          <p:nvPr>
+            <p:ph type="sldNum" sz="quarter" idx="12"/>
+          </p:nvPr>
+        </p:nvSpPr>
+        <p:spPr/>
+        <p:txBody>
+          <a:bodyPr/>
+          <a:lstStyle/>
+          <a:p>
+            <a:fld id="{1D128B5B-32DC-4879-9BCA-E4DC3137B244}" type="slidenum">
+              <a:rPr lang="es-MX" smtClean="0"/>
+              <a:t>‹Nº›</a:t>
+            </a:fld>
+            <a:endParaRPr lang="es-MX"/>
+          </a:p>
+        </p:txBody>
+      </p:sp>
+    </p:spTree>
+    <p:extLst>
+      <p:ext uri="{BB962C8B-B14F-4D97-AF65-F5344CB8AC3E}">
+        <p14:creationId xmlns:p14="http://schemas.microsoft.com/office/powerpoint/2010/main" val="3454218397"/>
+      </p:ext>
+    </p:extLst>
+  </p:cSld>
+  <p:clrMapOvr>
+    <a:masterClrMapping/>
+  </p:clrMapOvr>
+</p:sldLayout>
+</file>
+
+<file path=ppt/slideLayouts/slideLayout6.xml><?xml version="1.0" encoding="utf-8"?>
+<p:sldLayout xmlns:a="http://schemas.openxmlformats.org/drawingml/2006/main" xmlns:r="http://schemas.openxmlformats.org/officeDocument/2006/relationships" xmlns:p="http://schemas.openxmlformats.org/presentationml/2006/main" type="titleOnly" preserve="1">
+  <p:cSld name="Solo el título">
+    <p:spTree>
+      <p:nvGrpSpPr>
+        <p:cNvPr id="1" name=""/>
+        <p:cNvGrpSpPr/>
+        <p:nvPr/>
+      </p:nvGrpSpPr>
+      <p:grpSpPr>
+        <a:xfrm>
+          <a:off x="0" y="0"/>
+          <a:ext cx="0" cy="0"/>
+          <a:chOff x="0" y="0"/>
+          <a:chExt cx="0" cy="0"/>
+        </a:xfrm>
+      </p:grpSpPr>
+      <p:sp>
+        <p:nvSpPr>
+          <p:cNvPr id="2" name="Title 1"/>
+          <p:cNvSpPr>
+            <a:spLocks noGrp="1"/>
+          </p:cNvSpPr>
+          <p:nvPr>
+            <p:ph type="title"/>
+          </p:nvPr>
+        </p:nvSpPr>
+        <p:spPr>
+          <a:xfrm>
+            <a:off x="677334" y="609600"/>
+            <a:ext cx="8596668" cy="1320800"/>
+          </a:xfrm>
+        </p:spPr>
+        <p:txBody>
+          <a:bodyPr/>
+          <a:lstStyle/>
+          <a:p>
+            <a:r>
+              <a:rPr lang="es-ES"/>
+              <a:t>Haga clic para modificar el estilo de título del patrón</a:t>
+            </a:r>
+            <a:endParaRPr lang="en-US" dirty="0"/>
+          </a:p>
+        </p:txBody>
+      </p:sp>
+      <p:sp>
+        <p:nvSpPr>
+          <p:cNvPr id="3" name="Date Placeholder 2"/>
+          <p:cNvSpPr>
+            <a:spLocks noGrp="1"/>
+          </p:cNvSpPr>
+          <p:nvPr>
+            <p:ph type="dt" sz="half" idx="10"/>
+          </p:nvPr>
+        </p:nvSpPr>
+        <p:spPr/>
+        <p:txBody>
+          <a:bodyPr/>
+          <a:lstStyle/>
+          <a:p>
+            <a:fld id="{00DE9600-66B2-45F4-A337-8EE544F77EDA}" type="datetimeFigureOut">
+              <a:rPr lang="es-MX" smtClean="0"/>
+              <a:t>01/06/2021</a:t>
+            </a:fld>
+            <a:endParaRPr lang="es-MX"/>
+          </a:p>
+        </p:txBody>
+      </p:sp>
+      <p:sp>
+        <p:nvSpPr>
+          <p:cNvPr id="4" name="Footer Placeholder 3"/>
+          <p:cNvSpPr>
+            <a:spLocks noGrp="1"/>
+          </p:cNvSpPr>
+          <p:nvPr>
+            <p:ph type="ftr" sz="quarter" idx="11"/>
+          </p:nvPr>
+        </p:nvSpPr>
+        <p:spPr/>
+        <p:txBody>
+          <a:bodyPr/>
+          <a:lstStyle/>
+          <a:p>
+            <a:endParaRPr lang="es-MX"/>
+          </a:p>
+        </p:txBody>
+      </p:sp>
+      <p:sp>
+        <p:nvSpPr>
+          <p:cNvPr id="5" name="Slide Number Placeholder 4"/>
+          <p:cNvSpPr>
+            <a:spLocks noGrp="1"/>
+          </p:cNvSpPr>
+          <p:nvPr>
+            <p:ph type="sldNum" sz="quarter" idx="12"/>
+          </p:nvPr>
+        </p:nvSpPr>
+        <p:spPr/>
+        <p:txBody>
+          <a:bodyPr/>
+          <a:lstStyle/>
+          <a:p>
+            <a:fld id="{1D128B5B-32DC-4879-9BCA-E4DC3137B244}" type="slidenum">
+              <a:rPr lang="es-MX" smtClean="0"/>
+              <a:t>‹Nº›</a:t>
+            </a:fld>
+            <a:endParaRPr lang="es-MX"/>
+          </a:p>
+        </p:txBody>
+      </p:sp>
+    </p:spTree>
+    <p:extLst>
+      <p:ext uri="{BB962C8B-B14F-4D97-AF65-F5344CB8AC3E}">
+        <p14:creationId xmlns:p14="http://schemas.microsoft.com/office/powerpoint/2010/main" val="2064981636"/>
+      </p:ext>
+    </p:extLst>
+  </p:cSld>
+  <p:clrMapOvr>
+    <a:masterClrMapping/>
+  </p:clrMapOvr>
+</p:sldLayout>
+</file>
+
+<file path=ppt/slideLayouts/slideLayout7.xml><?xml version="1.0" encoding="utf-8"?>
+<p:sldLayout xmlns:a="http://schemas.openxmlformats.org/drawingml/2006/main" xmlns:r="http://schemas.openxmlformats.org/officeDocument/2006/relationships" xmlns:p="http://schemas.openxmlformats.org/presentationml/2006/main" type="blank" preserve="1">
+  <p:cSld name="En blanco">
+    <p:spTree>
+      <p:nvGrpSpPr>
+        <p:cNvPr id="1" name=""/>
+        <p:cNvGrpSpPr/>
+        <p:nvPr/>
+      </p:nvGrpSpPr>
+      <p:grpSpPr>
+        <a:xfrm>
+          <a:off x="0" y="0"/>
+          <a:ext cx="0" cy="0"/>
+          <a:chOff x="0" y="0"/>
+          <a:chExt cx="0" cy="0"/>
+        </a:xfrm>
+      </p:grpSpPr>
+      <p:sp>
+        <p:nvSpPr>
+          <p:cNvPr id="2" name="Date Placeholder 1"/>
+          <p:cNvSpPr>
+            <a:spLocks noGrp="1"/>
+          </p:cNvSpPr>
+          <p:nvPr>
+            <p:ph type="dt" sz="half" idx="10"/>
+          </p:nvPr>
+        </p:nvSpPr>
+        <p:spPr/>
+        <p:txBody>
+          <a:bodyPr/>
+          <a:lstStyle/>
+          <a:p>
+            <a:fld id="{00DE9600-66B2-45F4-A337-8EE544F77EDA}" type="datetimeFigureOut">
+              <a:rPr lang="es-MX" smtClean="0"/>
+              <a:t>01/06/2021</a:t>
+            </a:fld>
+            <a:endParaRPr lang="es-MX"/>
+          </a:p>
+        </p:txBody>
+      </p:sp>
+      <p:sp>
+        <p:nvSpPr>
+          <p:cNvPr id="3" name="Footer Placeholder 2"/>
+          <p:cNvSpPr>
+            <a:spLocks noGrp="1"/>
+          </p:cNvSpPr>
+          <p:nvPr>
+            <p:ph type="ftr" sz="quarter" idx="11"/>
+          </p:nvPr>
+        </p:nvSpPr>
+        <p:spPr/>
+        <p:txBody>
+          <a:bodyPr/>
+          <a:lstStyle/>
+          <a:p>
+            <a:endParaRPr lang="es-MX"/>
+          </a:p>
+        </p:txBody>
+      </p:sp>
+      <p:sp>
+        <p:nvSpPr>
+          <p:cNvPr id="4" name="Slide Number Placeholder 3"/>
+          <p:cNvSpPr>
+            <a:spLocks noGrp="1"/>
+          </p:cNvSpPr>
+          <p:nvPr>
+            <p:ph type="sldNum" sz="quarter" idx="12"/>
+          </p:nvPr>
+        </p:nvSpPr>
+        <p:spPr/>
+        <p:txBody>
+          <a:bodyPr/>
+          <a:lstStyle/>
+          <a:p>
+            <a:fld id="{1D128B5B-32DC-4879-9BCA-E4DC3137B244}" type="slidenum">
+              <a:rPr lang="es-MX" smtClean="0"/>
+              <a:t>‹Nº›</a:t>
+            </a:fld>
+            <a:endParaRPr lang="es-MX"/>
+          </a:p>
+        </p:txBody>
+      </p:sp>
+    </p:spTree>
+    <p:extLst>
+      <p:ext uri="{BB962C8B-B14F-4D97-AF65-F5344CB8AC3E}">
+        <p14:creationId xmlns:p14="http://schemas.microsoft.com/office/powerpoint/2010/main" val="2391621065"/>
+      </p:ext>
+    </p:extLst>
+  </p:cSld>
+  <p:clrMapOvr>
+    <a:masterClrMapping/>
+  </p:clrMapOvr>
+</p:sldLayout>
+</file>
+
+<file path=ppt/slideLayouts/slideLayout8.xml><?xml version="1.0" encoding="utf-8"?>
+<p:sldLayout xmlns:a="http://schemas.openxmlformats.org/drawingml/2006/main" xmlns:r="http://schemas.openxmlformats.org/officeDocument/2006/relationships" xmlns:p="http://schemas.openxmlformats.org/presentationml/2006/main" type="objTx" preserve="1">
+  <p:cSld name="Contenido con título">
+    <p:spTree>
+      <p:nvGrpSpPr>
+        <p:cNvPr id="1" name=""/>
+        <p:cNvGrpSpPr/>
+        <p:nvPr/>
+      </p:nvGrpSpPr>
+      <p:grpSpPr>
+        <a:xfrm>
+          <a:off x="0" y="0"/>
+          <a:ext cx="0" cy="0"/>
+          <a:chOff x="0" y="0"/>
+          <a:chExt cx="0" cy="0"/>
+        </a:xfrm>
+      </p:grpSpPr>
+      <p:sp>
+        <p:nvSpPr>
+          <p:cNvPr id="2" name="Title 1"/>
+          <p:cNvSpPr>
+            <a:spLocks noGrp="1"/>
+          </p:cNvSpPr>
+          <p:nvPr>
+            <p:ph type="title"/>
+          </p:nvPr>
+        </p:nvSpPr>
+        <p:spPr>
+          <a:xfrm>
+            <a:off x="677334" y="1498604"/>
+            <a:ext cx="3854528" cy="1278466"/>
+          </a:xfrm>
+        </p:spPr>
+        <p:txBody>
+          <a:bodyPr anchor="b">
+            <a:normAutofit/>
+          </a:bodyPr>
+          <a:lstStyle>
+            <a:lvl1pPr>
+              <a:defRPr sz="2000"/>
+            </a:lvl1pPr>
+          </a:lstStyle>
+          <a:p>
+            <a:r>
+              <a:rPr lang="es-ES"/>
+              <a:t>Haga clic para modificar el estilo de título del patrón</a:t>
+            </a:r>
+            <a:endParaRPr lang="en-US" dirty="0"/>
+          </a:p>
+        </p:txBody>
+      </p:sp>
+      <p:sp>
+        <p:nvSpPr>
+          <p:cNvPr id="3" name="Content Placeholder 2"/>
+          <p:cNvSpPr>
+            <a:spLocks noGrp="1"/>
+          </p:cNvSpPr>
+          <p:nvPr>
+            <p:ph idx="1"/>
+          </p:nvPr>
+        </p:nvSpPr>
+        <p:spPr>
+          <a:xfrm>
+            <a:off x="4760461" y="514924"/>
+            <a:ext cx="4513541" cy="5526437"/>
+          </a:xfrm>
+        </p:spPr>
+        <p:txBody>
+          <a:bodyPr>
+            <a:normAutofit/>
+          </a:bodyPr>
+          <a:lstStyle/>
+          <a:p>
+            <a:pPr lvl="0"/>
+            <a:r>
+              <a:rPr lang="es-ES"/>
+              <a:t>Haga clic para modificar los estilos de texto del patrón</a:t>
+            </a:r>
+          </a:p>
+          <a:p>
+            <a:pPr lvl="1"/>
+            <a:r>
+              <a:rPr lang="es-ES"/>
+              <a:t>Segundo nivel</a:t>
+            </a:r>
+          </a:p>
+          <a:p>
+            <a:pPr lvl="2"/>
+            <a:r>
+              <a:rPr lang="es-ES"/>
+              <a:t>Tercer nivel</a:t>
+            </a:r>
+          </a:p>
+          <a:p>
+            <a:pPr lvl="3"/>
+            <a:r>
+              <a:rPr lang="es-ES"/>
+              <a:t>Cuarto nivel</a:t>
+            </a:r>
+          </a:p>
+          <a:p>
+            <a:pPr lvl="4"/>
+            <a:r>
+              <a:rPr lang="es-ES"/>
+              <a:t>Quinto nivel</a:t>
+            </a:r>
+            <a:endParaRPr lang="en-US" dirty="0"/>
+          </a:p>
+        </p:txBody>
+      </p:sp>
+      <p:sp>
+        <p:nvSpPr>
+          <p:cNvPr id="4" name="Text Placeholder 3"/>
+          <p:cNvSpPr>
+            <a:spLocks noGrp="1"/>
+          </p:cNvSpPr>
+          <p:nvPr>
+            <p:ph type="body" sz="half" idx="2"/>
+          </p:nvPr>
+        </p:nvSpPr>
+        <p:spPr>
+          <a:xfrm>
+            <a:off x="677334" y="2777069"/>
+            <a:ext cx="3854528" cy="2584449"/>
+          </a:xfrm>
+        </p:spPr>
+        <p:txBody>
+          <a:bodyPr>
+            <a:normAutofit/>
+          </a:bodyPr>
+          <a:lstStyle>
+            <a:lvl1pPr marL="0" indent="0">
+              <a:buNone/>
+              <a:defRPr sz="1400"/>
+            </a:lvl1pPr>
+            <a:lvl2pPr marL="457063" indent="0">
+              <a:buNone/>
+              <a:defRPr sz="1400"/>
+            </a:lvl2pPr>
+            <a:lvl3pPr marL="914126" indent="0">
+              <a:buNone/>
+              <a:defRPr sz="1200"/>
+            </a:lvl3pPr>
+            <a:lvl4pPr marL="1371189" indent="0">
+              <a:buNone/>
+              <a:defRPr sz="1000"/>
+            </a:lvl4pPr>
+            <a:lvl5pPr marL="1828251" indent="0">
+              <a:buNone/>
+              <a:defRPr sz="1000"/>
+            </a:lvl5pPr>
+            <a:lvl6pPr marL="2285314" indent="0">
+              <a:buNone/>
+              <a:defRPr sz="1000"/>
+            </a:lvl6pPr>
+            <a:lvl7pPr marL="2742377" indent="0">
+              <a:buNone/>
+              <a:defRPr sz="1000"/>
+            </a:lvl7pPr>
+            <a:lvl8pPr marL="3199440" indent="0">
+              <a:buNone/>
+              <a:defRPr sz="1000"/>
+            </a:lvl8pPr>
+            <a:lvl9pPr marL="3656503" indent="0">
+              <a:buNone/>
+              <a:defRPr sz="1000"/>
+            </a:lvl9pPr>
+          </a:lstStyle>
+          <a:p>
+            <a:pPr lvl="0"/>
+            <a:r>
+              <a:rPr lang="es-ES"/>
+              <a:t>Haga clic para modificar los estilos de texto del patrón</a:t>
+            </a:r>
+          </a:p>
+        </p:txBody>
+      </p:sp>
+      <p:sp>
+        <p:nvSpPr>
+          <p:cNvPr id="5" name="Date Placeholder 4"/>
+          <p:cNvSpPr>
+            <a:spLocks noGrp="1"/>
+          </p:cNvSpPr>
+          <p:nvPr>
+            <p:ph type="dt" sz="half" idx="10"/>
+          </p:nvPr>
+        </p:nvSpPr>
+        <p:spPr/>
+        <p:txBody>
+          <a:bodyPr/>
+          <a:lstStyle/>
+          <a:p>
+            <a:fld id="{00DE9600-66B2-45F4-A337-8EE544F77EDA}" type="datetimeFigureOut">
+              <a:rPr lang="es-MX" smtClean="0"/>
+              <a:t>01/06/2021</a:t>
+            </a:fld>
+            <a:endParaRPr lang="es-MX"/>
+          </a:p>
+        </p:txBody>
+      </p:sp>
+      <p:sp>
+        <p:nvSpPr>
+          <p:cNvPr id="6" name="Footer Placeholder 5"/>
+          <p:cNvSpPr>
+            <a:spLocks noGrp="1"/>
+          </p:cNvSpPr>
+          <p:nvPr>
+            <p:ph type="ftr" sz="quarter" idx="11"/>
+          </p:nvPr>
+        </p:nvSpPr>
+        <p:spPr/>
+        <p:txBody>
+          <a:bodyPr/>
+          <a:lstStyle/>
+          <a:p>
+            <a:endParaRPr lang="es-MX"/>
+          </a:p>
+        </p:txBody>
+      </p:sp>
+      <p:sp>
+        <p:nvSpPr>
+          <p:cNvPr id="7" name="Slide Number Placeholder 6"/>
+          <p:cNvSpPr>
+            <a:spLocks noGrp="1"/>
+          </p:cNvSpPr>
+          <p:nvPr>
+            <p:ph type="sldNum" sz="quarter" idx="12"/>
+          </p:nvPr>
+        </p:nvSpPr>
+        <p:spPr/>
+        <p:txBody>
+          <a:bodyPr/>
+          <a:lstStyle/>
+          <a:p>
+            <a:fld id="{1D128B5B-32DC-4879-9BCA-E4DC3137B244}" type="slidenum">
+              <a:rPr lang="es-MX" smtClean="0"/>
+              <a:t>‹Nº›</a:t>
+            </a:fld>
+            <a:endParaRPr lang="es-MX"/>
+          </a:p>
+        </p:txBody>
+      </p:sp>
+    </p:spTree>
+    <p:extLst>
+      <p:ext uri="{BB962C8B-B14F-4D97-AF65-F5344CB8AC3E}">
+        <p14:creationId xmlns:p14="http://schemas.microsoft.com/office/powerpoint/2010/main" val="2217375130"/>
+      </p:ext>
+    </p:extLst>
+  </p:cSld>
+  <p:clrMapOvr>
+    <a:masterClrMapping/>
+  </p:clrMapOvr>
+</p:sldLayout>
+</file>
+
+<file path=ppt/slideLayouts/slideLayout9.xml><?xml version="1.0" encoding="utf-8"?>
+<p:sldLayout xmlns:a="http://schemas.openxmlformats.org/drawingml/2006/main" xmlns:r="http://schemas.openxmlformats.org/officeDocument/2006/relationships" xmlns:p="http://schemas.openxmlformats.org/presentationml/2006/main" type="picTx" preserve="1">
+  <p:cSld name="Imagen con título">
+    <p:spTree>
+      <p:nvGrpSpPr>
+        <p:cNvPr id="1" name=""/>
+        <p:cNvGrpSpPr/>
+        <p:nvPr/>
+      </p:nvGrpSpPr>
+      <p:grpSpPr>
+        <a:xfrm>
+          <a:off x="0" y="0"/>
+          <a:ext cx="0" cy="0"/>
+          <a:chOff x="0" y="0"/>
+          <a:chExt cx="0" cy="0"/>
+        </a:xfrm>
+      </p:grpSpPr>
+      <p:sp>
+        <p:nvSpPr>
+          <p:cNvPr id="2" name="Title 1"/>
+          <p:cNvSpPr>
+            <a:spLocks noGrp="1"/>
+          </p:cNvSpPr>
+          <p:nvPr>
+            <p:ph type="title"/>
+          </p:nvPr>
+        </p:nvSpPr>
+        <p:spPr>
+          <a:xfrm>
+            <a:off x="677334" y="4800600"/>
+            <a:ext cx="8596667" cy="566738"/>
+          </a:xfrm>
+        </p:spPr>
+        <p:txBody>
+          <a:bodyPr anchor="b">
+            <a:normAutofit/>
+          </a:bodyPr>
+          <a:lstStyle>
+            <a:lvl1pPr algn="l">
+              <a:defRPr sz="2400" b="0"/>
+            </a:lvl1pPr>
+          </a:lstStyle>
+          <a:p>
+            <a:r>
+              <a:rPr lang="es-ES"/>
+              <a:t>Haga clic para modificar el estilo de título del patrón</a:t>
+            </a:r>
+            <a:endParaRPr lang="en-US" dirty="0"/>
+          </a:p>
+        </p:txBody>
+      </p:sp>
+      <p:sp>
+        <p:nvSpPr>
+          <p:cNvPr id="3" name="Picture Placeholder 2"/>
+          <p:cNvSpPr>
+            <a:spLocks noGrp="1" noChangeAspect="1"/>
+          </p:cNvSpPr>
+          <p:nvPr>
+            <p:ph type="pic" idx="1"/>
+          </p:nvPr>
+        </p:nvSpPr>
+        <p:spPr>
+          <a:xfrm>
+            <a:off x="677334" y="609600"/>
+            <a:ext cx="8596668" cy="3845718"/>
+          </a:xfrm>
+        </p:spPr>
+        <p:txBody>
+          <a:bodyPr anchor="t">
+            <a:normAutofit/>
+          </a:bodyPr>
+          <a:lstStyle>
+            <a:lvl1pPr marL="0" indent="0" algn="ctr">
+              <a:buNone/>
+              <a:defRPr sz="1600"/>
+            </a:lvl1pPr>
+            <a:lvl2pPr marL="457200" indent="0">
+              <a:buNone/>
+              <a:defRPr sz="1600"/>
+            </a:lvl2pPr>
+            <a:lvl3pPr marL="914400" indent="0">
+              <a:buNone/>
+              <a:defRPr sz="1600"/>
+            </a:lvl3pPr>
+            <a:lvl4pPr marL="1371600" indent="0">
+              <a:buNone/>
+              <a:defRPr sz="1600"/>
+            </a:lvl4pPr>
+            <a:lvl5pPr marL="1828800" indent="0">
+              <a:buNone/>
+              <a:defRPr sz="1600"/>
+            </a:lvl5pPr>
+            <a:lvl6pPr marL="2286000" indent="0">
+              <a:buNone/>
+              <a:defRPr sz="1600"/>
+            </a:lvl6pPr>
+            <a:lvl7pPr marL="2743200" indent="0">
+              <a:buNone/>
+              <a:defRPr sz="1600"/>
+            </a:lvl7pPr>
+            <a:lvl8pPr marL="3200400" indent="0">
+              <a:buNone/>
+              <a:defRPr sz="1600"/>
+            </a:lvl8pPr>
+            <a:lvl9pPr marL="3657600" indent="0">
+              <a:buNone/>
+              <a:defRPr sz="1600"/>
+            </a:lvl9pPr>
+          </a:lstStyle>
+          <a:p>
+            <a:r>
+              <a:rPr lang="es-ES"/>
+              <a:t>Haga clic en el icono para agregar una imagen</a:t>
+            </a:r>
+            <a:endParaRPr lang="en-US" dirty="0"/>
+          </a:p>
+        </p:txBody>
+      </p:sp>
+      <p:sp>
+        <p:nvSpPr>
+          <p:cNvPr id="4" name="Text Placeholder 3"/>
+          <p:cNvSpPr>
+            <a:spLocks noGrp="1"/>
+          </p:cNvSpPr>
+          <p:nvPr>
+            <p:ph type="body" sz="half" idx="2"/>
+          </p:nvPr>
+        </p:nvSpPr>
+        <p:spPr>
+          <a:xfrm>
+            <a:off x="677334" y="5367338"/>
+            <a:ext cx="8596667" cy="674024"/>
+          </a:xfrm>
+        </p:spPr>
+        <p:txBody>
+          <a:bodyPr>
+            <a:normAutofit/>
+          </a:bodyPr>
+          <a:lstStyle>
+            <a:lvl1pPr marL="0" indent="0">
+              <a:buNone/>
+              <a:defRPr sz="1200"/>
+            </a:lvl1pPr>
+            <a:lvl2pPr marL="457200" indent="0">
+              <a:buNone/>
+              <a:defRPr sz="1200"/>
+            </a:lvl2pPr>
+            <a:lvl3pPr marL="914400" indent="0">
+              <a:buNone/>
+              <a:defRPr sz="1000"/>
+            </a:lvl3pPr>
+            <a:lvl4pPr marL="1371600" indent="0">
+              <a:buNone/>
+              <a:defRPr sz="900"/>
+            </a:lvl4pPr>
+            <a:lvl5pPr marL="1828800" indent="0">
+              <a:buNone/>
+              <a:defRPr sz="900"/>
+            </a:lvl5pPr>
+            <a:lvl6pPr marL="2286000" indent="0">
+              <a:buNone/>
+              <a:defRPr sz="900"/>
+            </a:lvl6pPr>
+            <a:lvl7pPr marL="2743200" indent="0">
+              <a:buNone/>
+              <a:defRPr sz="900"/>
+            </a:lvl7pPr>
+            <a:lvl8pPr marL="3200400" indent="0">
+              <a:buNone/>
+              <a:defRPr sz="900"/>
+            </a:lvl8pPr>
+            <a:lvl9pPr marL="3657600" indent="0">
+              <a:buNone/>
+              <a:defRPr sz="900"/>
+            </a:lvl9pPr>
+          </a:lstStyle>
+          <a:p>
+            <a:pPr lvl="0"/>
+            <a:r>
+              <a:rPr lang="es-ES"/>
+              <a:t>Haga clic para modificar los estilos de texto del patrón</a:t>
+            </a:r>
+          </a:p>
+        </p:txBody>
+      </p:sp>
+      <p:sp>
+        <p:nvSpPr>
+          <p:cNvPr id="5" name="Date Placeholder 4"/>
+          <p:cNvSpPr>
+            <a:spLocks noGrp="1"/>
+          </p:cNvSpPr>
+          <p:nvPr>
+            <p:ph type="dt" sz="half" idx="10"/>
+          </p:nvPr>
+        </p:nvSpPr>
+        <p:spPr/>
+        <p:txBody>
+          <a:bodyPr/>
+          <a:lstStyle/>
+          <a:p>
+            <a:fld id="{00DE9600-66B2-45F4-A337-8EE544F77EDA}" type="datetimeFigureOut">
+              <a:rPr lang="es-MX" smtClean="0"/>
+              <a:t>01/06/2021</a:t>
+            </a:fld>
+            <a:endParaRPr lang="es-MX"/>
+          </a:p>
+        </p:txBody>
+      </p:sp>
+      <p:sp>
+        <p:nvSpPr>
+          <p:cNvPr id="6" name="Footer Placeholder 5"/>
+          <p:cNvSpPr>
+            <a:spLocks noGrp="1"/>
+          </p:cNvSpPr>
+          <p:nvPr>
+            <p:ph type="ftr" sz="quarter" idx="11"/>
+          </p:nvPr>
+        </p:nvSpPr>
+        <p:spPr/>
+        <p:txBody>
+          <a:bodyPr/>
+          <a:lstStyle/>
+          <a:p>
+            <a:endParaRPr lang="es-MX"/>
+          </a:p>
+        </p:txBody>
+      </p:sp>
+      <p:sp>
+        <p:nvSpPr>
+          <p:cNvPr id="7" name="Slide Number Placeholder 6"/>
+          <p:cNvSpPr>
+            <a:spLocks noGrp="1"/>
+          </p:cNvSpPr>
+          <p:nvPr>
+            <p:ph type="sldNum" sz="quarter" idx="12"/>
+          </p:nvPr>
+        </p:nvSpPr>
+        <p:spPr/>
+        <p:txBody>
+          <a:bodyPr/>
+          <a:lstStyle/>
+          <a:p>
+            <a:fld id="{1D128B5B-32DC-4879-9BCA-E4DC3137B244}" type="slidenum">
+              <a:rPr lang="es-MX" smtClean="0"/>
+              <a:t>‹Nº›</a:t>
+            </a:fld>
+            <a:endParaRPr lang="es-MX"/>
+          </a:p>
+        </p:txBody>
+      </p:sp>
+    </p:spTree>
+    <p:extLst>
+      <p:ext uri="{BB962C8B-B14F-4D97-AF65-F5344CB8AC3E}">
+        <p14:creationId xmlns:p14="http://schemas.microsoft.com/office/powerpoint/2010/main" val="250943598"/>
       </p:ext>
     </p:extLst>
   </p:cSld>
@@ -2771,7 +4617,7 @@
   <p:cSld>
     <p:bg>
       <p:bgRef idx="1001">
-        <a:schemeClr val="bg1"/>
+        <a:schemeClr val="bg2"/>
       </p:bgRef>
     </p:bg>
     <p:spTree>
@@ -2788,15 +4634,541 @@
           <a:chExt cx="0" cy="0"/>
         </a:xfrm>
       </p:grpSpPr>
-      <p:sp>
-        <p:nvSpPr>
-          <p:cNvPr id="2" name="Title Placeholder 1">
-            <a:extLst>
-              <a:ext uri="{FF2B5EF4-FFF2-40B4-BE49-F238E27FC236}">
-                <a16:creationId xmlns:a16="http://schemas.microsoft.com/office/drawing/2014/main" id="{24503B62-431F-49B5-99BF-10472CF8520C}"/>
-              </a:ext>
-            </a:extLst>
-          </p:cNvPr>
+      <p:grpSp>
+        <p:nvGrpSpPr>
+          <p:cNvPr id="8" name="Group 7"/>
+          <p:cNvGrpSpPr/>
+          <p:nvPr/>
+        </p:nvGrpSpPr>
+        <p:grpSpPr>
+          <a:xfrm>
+            <a:off x="0" y="-8467"/>
+            <a:ext cx="12192000" cy="6866467"/>
+            <a:chOff x="0" y="-8467"/>
+            <a:chExt cx="12192000" cy="6866467"/>
+          </a:xfrm>
+        </p:grpSpPr>
+        <p:cxnSp>
+          <p:nvCxnSpPr>
+            <p:cNvPr id="20" name="Straight Connector 19"/>
+            <p:cNvCxnSpPr/>
+            <p:nvPr/>
+          </p:nvCxnSpPr>
+          <p:spPr>
+            <a:xfrm>
+              <a:off x="9371012" y="0"/>
+              <a:ext cx="1219200" cy="6858000"/>
+            </a:xfrm>
+            <a:prstGeom prst="line">
+              <a:avLst/>
+            </a:prstGeom>
+            <a:ln w="9525">
+              <a:solidFill>
+                <a:schemeClr val="bg1">
+                  <a:lumMod val="85000"/>
+                  <a:lumOff val="15000"/>
+                </a:schemeClr>
+              </a:solidFill>
+            </a:ln>
+          </p:spPr>
+          <p:style>
+            <a:lnRef idx="2">
+              <a:schemeClr val="accent1"/>
+            </a:lnRef>
+            <a:fillRef idx="0">
+              <a:schemeClr val="accent1"/>
+            </a:fillRef>
+            <a:effectRef idx="1">
+              <a:schemeClr val="accent1"/>
+            </a:effectRef>
+            <a:fontRef idx="minor">
+              <a:schemeClr val="tx1"/>
+            </a:fontRef>
+          </p:style>
+        </p:cxnSp>
+        <p:cxnSp>
+          <p:nvCxnSpPr>
+            <p:cNvPr id="21" name="Straight Connector 20"/>
+            <p:cNvCxnSpPr/>
+            <p:nvPr/>
+          </p:nvCxnSpPr>
+          <p:spPr>
+            <a:xfrm flipH="1">
+              <a:off x="7425267" y="3681413"/>
+              <a:ext cx="4763558" cy="3176587"/>
+            </a:xfrm>
+            <a:prstGeom prst="line">
+              <a:avLst/>
+            </a:prstGeom>
+            <a:ln w="9525">
+              <a:solidFill>
+                <a:schemeClr val="bg1">
+                  <a:lumMod val="85000"/>
+                  <a:lumOff val="15000"/>
+                </a:schemeClr>
+              </a:solidFill>
+            </a:ln>
+          </p:spPr>
+          <p:style>
+            <a:lnRef idx="2">
+              <a:schemeClr val="accent1"/>
+            </a:lnRef>
+            <a:fillRef idx="0">
+              <a:schemeClr val="accent1"/>
+            </a:fillRef>
+            <a:effectRef idx="1">
+              <a:schemeClr val="accent1"/>
+            </a:effectRef>
+            <a:fontRef idx="minor">
+              <a:schemeClr val="tx1"/>
+            </a:fontRef>
+          </p:style>
+        </p:cxnSp>
+        <p:sp>
+          <p:nvSpPr>
+            <p:cNvPr id="22" name="Rectangle 23"/>
+            <p:cNvSpPr/>
+            <p:nvPr/>
+          </p:nvSpPr>
+          <p:spPr>
+            <a:xfrm>
+              <a:off x="9181476" y="-8467"/>
+              <a:ext cx="3007349" cy="6866467"/>
+            </a:xfrm>
+            <a:custGeom>
+              <a:avLst/>
+              <a:gdLst/>
+              <a:ahLst/>
+              <a:cxnLst/>
+              <a:rect l="l" t="t" r="r" b="b"/>
+              <a:pathLst>
+                <a:path w="3007349" h="6866467">
+                  <a:moveTo>
+                    <a:pt x="2045532" y="0"/>
+                  </a:moveTo>
+                  <a:lnTo>
+                    <a:pt x="3007349" y="0"/>
+                  </a:lnTo>
+                  <a:lnTo>
+                    <a:pt x="3007349" y="6866467"/>
+                  </a:lnTo>
+                  <a:lnTo>
+                    <a:pt x="0" y="6866467"/>
+                  </a:lnTo>
+                  <a:lnTo>
+                    <a:pt x="2045532" y="0"/>
+                  </a:lnTo>
+                  <a:close/>
+                </a:path>
+              </a:pathLst>
+            </a:custGeom>
+            <a:solidFill>
+              <a:schemeClr val="accent1">
+                <a:alpha val="30000"/>
+              </a:schemeClr>
+            </a:solidFill>
+            <a:ln>
+              <a:noFill/>
+            </a:ln>
+            <a:effectLst/>
+          </p:spPr>
+          <p:style>
+            <a:lnRef idx="1">
+              <a:schemeClr val="accent1"/>
+            </a:lnRef>
+            <a:fillRef idx="3">
+              <a:schemeClr val="accent1"/>
+            </a:fillRef>
+            <a:effectRef idx="2">
+              <a:schemeClr val="accent1"/>
+            </a:effectRef>
+            <a:fontRef idx="minor">
+              <a:schemeClr val="lt1"/>
+            </a:fontRef>
+          </p:style>
+        </p:sp>
+        <p:sp>
+          <p:nvSpPr>
+            <p:cNvPr id="23" name="Rectangle 25"/>
+            <p:cNvSpPr/>
+            <p:nvPr/>
+          </p:nvSpPr>
+          <p:spPr>
+            <a:xfrm>
+              <a:off x="9603442" y="-8467"/>
+              <a:ext cx="2588558" cy="6866467"/>
+            </a:xfrm>
+            <a:custGeom>
+              <a:avLst/>
+              <a:gdLst/>
+              <a:ahLst/>
+              <a:cxnLst/>
+              <a:rect l="l" t="t" r="r" b="b"/>
+              <a:pathLst>
+                <a:path w="2573311" h="6866467">
+                  <a:moveTo>
+                    <a:pt x="0" y="0"/>
+                  </a:moveTo>
+                  <a:lnTo>
+                    <a:pt x="2573311" y="0"/>
+                  </a:lnTo>
+                  <a:lnTo>
+                    <a:pt x="2573311" y="6866467"/>
+                  </a:lnTo>
+                  <a:lnTo>
+                    <a:pt x="1202336" y="6866467"/>
+                  </a:lnTo>
+                  <a:lnTo>
+                    <a:pt x="0" y="0"/>
+                  </a:lnTo>
+                  <a:close/>
+                </a:path>
+              </a:pathLst>
+            </a:custGeom>
+            <a:solidFill>
+              <a:schemeClr val="accent1">
+                <a:alpha val="20000"/>
+              </a:schemeClr>
+            </a:solidFill>
+            <a:ln>
+              <a:noFill/>
+            </a:ln>
+            <a:effectLst/>
+          </p:spPr>
+          <p:style>
+            <a:lnRef idx="1">
+              <a:schemeClr val="accent1"/>
+            </a:lnRef>
+            <a:fillRef idx="3">
+              <a:schemeClr val="accent1"/>
+            </a:fillRef>
+            <a:effectRef idx="2">
+              <a:schemeClr val="accent1"/>
+            </a:effectRef>
+            <a:fontRef idx="minor">
+              <a:schemeClr val="lt1"/>
+            </a:fontRef>
+          </p:style>
+        </p:sp>
+        <p:sp>
+          <p:nvSpPr>
+            <p:cNvPr id="24" name="Isosceles Triangle 23"/>
+            <p:cNvSpPr/>
+            <p:nvPr/>
+          </p:nvSpPr>
+          <p:spPr>
+            <a:xfrm>
+              <a:off x="8932333" y="3048000"/>
+              <a:ext cx="3259667" cy="3810000"/>
+            </a:xfrm>
+            <a:prstGeom prst="triangle">
+              <a:avLst>
+                <a:gd name="adj" fmla="val 100000"/>
+              </a:avLst>
+            </a:prstGeom>
+            <a:solidFill>
+              <a:schemeClr val="accent2">
+                <a:alpha val="72000"/>
+              </a:schemeClr>
+            </a:solidFill>
+            <a:ln>
+              <a:noFill/>
+            </a:ln>
+            <a:effectLst/>
+          </p:spPr>
+          <p:style>
+            <a:lnRef idx="1">
+              <a:schemeClr val="accent1"/>
+            </a:lnRef>
+            <a:fillRef idx="3">
+              <a:schemeClr val="accent1"/>
+            </a:fillRef>
+            <a:effectRef idx="2">
+              <a:schemeClr val="accent1"/>
+            </a:effectRef>
+            <a:fontRef idx="minor">
+              <a:schemeClr val="lt1"/>
+            </a:fontRef>
+          </p:style>
+        </p:sp>
+        <p:sp>
+          <p:nvSpPr>
+            <p:cNvPr id="25" name="Rectangle 27"/>
+            <p:cNvSpPr/>
+            <p:nvPr/>
+          </p:nvSpPr>
+          <p:spPr>
+            <a:xfrm>
+              <a:off x="9334500" y="-8467"/>
+              <a:ext cx="2854326" cy="6866467"/>
+            </a:xfrm>
+            <a:custGeom>
+              <a:avLst/>
+              <a:gdLst/>
+              <a:ahLst/>
+              <a:cxnLst/>
+              <a:rect l="l" t="t" r="r" b="b"/>
+              <a:pathLst>
+                <a:path w="2858013" h="6866467">
+                  <a:moveTo>
+                    <a:pt x="0" y="0"/>
+                  </a:moveTo>
+                  <a:lnTo>
+                    <a:pt x="2858013" y="0"/>
+                  </a:lnTo>
+                  <a:lnTo>
+                    <a:pt x="2858013" y="6866467"/>
+                  </a:lnTo>
+                  <a:lnTo>
+                    <a:pt x="2473942" y="6866467"/>
+                  </a:lnTo>
+                  <a:lnTo>
+                    <a:pt x="0" y="0"/>
+                  </a:lnTo>
+                  <a:close/>
+                </a:path>
+              </a:pathLst>
+            </a:custGeom>
+            <a:solidFill>
+              <a:schemeClr val="accent2">
+                <a:lumMod val="75000"/>
+                <a:alpha val="70000"/>
+              </a:schemeClr>
+            </a:solidFill>
+            <a:ln>
+              <a:noFill/>
+            </a:ln>
+            <a:effectLst/>
+          </p:spPr>
+          <p:style>
+            <a:lnRef idx="1">
+              <a:schemeClr val="accent1"/>
+            </a:lnRef>
+            <a:fillRef idx="3">
+              <a:schemeClr val="accent1"/>
+            </a:fillRef>
+            <a:effectRef idx="2">
+              <a:schemeClr val="accent1"/>
+            </a:effectRef>
+            <a:fontRef idx="minor">
+              <a:schemeClr val="lt1"/>
+            </a:fontRef>
+          </p:style>
+        </p:sp>
+        <p:sp>
+          <p:nvSpPr>
+            <p:cNvPr id="26" name="Rectangle 28"/>
+            <p:cNvSpPr/>
+            <p:nvPr/>
+          </p:nvSpPr>
+          <p:spPr>
+            <a:xfrm>
+              <a:off x="10898730" y="-8467"/>
+              <a:ext cx="1290094" cy="6866467"/>
+            </a:xfrm>
+            <a:custGeom>
+              <a:avLst/>
+              <a:gdLst/>
+              <a:ahLst/>
+              <a:cxnLst/>
+              <a:rect l="l" t="t" r="r" b="b"/>
+              <a:pathLst>
+                <a:path w="1290094" h="6858000">
+                  <a:moveTo>
+                    <a:pt x="1019735" y="0"/>
+                  </a:moveTo>
+                  <a:lnTo>
+                    <a:pt x="1290094" y="0"/>
+                  </a:lnTo>
+                  <a:lnTo>
+                    <a:pt x="1290094" y="6858000"/>
+                  </a:lnTo>
+                  <a:lnTo>
+                    <a:pt x="0" y="6858000"/>
+                  </a:lnTo>
+                  <a:lnTo>
+                    <a:pt x="1019735" y="0"/>
+                  </a:lnTo>
+                  <a:close/>
+                </a:path>
+              </a:pathLst>
+            </a:custGeom>
+            <a:solidFill>
+              <a:schemeClr val="accent1">
+                <a:lumMod val="60000"/>
+                <a:lumOff val="40000"/>
+                <a:alpha val="70000"/>
+              </a:schemeClr>
+            </a:solidFill>
+            <a:ln>
+              <a:noFill/>
+            </a:ln>
+            <a:effectLst/>
+          </p:spPr>
+          <p:style>
+            <a:lnRef idx="1">
+              <a:schemeClr val="accent1"/>
+            </a:lnRef>
+            <a:fillRef idx="3">
+              <a:schemeClr val="accent1"/>
+            </a:fillRef>
+            <a:effectRef idx="2">
+              <a:schemeClr val="accent1"/>
+            </a:effectRef>
+            <a:fontRef idx="minor">
+              <a:schemeClr val="lt1"/>
+            </a:fontRef>
+          </p:style>
+        </p:sp>
+        <p:sp>
+          <p:nvSpPr>
+            <p:cNvPr id="27" name="Rectangle 29"/>
+            <p:cNvSpPr/>
+            <p:nvPr/>
+          </p:nvSpPr>
+          <p:spPr>
+            <a:xfrm>
+              <a:off x="10938999" y="-8467"/>
+              <a:ext cx="1249825" cy="6866467"/>
+            </a:xfrm>
+            <a:custGeom>
+              <a:avLst/>
+              <a:gdLst/>
+              <a:ahLst/>
+              <a:cxnLst/>
+              <a:rect l="l" t="t" r="r" b="b"/>
+              <a:pathLst>
+                <a:path w="1249825" h="6858000">
+                  <a:moveTo>
+                    <a:pt x="0" y="0"/>
+                  </a:moveTo>
+                  <a:lnTo>
+                    <a:pt x="1249825" y="0"/>
+                  </a:lnTo>
+                  <a:lnTo>
+                    <a:pt x="1249825" y="6858000"/>
+                  </a:lnTo>
+                  <a:lnTo>
+                    <a:pt x="1109382" y="6858000"/>
+                  </a:lnTo>
+                  <a:lnTo>
+                    <a:pt x="0" y="0"/>
+                  </a:lnTo>
+                  <a:close/>
+                </a:path>
+              </a:pathLst>
+            </a:custGeom>
+            <a:solidFill>
+              <a:schemeClr val="accent1">
+                <a:alpha val="65000"/>
+              </a:schemeClr>
+            </a:solidFill>
+            <a:ln>
+              <a:noFill/>
+            </a:ln>
+            <a:effectLst/>
+          </p:spPr>
+          <p:style>
+            <a:lnRef idx="1">
+              <a:schemeClr val="accent1"/>
+            </a:lnRef>
+            <a:fillRef idx="3">
+              <a:schemeClr val="accent1"/>
+            </a:fillRef>
+            <a:effectRef idx="2">
+              <a:schemeClr val="accent1"/>
+            </a:effectRef>
+            <a:fontRef idx="minor">
+              <a:schemeClr val="lt1"/>
+            </a:fontRef>
+          </p:style>
+        </p:sp>
+        <p:sp>
+          <p:nvSpPr>
+            <p:cNvPr id="28" name="Isosceles Triangle 27"/>
+            <p:cNvSpPr/>
+            <p:nvPr/>
+          </p:nvSpPr>
+          <p:spPr>
+            <a:xfrm>
+              <a:off x="10371666" y="3589867"/>
+              <a:ext cx="1817159" cy="3268133"/>
+            </a:xfrm>
+            <a:prstGeom prst="triangle">
+              <a:avLst>
+                <a:gd name="adj" fmla="val 100000"/>
+              </a:avLst>
+            </a:prstGeom>
+            <a:solidFill>
+              <a:schemeClr val="accent1">
+                <a:alpha val="80000"/>
+              </a:schemeClr>
+            </a:solidFill>
+            <a:ln>
+              <a:noFill/>
+            </a:ln>
+            <a:effectLst/>
+          </p:spPr>
+          <p:style>
+            <a:lnRef idx="1">
+              <a:schemeClr val="accent1"/>
+            </a:lnRef>
+            <a:fillRef idx="3">
+              <a:schemeClr val="accent1"/>
+            </a:fillRef>
+            <a:effectRef idx="2">
+              <a:schemeClr val="accent1"/>
+            </a:effectRef>
+            <a:fontRef idx="minor">
+              <a:schemeClr val="lt1"/>
+            </a:fontRef>
+          </p:style>
+        </p:sp>
+        <p:sp>
+          <p:nvSpPr>
+            <p:cNvPr id="29" name="Isosceles Triangle 28"/>
+            <p:cNvSpPr/>
+            <p:nvPr/>
+          </p:nvSpPr>
+          <p:spPr>
+            <a:xfrm>
+              <a:off x="0" y="4013200"/>
+              <a:ext cx="448733" cy="2844800"/>
+            </a:xfrm>
+            <a:prstGeom prst="triangle">
+              <a:avLst>
+                <a:gd name="adj" fmla="val 0"/>
+              </a:avLst>
+            </a:prstGeom>
+            <a:solidFill>
+              <a:schemeClr val="accent1">
+                <a:alpha val="85000"/>
+              </a:schemeClr>
+            </a:solidFill>
+            <a:ln>
+              <a:noFill/>
+            </a:ln>
+            <a:effectLst/>
+          </p:spPr>
+          <p:style>
+            <a:lnRef idx="1">
+              <a:schemeClr val="accent1"/>
+            </a:lnRef>
+            <a:fillRef idx="3">
+              <a:schemeClr val="accent1"/>
+            </a:fillRef>
+            <a:effectRef idx="2">
+              <a:schemeClr val="accent1"/>
+            </a:effectRef>
+            <a:fontRef idx="minor">
+              <a:schemeClr val="lt1"/>
+            </a:fontRef>
+          </p:style>
+        </p:sp>
+      </p:grpSp>
+      <p:sp>
+        <p:nvSpPr>
+          <p:cNvPr id="2" name="Title Placeholder 1"/>
           <p:cNvSpPr>
             <a:spLocks noGrp="1"/>
           </p:cNvSpPr>
@@ -2806,36 +5178,30 @@
         </p:nvSpPr>
         <p:spPr>
           <a:xfrm>
-            <a:off x="838200" y="365125"/>
-            <a:ext cx="10515600" cy="1325563"/>
+            <a:off x="677334" y="609600"/>
+            <a:ext cx="8596668" cy="1320800"/>
           </a:xfrm>
           <a:prstGeom prst="rect">
             <a:avLst/>
           </a:prstGeom>
         </p:spPr>
         <p:txBody>
-          <a:bodyPr vert="horz" lIns="91440" tIns="45720" rIns="91440" bIns="45720" rtlCol="0" anchor="ctr">
+          <a:bodyPr vert="horz" lIns="91440" tIns="45720" rIns="91440" bIns="45720" rtlCol="0" anchor="t">
             <a:normAutofit/>
           </a:bodyPr>
           <a:lstStyle/>
           <a:p>
             <a:r>
-              <a:rPr lang="en-US"/>
-              <a:t>Click to edit Master title style</a:t>
-            </a:r>
-            <a:endParaRPr lang="es-MX"/>
-          </a:p>
-        </p:txBody>
-      </p:sp>
-      <p:sp>
-        <p:nvSpPr>
-          <p:cNvPr id="3" name="Text Placeholder 2">
-            <a:extLst>
-              <a:ext uri="{FF2B5EF4-FFF2-40B4-BE49-F238E27FC236}">
-                <a16:creationId xmlns:a16="http://schemas.microsoft.com/office/drawing/2014/main" id="{F758F0D8-0889-41E2-920C-D9C7E1688E8C}"/>
-              </a:ext>
-            </a:extLst>
-          </p:cNvPr>
+              <a:rPr lang="es-ES"/>
+              <a:t>Haga clic para modificar el estilo de título del patrón</a:t>
+            </a:r>
+            <a:endParaRPr lang="en-US" dirty="0"/>
+          </a:p>
+        </p:txBody>
+      </p:sp>
+      <p:sp>
+        <p:nvSpPr>
+          <p:cNvPr id="3" name="Text Placeholder 2"/>
           <p:cNvSpPr>
             <a:spLocks noGrp="1"/>
           </p:cNvSpPr>
@@ -2845,8 +5211,8 @@
         </p:nvSpPr>
         <p:spPr>
           <a:xfrm>
-            <a:off x="838200" y="1825625"/>
-            <a:ext cx="10515600" cy="4351338"/>
+            <a:off x="677334" y="2160589"/>
+            <a:ext cx="8596668" cy="3880773"/>
           </a:xfrm>
           <a:prstGeom prst="rect">
             <a:avLst/>
@@ -2860,50 +5226,44 @@
           <a:p>
             <a:pPr lvl="0"/>
             <a:r>
-              <a:rPr lang="en-US"/>
-              <a:t>Click to edit Master text styles</a:t>
+              <a:rPr lang="es-ES"/>
+              <a:t>Haga clic para modificar los estilos de texto del patrón</a:t>
             </a:r>
           </a:p>
           <a:p>
             <a:pPr lvl="1"/>
             <a:r>
-              <a:rPr lang="en-US"/>
-              <a:t>Second level</a:t>
+              <a:rPr lang="es-ES"/>
+              <a:t>Segundo nivel</a:t>
             </a:r>
           </a:p>
           <a:p>
             <a:pPr lvl="2"/>
             <a:r>
-              <a:rPr lang="en-US"/>
-              <a:t>Third level</a:t>
+              <a:rPr lang="es-ES"/>
+              <a:t>Tercer nivel</a:t>
             </a:r>
           </a:p>
           <a:p>
             <a:pPr lvl="3"/>
             <a:r>
-              <a:rPr lang="en-US"/>
-              <a:t>Fourth level</a:t>
+              <a:rPr lang="es-ES"/>
+              <a:t>Cuarto nivel</a:t>
             </a:r>
           </a:p>
           <a:p>
             <a:pPr lvl="4"/>
             <a:r>
-              <a:rPr lang="en-US"/>
-              <a:t>Fifth level</a:t>
-            </a:r>
-            <a:endParaRPr lang="es-MX"/>
-          </a:p>
-        </p:txBody>
-      </p:sp>
-      <p:sp>
-        <p:nvSpPr>
-          <p:cNvPr id="4" name="Date Placeholder 3">
-            <a:extLst>
-              <a:ext uri="{FF2B5EF4-FFF2-40B4-BE49-F238E27FC236}">
-                <a16:creationId xmlns:a16="http://schemas.microsoft.com/office/drawing/2014/main" id="{32D413D4-8EAD-482E-9A2B-992A89802D85}"/>
-              </a:ext>
-            </a:extLst>
-          </p:cNvPr>
+              <a:rPr lang="es-ES"/>
+              <a:t>Quinto nivel</a:t>
+            </a:r>
+            <a:endParaRPr lang="en-US" dirty="0"/>
+          </a:p>
+        </p:txBody>
+      </p:sp>
+      <p:sp>
+        <p:nvSpPr>
+          <p:cNvPr id="4" name="Date Placeholder 3"/>
           <p:cNvSpPr>
             <a:spLocks noGrp="1"/>
           </p:cNvSpPr>
@@ -2913,8 +5273,8 @@
         </p:nvSpPr>
         <p:spPr>
           <a:xfrm>
-            <a:off x="838200" y="6356350"/>
-            <a:ext cx="2743200" cy="365125"/>
+            <a:off x="7205133" y="6041362"/>
+            <a:ext cx="911939" cy="365125"/>
           </a:xfrm>
           <a:prstGeom prst="rect">
             <a:avLst/>
@@ -2923,8 +5283,8 @@
         <p:txBody>
           <a:bodyPr vert="horz" lIns="91440" tIns="45720" rIns="91440" bIns="45720" rtlCol="0" anchor="ctr"/>
           <a:lstStyle>
-            <a:lvl1pPr algn="l">
-              <a:defRPr sz="1200">
+            <a:lvl1pPr algn="r">
+              <a:defRPr sz="900">
                 <a:solidFill>
                   <a:schemeClr val="tx1">
                     <a:tint val="75000"/>
@@ -2944,13 +5304,7 @@
       </p:sp>
       <p:sp>
         <p:nvSpPr>
-          <p:cNvPr id="5" name="Footer Placeholder 4">
-            <a:extLst>
-              <a:ext uri="{FF2B5EF4-FFF2-40B4-BE49-F238E27FC236}">
-                <a16:creationId xmlns:a16="http://schemas.microsoft.com/office/drawing/2014/main" id="{BB5F7D80-C12E-4754-92D5-DA9C50D56D14}"/>
-              </a:ext>
-            </a:extLst>
-          </p:cNvPr>
+          <p:cNvPr id="5" name="Footer Placeholder 4"/>
           <p:cNvSpPr>
             <a:spLocks noGrp="1"/>
           </p:cNvSpPr>
@@ -2960,8 +5314,8 @@
         </p:nvSpPr>
         <p:spPr>
           <a:xfrm>
-            <a:off x="4038600" y="6356350"/>
-            <a:ext cx="4114800" cy="365125"/>
+            <a:off x="677334" y="6041362"/>
+            <a:ext cx="6297612" cy="365125"/>
           </a:xfrm>
           <a:prstGeom prst="rect">
             <a:avLst/>
@@ -2970,8 +5324,8 @@
         <p:txBody>
           <a:bodyPr vert="horz" lIns="91440" tIns="45720" rIns="91440" bIns="45720" rtlCol="0" anchor="ctr"/>
           <a:lstStyle>
-            <a:lvl1pPr algn="ctr">
-              <a:defRPr sz="1200">
+            <a:lvl1pPr algn="l">
+              <a:defRPr sz="900">
                 <a:solidFill>
                   <a:schemeClr val="tx1">
                     <a:tint val="75000"/>
@@ -2987,13 +5341,7 @@
       </p:sp>
       <p:sp>
         <p:nvSpPr>
-          <p:cNvPr id="6" name="Slide Number Placeholder 5">
-            <a:extLst>
-              <a:ext uri="{FF2B5EF4-FFF2-40B4-BE49-F238E27FC236}">
-                <a16:creationId xmlns:a16="http://schemas.microsoft.com/office/drawing/2014/main" id="{AA7672EB-8494-46BF-85EE-DEF7AEA107C5}"/>
-              </a:ext>
-            </a:extLst>
-          </p:cNvPr>
+          <p:cNvPr id="6" name="Slide Number Placeholder 5"/>
           <p:cNvSpPr>
             <a:spLocks noGrp="1"/>
           </p:cNvSpPr>
@@ -3003,8 +5351,8 @@
         </p:nvSpPr>
         <p:spPr>
           <a:xfrm>
-            <a:off x="8610600" y="6356350"/>
-            <a:ext cx="2743200" cy="365125"/>
+            <a:off x="8590663" y="6041362"/>
+            <a:ext cx="683339" cy="365125"/>
           </a:xfrm>
           <a:prstGeom prst="rect">
             <a:avLst/>
@@ -3014,11 +5362,9 @@
           <a:bodyPr vert="horz" lIns="91440" tIns="45720" rIns="91440" bIns="45720" rtlCol="0" anchor="ctr"/>
           <a:lstStyle>
             <a:lvl1pPr algn="r">
-              <a:defRPr sz="1200">
-                <a:solidFill>
-                  <a:schemeClr val="tx1">
-                    <a:tint val="75000"/>
-                  </a:schemeClr>
+              <a:defRPr sz="900">
+                <a:solidFill>
+                  <a:schemeClr val="accent1"/>
                 </a:solidFill>
               </a:defRPr>
             </a:lvl1pPr>
@@ -3026,7 +5372,7 @@
           <a:p>
             <a:fld id="{1D128B5B-32DC-4879-9BCA-E4DC3137B244}" type="slidenum">
               <a:rPr lang="es-MX" smtClean="0"/>
-              <a:t>‹#›</a:t>
+              <a:t>‹Nº›</a:t>
             </a:fld>
             <a:endParaRPr lang="es-MX"/>
           </a:p>
@@ -3035,55 +5381,335 @@
     </p:spTree>
     <p:extLst>
       <p:ext uri="{BB962C8B-B14F-4D97-AF65-F5344CB8AC3E}">
-        <p14:creationId xmlns:p14="http://schemas.microsoft.com/office/powerpoint/2010/main" val="3764369837"/>
+        <p14:creationId xmlns:p14="http://schemas.microsoft.com/office/powerpoint/2010/main" val="3107804416"/>
       </p:ext>
     </p:extLst>
   </p:cSld>
-  <p:clrMap bg1="lt1" tx1="dk1" bg2="lt2" tx2="dk2" accent1="accent1" accent2="accent2" accent3="accent3" accent4="accent4" accent5="accent5" accent6="accent6" hlink="hlink" folHlink="folHlink"/>
+  <p:clrMap bg1="dk1" tx1="lt1" bg2="dk2" tx2="lt2" accent1="accent1" accent2="accent2" accent3="accent3" accent4="accent4" accent5="accent5" accent6="accent6" hlink="hlink" folHlink="folHlink"/>
   <p:sldLayoutIdLst>
-    <p:sldLayoutId id="2147483649" r:id="rId1"/>
-    <p:sldLayoutId id="2147483650" r:id="rId2"/>
-    <p:sldLayoutId id="2147483651" r:id="rId3"/>
-    <p:sldLayoutId id="2147483652" r:id="rId4"/>
-    <p:sldLayoutId id="2147483653" r:id="rId5"/>
-    <p:sldLayoutId id="2147483654" r:id="rId6"/>
-    <p:sldLayoutId id="2147483655" r:id="rId7"/>
-    <p:sldLayoutId id="2147483656" r:id="rId8"/>
-    <p:sldLayoutId id="2147483657" r:id="rId9"/>
-    <p:sldLayoutId id="2147483658" r:id="rId10"/>
-    <p:sldLayoutId id="2147483659" r:id="rId11"/>
+    <p:sldLayoutId id="2147483695" r:id="rId1"/>
+    <p:sldLayoutId id="2147483696" r:id="rId2"/>
+    <p:sldLayoutId id="2147483697" r:id="rId3"/>
+    <p:sldLayoutId id="2147483698" r:id="rId4"/>
+    <p:sldLayoutId id="2147483699" r:id="rId5"/>
+    <p:sldLayoutId id="2147483700" r:id="rId6"/>
+    <p:sldLayoutId id="2147483701" r:id="rId7"/>
+    <p:sldLayoutId id="2147483702" r:id="rId8"/>
+    <p:sldLayoutId id="2147483703" r:id="rId9"/>
+    <p:sldLayoutId id="2147483704" r:id="rId10"/>
+    <p:sldLayoutId id="2147483705" r:id="rId11"/>
+    <p:sldLayoutId id="2147483706" r:id="rId12"/>
+    <p:sldLayoutId id="2147483707" r:id="rId13"/>
+    <p:sldLayoutId id="2147483708" r:id="rId14"/>
+    <p:sldLayoutId id="2147483709" r:id="rId15"/>
+    <p:sldLayoutId id="2147483710" r:id="rId16"/>
   </p:sldLayoutIdLst>
   <p:txStyles>
     <p:titleStyle>
-      <a:lvl1pPr algn="l" defTabSz="914400" rtl="0" eaLnBrk="1" latinLnBrk="0" hangingPunct="1">
-        <a:lnSpc>
-          <a:spcPct val="90000"/>
-        </a:lnSpc>
+      <a:lvl1pPr algn="l" defTabSz="457200" rtl="0" eaLnBrk="1" latinLnBrk="0" hangingPunct="1">
         <a:spcBef>
           <a:spcPct val="0"/>
         </a:spcBef>
         <a:buNone/>
-        <a:defRPr sz="4400" kern="1200">
+        <a:defRPr sz="3600" kern="1200">
           <a:solidFill>
-            <a:schemeClr val="tx1"/>
+            <a:schemeClr val="accent1"/>
           </a:solidFill>
           <a:latin typeface="+mj-lt"/>
           <a:ea typeface="+mj-ea"/>
           <a:cs typeface="+mj-cs"/>
         </a:defRPr>
       </a:lvl1pPr>
+      <a:lvl2pPr eaLnBrk="1" hangingPunct="1">
+        <a:defRPr>
+          <a:solidFill>
+            <a:schemeClr val="tx2"/>
+          </a:solidFill>
+        </a:defRPr>
+      </a:lvl2pPr>
+      <a:lvl3pPr eaLnBrk="1" hangingPunct="1">
+        <a:defRPr>
+          <a:solidFill>
+            <a:schemeClr val="tx2"/>
+          </a:solidFill>
+        </a:defRPr>
+      </a:lvl3pPr>
+      <a:lvl4pPr eaLnBrk="1" hangingPunct="1">
+        <a:defRPr>
+          <a:solidFill>
+            <a:schemeClr val="tx2"/>
+          </a:solidFill>
+        </a:defRPr>
+      </a:lvl4pPr>
+      <a:lvl5pPr eaLnBrk="1" hangingPunct="1">
+        <a:defRPr>
+          <a:solidFill>
+            <a:schemeClr val="tx2"/>
+          </a:solidFill>
+        </a:defRPr>
+      </a:lvl5pPr>
+      <a:lvl6pPr eaLnBrk="1" hangingPunct="1">
+        <a:defRPr>
+          <a:solidFill>
+            <a:schemeClr val="tx2"/>
+          </a:solidFill>
+        </a:defRPr>
+      </a:lvl6pPr>
+      <a:lvl7pPr eaLnBrk="1" hangingPunct="1">
+        <a:defRPr>
+          <a:solidFill>
+            <a:schemeClr val="tx2"/>
+          </a:solidFill>
+        </a:defRPr>
+      </a:lvl7pPr>
+      <a:lvl8pPr eaLnBrk="1" hangingPunct="1">
+        <a:defRPr>
+          <a:solidFill>
+            <a:schemeClr val="tx2"/>
+          </a:solidFill>
+        </a:defRPr>
+      </a:lvl8pPr>
+      <a:lvl9pPr eaLnBrk="1" hangingPunct="1">
+        <a:defRPr>
+          <a:solidFill>
+            <a:schemeClr val="tx2"/>
+          </a:solidFill>
+        </a:defRPr>
+      </a:lvl9pPr>
     </p:titleStyle>
     <p:bodyStyle>
-      <a:lvl1pPr marL="228600" indent="-228600" algn="l" defTabSz="914400" rtl="0" eaLnBrk="1" latinLnBrk="0" hangingPunct="1">
-        <a:lnSpc>
-          <a:spcPct val="90000"/>
-        </a:lnSpc>
+      <a:lvl1pPr marL="342900" indent="-342900" algn="l" defTabSz="457200" rtl="0" eaLnBrk="1" latinLnBrk="0" hangingPunct="1">
         <a:spcBef>
           <a:spcPts val="1000"/>
         </a:spcBef>
-        <a:buFont typeface="Arial" panose="020B0604020202020204" pitchFamily="34" charset="0"/>
-        <a:buChar char="•"/>
-        <a:defRPr sz="2800" kern="1200">
+        <a:spcAft>
+          <a:spcPts val="0"/>
+        </a:spcAft>
+        <a:buClr>
+          <a:schemeClr val="accent1"/>
+        </a:buClr>
+        <a:buSzPct val="80000"/>
+        <a:buFont typeface="Wingdings 3" charset="2"/>
+        <a:buChar char=""/>
+        <a:defRPr sz="1800" kern="1200">
+          <a:solidFill>
+            <a:schemeClr val="tx1">
+              <a:lumMod val="75000"/>
+              <a:lumOff val="25000"/>
+            </a:schemeClr>
+          </a:solidFill>
+          <a:latin typeface="+mn-lt"/>
+          <a:ea typeface="+mn-ea"/>
+          <a:cs typeface="+mn-cs"/>
+        </a:defRPr>
+      </a:lvl1pPr>
+      <a:lvl2pPr marL="742950" indent="-285750" algn="l" defTabSz="457200" rtl="0" eaLnBrk="1" latinLnBrk="0" hangingPunct="1">
+        <a:spcBef>
+          <a:spcPts val="1000"/>
+        </a:spcBef>
+        <a:spcAft>
+          <a:spcPts val="0"/>
+        </a:spcAft>
+        <a:buClr>
+          <a:schemeClr val="accent1"/>
+        </a:buClr>
+        <a:buSzPct val="80000"/>
+        <a:buFont typeface="Wingdings 3" charset="2"/>
+        <a:buChar char=""/>
+        <a:defRPr sz="1600" kern="1200">
+          <a:solidFill>
+            <a:schemeClr val="tx1">
+              <a:lumMod val="75000"/>
+              <a:lumOff val="25000"/>
+            </a:schemeClr>
+          </a:solidFill>
+          <a:latin typeface="+mn-lt"/>
+          <a:ea typeface="+mn-ea"/>
+          <a:cs typeface="+mn-cs"/>
+        </a:defRPr>
+      </a:lvl2pPr>
+      <a:lvl3pPr marL="1143000" indent="-228600" algn="l" defTabSz="457200" rtl="0" eaLnBrk="1" latinLnBrk="0" hangingPunct="1">
+        <a:spcBef>
+          <a:spcPts val="1000"/>
+        </a:spcBef>
+        <a:spcAft>
+          <a:spcPts val="0"/>
+        </a:spcAft>
+        <a:buClr>
+          <a:schemeClr val="accent1"/>
+        </a:buClr>
+        <a:buSzPct val="80000"/>
+        <a:buFont typeface="Wingdings 3" charset="2"/>
+        <a:buChar char=""/>
+        <a:defRPr sz="1400" kern="1200">
+          <a:solidFill>
+            <a:schemeClr val="tx1">
+              <a:lumMod val="75000"/>
+              <a:lumOff val="25000"/>
+            </a:schemeClr>
+          </a:solidFill>
+          <a:latin typeface="+mn-lt"/>
+          <a:ea typeface="+mn-ea"/>
+          <a:cs typeface="+mn-cs"/>
+        </a:defRPr>
+      </a:lvl3pPr>
+      <a:lvl4pPr marL="1600200" indent="-228600" algn="l" defTabSz="457200" rtl="0" eaLnBrk="1" latinLnBrk="0" hangingPunct="1">
+        <a:spcBef>
+          <a:spcPts val="1000"/>
+        </a:spcBef>
+        <a:spcAft>
+          <a:spcPts val="0"/>
+        </a:spcAft>
+        <a:buClr>
+          <a:schemeClr val="accent1"/>
+        </a:buClr>
+        <a:buSzPct val="80000"/>
+        <a:buFont typeface="Wingdings 3" charset="2"/>
+        <a:buChar char=""/>
+        <a:defRPr sz="1200" kern="1200">
+          <a:solidFill>
+            <a:schemeClr val="tx1">
+              <a:lumMod val="75000"/>
+              <a:lumOff val="25000"/>
+            </a:schemeClr>
+          </a:solidFill>
+          <a:latin typeface="+mn-lt"/>
+          <a:ea typeface="+mn-ea"/>
+          <a:cs typeface="+mn-cs"/>
+        </a:defRPr>
+      </a:lvl4pPr>
+      <a:lvl5pPr marL="2057400" indent="-228600" algn="l" defTabSz="457200" rtl="0" eaLnBrk="1" latinLnBrk="0" hangingPunct="1">
+        <a:spcBef>
+          <a:spcPts val="1000"/>
+        </a:spcBef>
+        <a:spcAft>
+          <a:spcPts val="0"/>
+        </a:spcAft>
+        <a:buClr>
+          <a:schemeClr val="accent1"/>
+        </a:buClr>
+        <a:buSzPct val="80000"/>
+        <a:buFont typeface="Wingdings 3" charset="2"/>
+        <a:buChar char=""/>
+        <a:defRPr sz="1200" kern="1200">
+          <a:solidFill>
+            <a:schemeClr val="tx1">
+              <a:lumMod val="75000"/>
+              <a:lumOff val="25000"/>
+            </a:schemeClr>
+          </a:solidFill>
+          <a:latin typeface="+mn-lt"/>
+          <a:ea typeface="+mn-ea"/>
+          <a:cs typeface="+mn-cs"/>
+        </a:defRPr>
+      </a:lvl5pPr>
+      <a:lvl6pPr marL="2514600" indent="-228600" algn="l" defTabSz="457200" rtl="0" eaLnBrk="1" latinLnBrk="0" hangingPunct="1">
+        <a:spcBef>
+          <a:spcPts val="1000"/>
+        </a:spcBef>
+        <a:spcAft>
+          <a:spcPts val="0"/>
+        </a:spcAft>
+        <a:buClr>
+          <a:schemeClr val="accent1"/>
+        </a:buClr>
+        <a:buSzPct val="80000"/>
+        <a:buFont typeface="Wingdings 3" charset="2"/>
+        <a:buChar char=""/>
+        <a:defRPr sz="1200" kern="1200">
+          <a:solidFill>
+            <a:schemeClr val="tx1">
+              <a:lumMod val="75000"/>
+              <a:lumOff val="25000"/>
+            </a:schemeClr>
+          </a:solidFill>
+          <a:latin typeface="+mn-lt"/>
+          <a:ea typeface="+mn-ea"/>
+          <a:cs typeface="+mn-cs"/>
+        </a:defRPr>
+      </a:lvl6pPr>
+      <a:lvl7pPr marL="2971800" indent="-228600" algn="l" defTabSz="457200" rtl="0" eaLnBrk="1" latinLnBrk="0" hangingPunct="1">
+        <a:spcBef>
+          <a:spcPts val="1000"/>
+        </a:spcBef>
+        <a:spcAft>
+          <a:spcPts val="0"/>
+        </a:spcAft>
+        <a:buClr>
+          <a:schemeClr val="accent1"/>
+        </a:buClr>
+        <a:buSzPct val="80000"/>
+        <a:buFont typeface="Wingdings 3" charset="2"/>
+        <a:buChar char=""/>
+        <a:defRPr sz="1200" kern="1200">
+          <a:solidFill>
+            <a:schemeClr val="tx1">
+              <a:lumMod val="75000"/>
+              <a:lumOff val="25000"/>
+            </a:schemeClr>
+          </a:solidFill>
+          <a:latin typeface="+mn-lt"/>
+          <a:ea typeface="+mn-ea"/>
+          <a:cs typeface="+mn-cs"/>
+        </a:defRPr>
+      </a:lvl7pPr>
+      <a:lvl8pPr marL="3429000" indent="-228600" algn="l" defTabSz="457200" rtl="0" eaLnBrk="1" latinLnBrk="0" hangingPunct="1">
+        <a:spcBef>
+          <a:spcPts val="1000"/>
+        </a:spcBef>
+        <a:spcAft>
+          <a:spcPts val="0"/>
+        </a:spcAft>
+        <a:buClr>
+          <a:schemeClr val="accent1"/>
+        </a:buClr>
+        <a:buSzPct val="80000"/>
+        <a:buFont typeface="Wingdings 3" charset="2"/>
+        <a:buChar char=""/>
+        <a:defRPr sz="1200" kern="1200">
+          <a:solidFill>
+            <a:schemeClr val="tx1">
+              <a:lumMod val="75000"/>
+              <a:lumOff val="25000"/>
+            </a:schemeClr>
+          </a:solidFill>
+          <a:latin typeface="+mn-lt"/>
+          <a:ea typeface="+mn-ea"/>
+          <a:cs typeface="+mn-cs"/>
+        </a:defRPr>
+      </a:lvl8pPr>
+      <a:lvl9pPr marL="3886200" indent="-228600" algn="l" defTabSz="457200" rtl="0" eaLnBrk="1" latinLnBrk="0" hangingPunct="1">
+        <a:spcBef>
+          <a:spcPts val="1000"/>
+        </a:spcBef>
+        <a:spcAft>
+          <a:spcPts val="0"/>
+        </a:spcAft>
+        <a:buClr>
+          <a:schemeClr val="accent1"/>
+        </a:buClr>
+        <a:buSzPct val="80000"/>
+        <a:buFont typeface="Wingdings 3" charset="2"/>
+        <a:buChar char=""/>
+        <a:defRPr sz="1200" kern="1200">
+          <a:solidFill>
+            <a:schemeClr val="tx1">
+              <a:lumMod val="75000"/>
+              <a:lumOff val="25000"/>
+            </a:schemeClr>
+          </a:solidFill>
+          <a:latin typeface="+mn-lt"/>
+          <a:ea typeface="+mn-ea"/>
+          <a:cs typeface="+mn-cs"/>
+        </a:defRPr>
+      </a:lvl9pPr>
+    </p:bodyStyle>
+    <p:otherStyle>
+      <a:defPPr>
+        <a:defRPr lang="en-US"/>
+      </a:defPPr>
+      <a:lvl1pPr marL="0" algn="l" defTabSz="457200" rtl="0" eaLnBrk="1" latinLnBrk="0" hangingPunct="1">
+        <a:defRPr sz="1800" kern="1200">
           <a:solidFill>
             <a:schemeClr val="tx1"/>
           </a:solidFill>
@@ -3092,16 +5718,8 @@
           <a:cs typeface="+mn-cs"/>
         </a:defRPr>
       </a:lvl1pPr>
-      <a:lvl2pPr marL="685800" indent="-228600" algn="l" defTabSz="914400" rtl="0" eaLnBrk="1" latinLnBrk="0" hangingPunct="1">
-        <a:lnSpc>
-          <a:spcPct val="90000"/>
-        </a:lnSpc>
-        <a:spcBef>
-          <a:spcPts val="500"/>
-        </a:spcBef>
-        <a:buFont typeface="Arial" panose="020B0604020202020204" pitchFamily="34" charset="0"/>
-        <a:buChar char="•"/>
-        <a:defRPr sz="2400" kern="1200">
+      <a:lvl2pPr marL="457200" algn="l" defTabSz="457200" rtl="0" eaLnBrk="1" latinLnBrk="0" hangingPunct="1">
+        <a:defRPr sz="1800" kern="1200">
           <a:solidFill>
             <a:schemeClr val="tx1"/>
           </a:solidFill>
@@ -3110,16 +5728,8 @@
           <a:cs typeface="+mn-cs"/>
         </a:defRPr>
       </a:lvl2pPr>
-      <a:lvl3pPr marL="1143000" indent="-228600" algn="l" defTabSz="914400" rtl="0" eaLnBrk="1" latinLnBrk="0" hangingPunct="1">
-        <a:lnSpc>
-          <a:spcPct val="90000"/>
-        </a:lnSpc>
-        <a:spcBef>
-          <a:spcPts val="500"/>
-        </a:spcBef>
-        <a:buFont typeface="Arial" panose="020B0604020202020204" pitchFamily="34" charset="0"/>
-        <a:buChar char="•"/>
-        <a:defRPr sz="2000" kern="1200">
+      <a:lvl3pPr marL="914400" algn="l" defTabSz="457200" rtl="0" eaLnBrk="1" latinLnBrk="0" hangingPunct="1">
+        <a:defRPr sz="1800" kern="1200">
           <a:solidFill>
             <a:schemeClr val="tx1"/>
           </a:solidFill>
@@ -3128,15 +5738,7 @@
           <a:cs typeface="+mn-cs"/>
         </a:defRPr>
       </a:lvl3pPr>
-      <a:lvl4pPr marL="1600200" indent="-228600" algn="l" defTabSz="914400" rtl="0" eaLnBrk="1" latinLnBrk="0" hangingPunct="1">
-        <a:lnSpc>
-          <a:spcPct val="90000"/>
-        </a:lnSpc>
-        <a:spcBef>
-          <a:spcPts val="500"/>
-        </a:spcBef>
-        <a:buFont typeface="Arial" panose="020B0604020202020204" pitchFamily="34" charset="0"/>
-        <a:buChar char="•"/>
+      <a:lvl4pPr marL="1371600" algn="l" defTabSz="457200" rtl="0" eaLnBrk="1" latinLnBrk="0" hangingPunct="1">
         <a:defRPr sz="1800" kern="1200">
           <a:solidFill>
             <a:schemeClr val="tx1"/>
@@ -3146,15 +5748,7 @@
           <a:cs typeface="+mn-cs"/>
         </a:defRPr>
       </a:lvl4pPr>
-      <a:lvl5pPr marL="2057400" indent="-228600" algn="l" defTabSz="914400" rtl="0" eaLnBrk="1" latinLnBrk="0" hangingPunct="1">
-        <a:lnSpc>
-          <a:spcPct val="90000"/>
-        </a:lnSpc>
-        <a:spcBef>
-          <a:spcPts val="500"/>
-        </a:spcBef>
-        <a:buFont typeface="Arial" panose="020B0604020202020204" pitchFamily="34" charset="0"/>
-        <a:buChar char="•"/>
+      <a:lvl5pPr marL="1828800" algn="l" defTabSz="457200" rtl="0" eaLnBrk="1" latinLnBrk="0" hangingPunct="1">
         <a:defRPr sz="1800" kern="1200">
           <a:solidFill>
             <a:schemeClr val="tx1"/>
@@ -3164,15 +5758,7 @@
           <a:cs typeface="+mn-cs"/>
         </a:defRPr>
       </a:lvl5pPr>
-      <a:lvl6pPr marL="2514600" indent="-228600" algn="l" defTabSz="914400" rtl="0" eaLnBrk="1" latinLnBrk="0" hangingPunct="1">
-        <a:lnSpc>
-          <a:spcPct val="90000"/>
-        </a:lnSpc>
-        <a:spcBef>
-          <a:spcPts val="500"/>
-        </a:spcBef>
-        <a:buFont typeface="Arial" panose="020B0604020202020204" pitchFamily="34" charset="0"/>
-        <a:buChar char="•"/>
+      <a:lvl6pPr marL="2286000" algn="l" defTabSz="457200" rtl="0" eaLnBrk="1" latinLnBrk="0" hangingPunct="1">
         <a:defRPr sz="1800" kern="1200">
           <a:solidFill>
             <a:schemeClr val="tx1"/>
@@ -3182,15 +5768,7 @@
           <a:cs typeface="+mn-cs"/>
         </a:defRPr>
       </a:lvl6pPr>
-      <a:lvl7pPr marL="2971800" indent="-228600" algn="l" defTabSz="914400" rtl="0" eaLnBrk="1" latinLnBrk="0" hangingPunct="1">
-        <a:lnSpc>
-          <a:spcPct val="90000"/>
-        </a:lnSpc>
-        <a:spcBef>
-          <a:spcPts val="500"/>
-        </a:spcBef>
-        <a:buFont typeface="Arial" panose="020B0604020202020204" pitchFamily="34" charset="0"/>
-        <a:buChar char="•"/>
+      <a:lvl7pPr marL="2743200" algn="l" defTabSz="457200" rtl="0" eaLnBrk="1" latinLnBrk="0" hangingPunct="1">
         <a:defRPr sz="1800" kern="1200">
           <a:solidFill>
             <a:schemeClr val="tx1"/>
@@ -3200,15 +5778,7 @@
           <a:cs typeface="+mn-cs"/>
         </a:defRPr>
       </a:lvl7pPr>
-      <a:lvl8pPr marL="3429000" indent="-228600" algn="l" defTabSz="914400" rtl="0" eaLnBrk="1" latinLnBrk="0" hangingPunct="1">
-        <a:lnSpc>
-          <a:spcPct val="90000"/>
-        </a:lnSpc>
-        <a:spcBef>
-          <a:spcPts val="500"/>
-        </a:spcBef>
-        <a:buFont typeface="Arial" panose="020B0604020202020204" pitchFamily="34" charset="0"/>
-        <a:buChar char="•"/>
+      <a:lvl8pPr marL="3200400" algn="l" defTabSz="457200" rtl="0" eaLnBrk="1" latinLnBrk="0" hangingPunct="1">
         <a:defRPr sz="1800" kern="1200">
           <a:solidFill>
             <a:schemeClr val="tx1"/>
@@ -3218,110 +5788,7 @@
           <a:cs typeface="+mn-cs"/>
         </a:defRPr>
       </a:lvl8pPr>
-      <a:lvl9pPr marL="3886200" indent="-228600" algn="l" defTabSz="914400" rtl="0" eaLnBrk="1" latinLnBrk="0" hangingPunct="1">
-        <a:lnSpc>
-          <a:spcPct val="90000"/>
-        </a:lnSpc>
-        <a:spcBef>
-          <a:spcPts val="500"/>
-        </a:spcBef>
-        <a:buFont typeface="Arial" panose="020B0604020202020204" pitchFamily="34" charset="0"/>
-        <a:buChar char="•"/>
-        <a:defRPr sz="1800" kern="1200">
-          <a:solidFill>
-            <a:schemeClr val="tx1"/>
-          </a:solidFill>
-          <a:latin typeface="+mn-lt"/>
-          <a:ea typeface="+mn-ea"/>
-          <a:cs typeface="+mn-cs"/>
-        </a:defRPr>
-      </a:lvl9pPr>
-    </p:bodyStyle>
-    <p:otherStyle>
-      <a:defPPr>
-        <a:defRPr lang="es-MX"/>
-      </a:defPPr>
-      <a:lvl1pPr marL="0" algn="l" defTabSz="914400" rtl="0" eaLnBrk="1" latinLnBrk="0" hangingPunct="1">
-        <a:defRPr sz="1800" kern="1200">
-          <a:solidFill>
-            <a:schemeClr val="tx1"/>
-          </a:solidFill>
-          <a:latin typeface="+mn-lt"/>
-          <a:ea typeface="+mn-ea"/>
-          <a:cs typeface="+mn-cs"/>
-        </a:defRPr>
-      </a:lvl1pPr>
-      <a:lvl2pPr marL="457200" algn="l" defTabSz="914400" rtl="0" eaLnBrk="1" latinLnBrk="0" hangingPunct="1">
-        <a:defRPr sz="1800" kern="1200">
-          <a:solidFill>
-            <a:schemeClr val="tx1"/>
-          </a:solidFill>
-          <a:latin typeface="+mn-lt"/>
-          <a:ea typeface="+mn-ea"/>
-          <a:cs typeface="+mn-cs"/>
-        </a:defRPr>
-      </a:lvl2pPr>
-      <a:lvl3pPr marL="914400" algn="l" defTabSz="914400" rtl="0" eaLnBrk="1" latinLnBrk="0" hangingPunct="1">
-        <a:defRPr sz="1800" kern="1200">
-          <a:solidFill>
-            <a:schemeClr val="tx1"/>
-          </a:solidFill>
-          <a:latin typeface="+mn-lt"/>
-          <a:ea typeface="+mn-ea"/>
-          <a:cs typeface="+mn-cs"/>
-        </a:defRPr>
-      </a:lvl3pPr>
-      <a:lvl4pPr marL="1371600" algn="l" defTabSz="914400" rtl="0" eaLnBrk="1" latinLnBrk="0" hangingPunct="1">
-        <a:defRPr sz="1800" kern="1200">
-          <a:solidFill>
-            <a:schemeClr val="tx1"/>
-          </a:solidFill>
-          <a:latin typeface="+mn-lt"/>
-          <a:ea typeface="+mn-ea"/>
-          <a:cs typeface="+mn-cs"/>
-        </a:defRPr>
-      </a:lvl4pPr>
-      <a:lvl5pPr marL="1828800" algn="l" defTabSz="914400" rtl="0" eaLnBrk="1" latinLnBrk="0" hangingPunct="1">
-        <a:defRPr sz="1800" kern="1200">
-          <a:solidFill>
-            <a:schemeClr val="tx1"/>
-          </a:solidFill>
-          <a:latin typeface="+mn-lt"/>
-          <a:ea typeface="+mn-ea"/>
-          <a:cs typeface="+mn-cs"/>
-        </a:defRPr>
-      </a:lvl5pPr>
-      <a:lvl6pPr marL="2286000" algn="l" defTabSz="914400" rtl="0" eaLnBrk="1" latinLnBrk="0" hangingPunct="1">
-        <a:defRPr sz="1800" kern="1200">
-          <a:solidFill>
-            <a:schemeClr val="tx1"/>
-          </a:solidFill>
-          <a:latin typeface="+mn-lt"/>
-          <a:ea typeface="+mn-ea"/>
-          <a:cs typeface="+mn-cs"/>
-        </a:defRPr>
-      </a:lvl6pPr>
-      <a:lvl7pPr marL="2743200" algn="l" defTabSz="914400" rtl="0" eaLnBrk="1" latinLnBrk="0" hangingPunct="1">
-        <a:defRPr sz="1800" kern="1200">
-          <a:solidFill>
-            <a:schemeClr val="tx1"/>
-          </a:solidFill>
-          <a:latin typeface="+mn-lt"/>
-          <a:ea typeface="+mn-ea"/>
-          <a:cs typeface="+mn-cs"/>
-        </a:defRPr>
-      </a:lvl7pPr>
-      <a:lvl8pPr marL="3200400" algn="l" defTabSz="914400" rtl="0" eaLnBrk="1" latinLnBrk="0" hangingPunct="1">
-        <a:defRPr sz="1800" kern="1200">
-          <a:solidFill>
-            <a:schemeClr val="tx1"/>
-          </a:solidFill>
-          <a:latin typeface="+mn-lt"/>
-          <a:ea typeface="+mn-ea"/>
-          <a:cs typeface="+mn-cs"/>
-        </a:defRPr>
-      </a:lvl8pPr>
-      <a:lvl9pPr marL="3657600" algn="l" defTabSz="914400" rtl="0" eaLnBrk="1" latinLnBrk="0" hangingPunct="1">
+      <a:lvl9pPr marL="3657600" algn="l" defTabSz="457200" rtl="0" eaLnBrk="1" latinLnBrk="0" hangingPunct="1">
         <a:defRPr sz="1800" kern="1200">
           <a:solidFill>
             <a:schemeClr val="tx1"/>
@@ -3372,7 +5839,7 @@
         <p:spPr>
           <a:xfrm>
             <a:off x="1013791" y="267598"/>
-            <a:ext cx="10164417" cy="2387600"/>
+            <a:ext cx="8144277" cy="2387600"/>
           </a:xfrm>
         </p:spPr>
         <p:txBody>
@@ -3416,22 +5883,26 @@
         </p:nvSpPr>
         <p:spPr/>
         <p:txBody>
-          <a:bodyPr/>
-          <a:lstStyle/>
-          <a:p>
-            <a:r>
-              <a:rPr lang="en-US" dirty="0" err="1"/>
-              <a:t>Presentado</a:t>
-            </a:r>
+          <a:bodyPr>
+            <a:normAutofit lnSpcReduction="10000"/>
+          </a:bodyPr>
+          <a:lstStyle/>
+          <a:p>
             <a:r>
               <a:rPr lang="en-US" dirty="0"/>
-              <a:t> por:</a:t>
+              <a:t>Presentado por:</a:t>
             </a:r>
           </a:p>
           <a:p>
             <a:r>
               <a:rPr lang="en-US" dirty="0"/>
               <a:t>Alexis Fuentes 40601</a:t>
+            </a:r>
+          </a:p>
+          <a:p>
+            <a:r>
+              <a:rPr lang="en-US" dirty="0"/>
+              <a:t>Hector De Dios 40007</a:t>
             </a:r>
             <a:endParaRPr lang="es-MX" dirty="0"/>
           </a:p>
@@ -3526,8 +5997,8 @@
         </p:blipFill>
         <p:spPr>
           <a:xfrm>
-            <a:off x="1145144" y="1921878"/>
-            <a:ext cx="9901711" cy="4351338"/>
+            <a:off x="677863" y="2212468"/>
+            <a:ext cx="8596312" cy="3777676"/>
           </a:xfrm>
         </p:spPr>
       </p:pic>
@@ -3585,13 +6056,8 @@
             <a:pPr algn="ctr"/>
             <a:r>
               <a:rPr lang="es-MX" dirty="0"/>
-              <a:t>Antes y </a:t>
-            </a:r>
-            <a:r>
-              <a:rPr lang="es-MX" dirty="0" err="1"/>
-              <a:t>Despues</a:t>
-            </a:r>
-            <a:endParaRPr lang="es-MX" dirty="0"/>
+              <a:t>Antes y Después</a:t>
+            </a:r>
           </a:p>
         </p:txBody>
       </p:sp>
@@ -3625,8 +6091,8 @@
         </p:blipFill>
         <p:spPr>
           <a:xfrm>
-            <a:off x="1145144" y="1899765"/>
-            <a:ext cx="9901711" cy="4351338"/>
+            <a:off x="677863" y="2212468"/>
+            <a:ext cx="8596312" cy="3777676"/>
           </a:xfrm>
         </p:spPr>
       </p:pic>
@@ -3781,12 +6247,97 @@
           </a:p>
         </p:txBody>
       </p:sp>
+      <p:sp>
+        <p:nvSpPr>
+          <p:cNvPr id="6" name="TextBox 5">
+            <a:extLst>
+              <a:ext uri="{FF2B5EF4-FFF2-40B4-BE49-F238E27FC236}">
+                <a16:creationId xmlns:a16="http://schemas.microsoft.com/office/drawing/2014/main" id="{26F8FFA9-3D60-4BF7-B162-F4264C0B2BC4}"/>
+              </a:ext>
+            </a:extLst>
+          </p:cNvPr>
+          <p:cNvSpPr txBox="1"/>
+          <p:nvPr/>
+        </p:nvSpPr>
+        <p:spPr>
+          <a:xfrm>
+            <a:off x="838200" y="1821317"/>
+            <a:ext cx="5883303" cy="2585323"/>
+          </a:xfrm>
+          <a:prstGeom prst="rect">
+            <a:avLst/>
+          </a:prstGeom>
+          <a:noFill/>
+        </p:spPr>
+        <p:txBody>
+          <a:bodyPr wrap="square" rtlCol="0">
+            <a:spAutoFit/>
+          </a:bodyPr>
+          <a:lstStyle/>
+          <a:p>
+            <a:r>
+              <a:rPr lang="es-MX" dirty="0"/>
+              <a:t>Existen muchos lenguajes de programación para crear video juegos pero estos son los mas populares para desarrollar un proyecto profesional y trabajar en la realidad virtual en videojuegos: </a:t>
+            </a:r>
+          </a:p>
+          <a:p>
+            <a:pPr marL="285750" indent="-285750">
+              <a:buFont typeface="Arial" panose="020B0604020202020204" pitchFamily="34" charset="0"/>
+              <a:buChar char="•"/>
+            </a:pPr>
+            <a:r>
+              <a:rPr lang="es-MX" dirty="0"/>
+              <a:t>C++</a:t>
+            </a:r>
+          </a:p>
+          <a:p>
+            <a:pPr marL="285750" indent="-285750">
+              <a:buFont typeface="Arial" panose="020B0604020202020204" pitchFamily="34" charset="0"/>
+              <a:buChar char="•"/>
+            </a:pPr>
+            <a:r>
+              <a:rPr lang="es-MX" dirty="0"/>
+              <a:t>C#</a:t>
+            </a:r>
+          </a:p>
+          <a:p>
+            <a:pPr marL="285750" indent="-285750">
+              <a:buFont typeface="Arial" panose="020B0604020202020204" pitchFamily="34" charset="0"/>
+              <a:buChar char="•"/>
+            </a:pPr>
+            <a:r>
+              <a:rPr lang="es-MX" dirty="0"/>
+              <a:t>Java</a:t>
+            </a:r>
+          </a:p>
+          <a:p>
+            <a:pPr marL="285750" indent="-285750">
+              <a:buFont typeface="Arial" panose="020B0604020202020204" pitchFamily="34" charset="0"/>
+              <a:buChar char="•"/>
+            </a:pPr>
+            <a:r>
+              <a:rPr lang="es-MX" dirty="0"/>
+              <a:t>JavaScript</a:t>
+            </a:r>
+          </a:p>
+          <a:p>
+            <a:pPr marL="285750" indent="-285750">
+              <a:buFont typeface="Arial" panose="020B0604020202020204" pitchFamily="34" charset="0"/>
+              <a:buChar char="•"/>
+            </a:pPr>
+            <a:r>
+              <a:rPr lang="es-MX" dirty="0"/>
+              <a:t>Python</a:t>
+            </a:r>
+          </a:p>
+        </p:txBody>
+      </p:sp>
       <p:pic>
         <p:nvPicPr>
-          <p:cNvPr id="5" name="Content Placeholder 4" descr="Graphical user interface, website&#10;&#10;Description automatically generated">
+          <p:cNvPr id="8" name="Content Placeholder 4" descr="Graphical user interface, website&#10;&#10;Description automatically generated">
             <a:extLst>
               <a:ext uri="{FF2B5EF4-FFF2-40B4-BE49-F238E27FC236}">
-                <a16:creationId xmlns:a16="http://schemas.microsoft.com/office/drawing/2014/main" id="{41DF4391-0D4B-4260-979F-66BA29348047}"/>
+                <a16:creationId xmlns:a16="http://schemas.microsoft.com/office/drawing/2014/main" id="{1E67271E-74C9-46C7-929B-6EC1CA9E0AB4}"/>
               </a:ext>
             </a:extLst>
           </p:cNvPr>
@@ -3811,96 +6362,11 @@
         </p:blipFill>
         <p:spPr>
           <a:xfrm>
-            <a:off x="7088690" y="1690688"/>
-            <a:ext cx="5103310" cy="5167312"/>
+            <a:off x="5922497" y="3399896"/>
+            <a:ext cx="5064007" cy="2848504"/>
           </a:xfrm>
         </p:spPr>
       </p:pic>
-      <p:sp>
-        <p:nvSpPr>
-          <p:cNvPr id="6" name="TextBox 5">
-            <a:extLst>
-              <a:ext uri="{FF2B5EF4-FFF2-40B4-BE49-F238E27FC236}">
-                <a16:creationId xmlns:a16="http://schemas.microsoft.com/office/drawing/2014/main" id="{26F8FFA9-3D60-4BF7-B162-F4264C0B2BC4}"/>
-              </a:ext>
-            </a:extLst>
-          </p:cNvPr>
-          <p:cNvSpPr txBox="1"/>
-          <p:nvPr/>
-        </p:nvSpPr>
-        <p:spPr>
-          <a:xfrm>
-            <a:off x="838200" y="1821317"/>
-            <a:ext cx="5883303" cy="2585323"/>
-          </a:xfrm>
-          <a:prstGeom prst="rect">
-            <a:avLst/>
-          </a:prstGeom>
-          <a:noFill/>
-        </p:spPr>
-        <p:txBody>
-          <a:bodyPr wrap="square" rtlCol="0">
-            <a:spAutoFit/>
-          </a:bodyPr>
-          <a:lstStyle/>
-          <a:p>
-            <a:r>
-              <a:rPr lang="es-MX" dirty="0"/>
-              <a:t>Existen muchos lenguajes de programación para crear video juegos pero estos son los mas populares para desarrollar un proyecto profesional y trabajar en la realidad virtual en videojuegos: </a:t>
-            </a:r>
-          </a:p>
-          <a:p>
-            <a:pPr marL="285750" indent="-285750">
-              <a:buFont typeface="Arial" panose="020B0604020202020204" pitchFamily="34" charset="0"/>
-              <a:buChar char="•"/>
-            </a:pPr>
-            <a:r>
-              <a:rPr lang="es-MX" dirty="0"/>
-              <a:t>C++</a:t>
-            </a:r>
-          </a:p>
-          <a:p>
-            <a:pPr marL="285750" indent="-285750">
-              <a:buFont typeface="Arial" panose="020B0604020202020204" pitchFamily="34" charset="0"/>
-              <a:buChar char="•"/>
-            </a:pPr>
-            <a:r>
-              <a:rPr lang="es-MX" dirty="0"/>
-              <a:t>C#</a:t>
-            </a:r>
-          </a:p>
-          <a:p>
-            <a:pPr marL="285750" indent="-285750">
-              <a:buFont typeface="Arial" panose="020B0604020202020204" pitchFamily="34" charset="0"/>
-              <a:buChar char="•"/>
-            </a:pPr>
-            <a:r>
-              <a:rPr lang="es-MX" dirty="0"/>
-              <a:t>Java</a:t>
-            </a:r>
-          </a:p>
-          <a:p>
-            <a:pPr marL="285750" indent="-285750">
-              <a:buFont typeface="Arial" panose="020B0604020202020204" pitchFamily="34" charset="0"/>
-              <a:buChar char="•"/>
-            </a:pPr>
-            <a:r>
-              <a:rPr lang="es-MX" dirty="0"/>
-              <a:t>JavaScript</a:t>
-            </a:r>
-          </a:p>
-          <a:p>
-            <a:pPr marL="285750" indent="-285750">
-              <a:buFont typeface="Arial" panose="020B0604020202020204" pitchFamily="34" charset="0"/>
-              <a:buChar char="•"/>
-            </a:pPr>
-            <a:r>
-              <a:rPr lang="es-MX" dirty="0"/>
-              <a:t>Python</a:t>
-            </a:r>
-          </a:p>
-        </p:txBody>
-      </p:sp>
     </p:spTree>
     <p:extLst>
       <p:ext uri="{BB962C8B-B14F-4D97-AF65-F5344CB8AC3E}">
@@ -3952,7 +6418,11 @@
           <a:bodyPr/>
           <a:lstStyle/>
           <a:p>
-            <a:endParaRPr lang="es-MX"/>
+            <a:pPr algn="ctr"/>
+            <a:r>
+              <a:rPr lang="es-MX" b="1" dirty="0"/>
+              <a:t>Conceptos básicos</a:t>
+            </a:r>
           </a:p>
         </p:txBody>
       </p:sp>
@@ -3972,15 +6442,77 @@
             <p:ph idx="1"/>
           </p:nvPr>
         </p:nvSpPr>
-        <p:spPr/>
+        <p:spPr>
+          <a:xfrm>
+            <a:off x="677334" y="1376071"/>
+            <a:ext cx="8596668" cy="3880773"/>
+          </a:xfrm>
+        </p:spPr>
         <p:txBody>
           <a:bodyPr/>
           <a:lstStyle/>
           <a:p>
-            <a:endParaRPr lang="es-MX" dirty="0"/>
-          </a:p>
-        </p:txBody>
-      </p:sp>
+            <a:pPr marL="0" indent="0">
+              <a:buNone/>
+            </a:pPr>
+            <a:r>
+              <a:rPr lang="es-MX" b="1" dirty="0"/>
+              <a:t>Python: </a:t>
+            </a:r>
+            <a:r>
+              <a:rPr lang="es-MX" dirty="0"/>
+              <a:t>Lenguaje de programación interpretado, multiparadigma y multiplataforma.</a:t>
+            </a:r>
+          </a:p>
+        </p:txBody>
+      </p:sp>
+      <p:pic>
+        <p:nvPicPr>
+          <p:cNvPr id="1026" name="Picture 2" descr="Geolocalización y Mapas con Python – Blog Europeanvalley">
+            <a:extLst>
+              <a:ext uri="{FF2B5EF4-FFF2-40B4-BE49-F238E27FC236}">
+                <a16:creationId xmlns:a16="http://schemas.microsoft.com/office/drawing/2014/main" id="{07F9C13C-A154-421F-A17A-D4384B19C5F8}"/>
+              </a:ext>
+            </a:extLst>
+          </p:cNvPr>
+          <p:cNvPicPr>
+            <a:picLocks noChangeAspect="1" noChangeArrowheads="1"/>
+          </p:cNvPicPr>
+          <p:nvPr/>
+        </p:nvPicPr>
+        <p:blipFill>
+          <a:blip r:embed="rId2">
+            <a:extLst>
+              <a:ext uri="{28A0092B-C50C-407E-A947-70E740481C1C}">
+                <a14:useLocalDpi xmlns:a14="http://schemas.microsoft.com/office/drawing/2010/main" val="0"/>
+              </a:ext>
+            </a:extLst>
+          </a:blip>
+          <a:srcRect/>
+          <a:stretch>
+            <a:fillRect/>
+          </a:stretch>
+        </p:blipFill>
+        <p:spPr bwMode="auto">
+          <a:xfrm>
+            <a:off x="2262655" y="3159300"/>
+            <a:ext cx="5426026" cy="3229777"/>
+          </a:xfrm>
+          <a:prstGeom prst="rect">
+            <a:avLst/>
+          </a:prstGeom>
+          <a:noFill/>
+          <a:extLst>
+            <a:ext uri="{909E8E84-426E-40DD-AFC4-6F175D3DCCD1}">
+              <a14:hiddenFill xmlns:a14="http://schemas.microsoft.com/office/drawing/2010/main">
+                <a:solidFill>
+                  <a:srgbClr val="FFFFFF"/>
+                </a:solidFill>
+              </a14:hiddenFill>
+            </a:ext>
+          </a:extLst>
+        </p:spPr>
+      </p:pic>
     </p:spTree>
     <p:extLst>
       <p:ext uri="{BB962C8B-B14F-4D97-AF65-F5344CB8AC3E}">
@@ -4032,35 +6564,127 @@
           <a:bodyPr/>
           <a:lstStyle/>
           <a:p>
-            <a:endParaRPr lang="es-MX"/>
-          </a:p>
-        </p:txBody>
-      </p:sp>
-      <p:sp>
-        <p:nvSpPr>
-          <p:cNvPr id="3" name="Content Placeholder 2">
+            <a:pPr algn="ctr"/>
+            <a:r>
+              <a:rPr lang="es-MX" dirty="0"/>
+              <a:t>Conceptos básicos</a:t>
+            </a:r>
+          </a:p>
+        </p:txBody>
+      </p:sp>
+      <p:sp>
+        <p:nvSpPr>
+          <p:cNvPr id="5" name="CuadroTexto 4">
             <a:extLst>
               <a:ext uri="{FF2B5EF4-FFF2-40B4-BE49-F238E27FC236}">
-                <a16:creationId xmlns:a16="http://schemas.microsoft.com/office/drawing/2014/main" id="{2C24FAD1-4F9A-463F-82F7-98E71BF5940A}"/>
+                <a16:creationId xmlns:a16="http://schemas.microsoft.com/office/drawing/2014/main" id="{004C592C-5D0E-4AAD-B9FC-FC2E0B03F03B}"/>
               </a:ext>
             </a:extLst>
           </p:cNvPr>
-          <p:cNvSpPr>
-            <a:spLocks noGrp="1"/>
-          </p:cNvSpPr>
-          <p:nvPr>
-            <p:ph idx="1"/>
-          </p:nvPr>
-        </p:nvSpPr>
-        <p:spPr/>
-        <p:txBody>
-          <a:bodyPr/>
-          <a:lstStyle/>
-          <a:p>
-            <a:endParaRPr lang="es-MX"/>
-          </a:p>
-        </p:txBody>
-      </p:sp>
+          <p:cNvSpPr txBox="1"/>
+          <p:nvPr/>
+        </p:nvSpPr>
+        <p:spPr>
+          <a:xfrm>
+            <a:off x="677334" y="1395828"/>
+            <a:ext cx="8494801" cy="646331"/>
+          </a:xfrm>
+          <a:prstGeom prst="rect">
+            <a:avLst/>
+          </a:prstGeom>
+          <a:noFill/>
+        </p:spPr>
+        <p:txBody>
+          <a:bodyPr wrap="square">
+            <a:spAutoFit/>
+          </a:bodyPr>
+          <a:lstStyle/>
+          <a:p>
+            <a:pPr marL="0" indent="0" algn="l" rtl="0" eaLnBrk="1" latinLnBrk="0" hangingPunct="1">
+              <a:spcBef>
+                <a:spcPts val="1000"/>
+              </a:spcBef>
+              <a:spcAft>
+                <a:spcPts val="0"/>
+              </a:spcAft>
+            </a:pPr>
+            <a:r>
+              <a:rPr lang="es-MX" sz="1800" b="1" kern="1200" dirty="0">
+                <a:solidFill>
+                  <a:srgbClr val="FFFFFF"/>
+                </a:solidFill>
+                <a:effectLst/>
+                <a:latin typeface="Trebuchet MS" panose="020B0603020202020204" pitchFamily="34" charset="0"/>
+                <a:ea typeface="+mn-ea"/>
+                <a:cs typeface="+mn-cs"/>
+              </a:rPr>
+              <a:t>Pygame: </a:t>
+            </a:r>
+            <a:r>
+              <a:rPr lang="es-MX" sz="1800" kern="1200" dirty="0">
+                <a:solidFill>
+                  <a:srgbClr val="FFFFFF"/>
+                </a:solidFill>
+                <a:effectLst/>
+                <a:latin typeface="Trebuchet MS" panose="020B0603020202020204" pitchFamily="34" charset="0"/>
+                <a:ea typeface="+mn-ea"/>
+                <a:cs typeface="+mn-cs"/>
+              </a:rPr>
+              <a:t>Módulo del lenguaje de programación Python que permiten la creación de videojuegos en dos dimensiones de una manera sencilla.</a:t>
+            </a:r>
+            <a:endParaRPr lang="es-MX" dirty="0">
+              <a:effectLst/>
+            </a:endParaRPr>
+          </a:p>
+        </p:txBody>
+      </p:sp>
+      <p:pic>
+        <p:nvPicPr>
+          <p:cNvPr id="2050" name="Picture 2" descr="Curso Python de Videojuegos - Pygame - ▷ Cursos de Programación de 0 a  Experto © Garantizados">
+            <a:extLst>
+              <a:ext uri="{FF2B5EF4-FFF2-40B4-BE49-F238E27FC236}">
+                <a16:creationId xmlns:a16="http://schemas.microsoft.com/office/drawing/2014/main" id="{26393BFB-6F3D-4DE4-A316-230DE98740E5}"/>
+              </a:ext>
+            </a:extLst>
+          </p:cNvPr>
+          <p:cNvPicPr>
+            <a:picLocks noChangeAspect="1" noChangeArrowheads="1"/>
+          </p:cNvPicPr>
+          <p:nvPr/>
+        </p:nvPicPr>
+        <p:blipFill>
+          <a:blip r:embed="rId2">
+            <a:extLst>
+              <a:ext uri="{28A0092B-C50C-407E-A947-70E740481C1C}">
+                <a14:useLocalDpi xmlns:a14="http://schemas.microsoft.com/office/drawing/2010/main" val="0"/>
+              </a:ext>
+            </a:extLst>
+          </a:blip>
+          <a:srcRect/>
+          <a:stretch>
+            <a:fillRect/>
+          </a:stretch>
+        </p:blipFill>
+        <p:spPr bwMode="auto">
+          <a:xfrm>
+            <a:off x="2876550" y="2476500"/>
+            <a:ext cx="6438900" cy="1905000"/>
+          </a:xfrm>
+          <a:prstGeom prst="rect">
+            <a:avLst/>
+          </a:prstGeom>
+          <a:noFill/>
+          <a:extLst>
+            <a:ext uri="{909E8E84-426E-40DD-AFC4-6F175D3DCCD1}">
+              <a14:hiddenFill xmlns:a14="http://schemas.microsoft.com/office/drawing/2010/main">
+                <a:solidFill>
+                  <a:srgbClr val="FFFFFF"/>
+                </a:solidFill>
+              </a14:hiddenFill>
+            </a:ext>
+          </a:extLst>
+        </p:spPr>
+      </p:pic>
     </p:spTree>
     <p:extLst>
       <p:ext uri="{BB962C8B-B14F-4D97-AF65-F5344CB8AC3E}">
@@ -4074,10 +6698,276 @@
 </p:sld>
 </file>
 
+<file path=ppt/slides/slide8.xml><?xml version="1.0" encoding="utf-8"?>
+<p:sld xmlns:a="http://schemas.openxmlformats.org/drawingml/2006/main" xmlns:r="http://schemas.openxmlformats.org/officeDocument/2006/relationships" xmlns:p="http://schemas.openxmlformats.org/presentationml/2006/main">
+  <p:cSld>
+    <p:spTree>
+      <p:nvGrpSpPr>
+        <p:cNvPr id="1" name=""/>
+        <p:cNvGrpSpPr/>
+        <p:nvPr/>
+      </p:nvGrpSpPr>
+      <p:grpSpPr>
+        <a:xfrm>
+          <a:off x="0" y="0"/>
+          <a:ext cx="0" cy="0"/>
+          <a:chOff x="0" y="0"/>
+          <a:chExt cx="0" cy="0"/>
+        </a:xfrm>
+      </p:grpSpPr>
+      <p:sp>
+        <p:nvSpPr>
+          <p:cNvPr id="2" name="Título 1">
+            <a:extLst>
+              <a:ext uri="{FF2B5EF4-FFF2-40B4-BE49-F238E27FC236}">
+                <a16:creationId xmlns:a16="http://schemas.microsoft.com/office/drawing/2014/main" id="{9AAE24FE-BC48-4B9A-92C6-DA655EBE7AE8}"/>
+              </a:ext>
+            </a:extLst>
+          </p:cNvPr>
+          <p:cNvSpPr>
+            <a:spLocks noGrp="1"/>
+          </p:cNvSpPr>
+          <p:nvPr>
+            <p:ph type="title"/>
+          </p:nvPr>
+        </p:nvSpPr>
+        <p:spPr/>
+        <p:txBody>
+          <a:bodyPr/>
+          <a:lstStyle/>
+          <a:p>
+            <a:pPr algn="ctr"/>
+            <a:r>
+              <a:rPr lang="es-MX" dirty="0"/>
+              <a:t>Conceptos básicos</a:t>
+            </a:r>
+          </a:p>
+        </p:txBody>
+      </p:sp>
+      <p:sp>
+        <p:nvSpPr>
+          <p:cNvPr id="5" name="CuadroTexto 4">
+            <a:extLst>
+              <a:ext uri="{FF2B5EF4-FFF2-40B4-BE49-F238E27FC236}">
+                <a16:creationId xmlns:a16="http://schemas.microsoft.com/office/drawing/2014/main" id="{9B0C2C58-9D04-426D-9D5B-6FF8A03CB02E}"/>
+              </a:ext>
+            </a:extLst>
+          </p:cNvPr>
+          <p:cNvSpPr txBox="1"/>
+          <p:nvPr/>
+        </p:nvSpPr>
+        <p:spPr>
+          <a:xfrm>
+            <a:off x="677334" y="1440600"/>
+            <a:ext cx="8733952" cy="646331"/>
+          </a:xfrm>
+          <a:prstGeom prst="rect">
+            <a:avLst/>
+          </a:prstGeom>
+          <a:noFill/>
+        </p:spPr>
+        <p:txBody>
+          <a:bodyPr wrap="square">
+            <a:spAutoFit/>
+          </a:bodyPr>
+          <a:lstStyle/>
+          <a:p>
+            <a:pPr marL="0" indent="0" algn="l" rtl="0" eaLnBrk="1" latinLnBrk="0" hangingPunct="1">
+              <a:spcBef>
+                <a:spcPts val="1000"/>
+              </a:spcBef>
+              <a:spcAft>
+                <a:spcPts val="0"/>
+              </a:spcAft>
+            </a:pPr>
+            <a:r>
+              <a:rPr lang="es-MX" sz="1800" b="1" kern="1200" dirty="0">
+                <a:solidFill>
+                  <a:srgbClr val="FFFFFF"/>
+                </a:solidFill>
+                <a:effectLst/>
+                <a:latin typeface="Trebuchet MS" panose="020B0603020202020204" pitchFamily="34" charset="0"/>
+                <a:ea typeface="+mn-ea"/>
+                <a:cs typeface="+mn-cs"/>
+              </a:rPr>
+              <a:t>Sprite:</a:t>
+            </a:r>
+            <a:r>
+              <a:rPr lang="es-MX" sz="1800" kern="1200" dirty="0">
+                <a:solidFill>
+                  <a:srgbClr val="FFFFFF"/>
+                </a:solidFill>
+                <a:effectLst/>
+                <a:latin typeface="Trebuchet MS" panose="020B0603020202020204" pitchFamily="34" charset="0"/>
+                <a:ea typeface="+mn-ea"/>
+                <a:cs typeface="+mn-cs"/>
+              </a:rPr>
+              <a:t> Consiste en la máscara o la imagen que el desarrollador de videojuegos asigna a un objeto que puede colisionar.</a:t>
+            </a:r>
+            <a:endParaRPr lang="es-MX" dirty="0">
+              <a:effectLst/>
+            </a:endParaRPr>
+          </a:p>
+        </p:txBody>
+      </p:sp>
+      <p:pic>
+        <p:nvPicPr>
+          <p:cNvPr id="3074" name="Picture 2" descr="Objetos para videojuegos - Alpha Eve">
+            <a:extLst>
+              <a:ext uri="{FF2B5EF4-FFF2-40B4-BE49-F238E27FC236}">
+                <a16:creationId xmlns:a16="http://schemas.microsoft.com/office/drawing/2014/main" id="{BDDD2D1E-E079-46A9-A32A-E8B328754B20}"/>
+              </a:ext>
+            </a:extLst>
+          </p:cNvPr>
+          <p:cNvPicPr>
+            <a:picLocks noChangeAspect="1" noChangeArrowheads="1"/>
+          </p:cNvPicPr>
+          <p:nvPr/>
+        </p:nvPicPr>
+        <p:blipFill>
+          <a:blip r:embed="rId2">
+            <a:extLst>
+              <a:ext uri="{28A0092B-C50C-407E-A947-70E740481C1C}">
+                <a14:useLocalDpi xmlns:a14="http://schemas.microsoft.com/office/drawing/2010/main" val="0"/>
+              </a:ext>
+            </a:extLst>
+          </a:blip>
+          <a:srcRect/>
+          <a:stretch>
+            <a:fillRect/>
+          </a:stretch>
+        </p:blipFill>
+        <p:spPr bwMode="auto">
+          <a:xfrm>
+            <a:off x="1194120" y="2052779"/>
+            <a:ext cx="4144534" cy="2002460"/>
+          </a:xfrm>
+          <a:prstGeom prst="rect">
+            <a:avLst/>
+          </a:prstGeom>
+          <a:noFill/>
+          <a:extLst>
+            <a:ext uri="{909E8E84-426E-40DD-AFC4-6F175D3DCCD1}">
+              <a14:hiddenFill xmlns:a14="http://schemas.microsoft.com/office/drawing/2010/main">
+                <a:solidFill>
+                  <a:srgbClr val="FFFFFF"/>
+                </a:solidFill>
+              </a14:hiddenFill>
+            </a:ext>
+          </a:extLst>
+        </p:spPr>
+      </p:pic>
+      <p:pic>
+        <p:nvPicPr>
+          <p:cNvPr id="3076" name="Picture 4" descr="Ranking] Los 10 objetos más útiles de la saga Mario Kart - Nintenderos -  Nintendo Switch, Switch Lite">
+            <a:extLst>
+              <a:ext uri="{FF2B5EF4-FFF2-40B4-BE49-F238E27FC236}">
+                <a16:creationId xmlns:a16="http://schemas.microsoft.com/office/drawing/2014/main" id="{C7C9E852-D13B-4279-A9E3-6CBBBE31681B}"/>
+              </a:ext>
+            </a:extLst>
+          </p:cNvPr>
+          <p:cNvPicPr>
+            <a:picLocks noChangeAspect="1" noChangeArrowheads="1"/>
+          </p:cNvPicPr>
+          <p:nvPr/>
+        </p:nvPicPr>
+        <p:blipFill>
+          <a:blip r:embed="rId3">
+            <a:extLst>
+              <a:ext uri="{28A0092B-C50C-407E-A947-70E740481C1C}">
+                <a14:useLocalDpi xmlns:a14="http://schemas.microsoft.com/office/drawing/2010/main" val="0"/>
+              </a:ext>
+            </a:extLst>
+          </a:blip>
+          <a:srcRect/>
+          <a:stretch>
+            <a:fillRect/>
+          </a:stretch>
+        </p:blipFill>
+        <p:spPr bwMode="auto">
+          <a:xfrm>
+            <a:off x="6853347" y="2130206"/>
+            <a:ext cx="1917823" cy="1802654"/>
+          </a:xfrm>
+          <a:prstGeom prst="rect">
+            <a:avLst/>
+          </a:prstGeom>
+          <a:noFill/>
+          <a:extLst>
+            <a:ext uri="{909E8E84-426E-40DD-AFC4-6F175D3DCCD1}">
+              <a14:hiddenFill xmlns:a14="http://schemas.microsoft.com/office/drawing/2010/main">
+                <a:solidFill>
+                  <a:srgbClr val="FFFFFF"/>
+                </a:solidFill>
+              </a14:hiddenFill>
+            </a:ext>
+          </a:extLst>
+        </p:spPr>
+      </p:pic>
+      <p:pic>
+        <p:nvPicPr>
+          <p:cNvPr id="3078" name="Picture 6" descr="videojuegos | focaclipart">
+            <a:extLst>
+              <a:ext uri="{FF2B5EF4-FFF2-40B4-BE49-F238E27FC236}">
+                <a16:creationId xmlns:a16="http://schemas.microsoft.com/office/drawing/2014/main" id="{0E5C41E9-4767-4FBB-BE94-BEB3B2936C49}"/>
+              </a:ext>
+            </a:extLst>
+          </p:cNvPr>
+          <p:cNvPicPr>
+            <a:picLocks noChangeAspect="1" noChangeArrowheads="1"/>
+          </p:cNvPicPr>
+          <p:nvPr/>
+        </p:nvPicPr>
+        <p:blipFill>
+          <a:blip r:embed="rId4">
+            <a:extLst>
+              <a:ext uri="{28A0092B-C50C-407E-A947-70E740481C1C}">
+                <a14:useLocalDpi xmlns:a14="http://schemas.microsoft.com/office/drawing/2010/main" val="0"/>
+              </a:ext>
+            </a:extLst>
+          </a:blip>
+          <a:srcRect/>
+          <a:stretch>
+            <a:fillRect/>
+          </a:stretch>
+        </p:blipFill>
+        <p:spPr bwMode="auto">
+          <a:xfrm>
+            <a:off x="4332848" y="3667736"/>
+            <a:ext cx="3304589" cy="2922978"/>
+          </a:xfrm>
+          <a:prstGeom prst="rect">
+            <a:avLst/>
+          </a:prstGeom>
+          <a:noFill/>
+          <a:extLst>
+            <a:ext uri="{909E8E84-426E-40DD-AFC4-6F175D3DCCD1}">
+              <a14:hiddenFill xmlns:a14="http://schemas.microsoft.com/office/drawing/2010/main">
+                <a:solidFill>
+                  <a:srgbClr val="FFFFFF"/>
+                </a:solidFill>
+              </a14:hiddenFill>
+            </a:ext>
+          </a:extLst>
+        </p:spPr>
+      </p:pic>
+    </p:spTree>
+    <p:extLst>
+      <p:ext uri="{BB962C8B-B14F-4D97-AF65-F5344CB8AC3E}">
+        <p14:creationId xmlns:p14="http://schemas.microsoft.com/office/powerpoint/2010/main" val="466094135"/>
+      </p:ext>
+    </p:extLst>
+  </p:cSld>
+  <p:clrMapOvr>
+    <a:masterClrMapping/>
+  </p:clrMapOvr>
+</p:sld>
+</file>
+
 <file path=ppt/theme/theme1.xml><?xml version="1.0" encoding="utf-8"?>
-<a:theme xmlns:a="http://schemas.openxmlformats.org/drawingml/2006/main" name="Office Theme">
+<a:theme xmlns:a="http://schemas.openxmlformats.org/drawingml/2006/main" name="Faceta">
   <a:themeElements>
-    <a:clrScheme name="Office">
+    <a:clrScheme name="Azul cálido">
       <a:dk1>
         <a:sysClr val="windowText" lastClr="000000"/>
       </a:dk1>
@@ -4085,52 +6975,52 @@
         <a:sysClr val="window" lastClr="FFFFFF"/>
       </a:lt1>
       <a:dk2>
-        <a:srgbClr val="44546A"/>
+        <a:srgbClr val="242852"/>
       </a:dk2>
       <a:lt2>
-        <a:srgbClr val="E7E6E6"/>
+        <a:srgbClr val="ACCBF9"/>
       </a:lt2>
       <a:accent1>
-        <a:srgbClr val="4472C4"/>
+        <a:srgbClr val="4A66AC"/>
       </a:accent1>
       <a:accent2>
-        <a:srgbClr val="ED7D31"/>
+        <a:srgbClr val="629DD1"/>
       </a:accent2>
       <a:accent3>
-        <a:srgbClr val="A5A5A5"/>
+        <a:srgbClr val="297FD5"/>
       </a:accent3>
       <a:accent4>
-        <a:srgbClr val="FFC000"/>
+        <a:srgbClr val="7F8FA9"/>
       </a:accent4>
       <a:accent5>
-        <a:srgbClr val="5B9BD5"/>
+        <a:srgbClr val="5AA2AE"/>
       </a:accent5>
       <a:accent6>
-        <a:srgbClr val="70AD47"/>
+        <a:srgbClr val="9D90A0"/>
       </a:accent6>
       <a:hlink>
-        <a:srgbClr val="0563C1"/>
+        <a:srgbClr val="9454C3"/>
       </a:hlink>
       <a:folHlink>
-        <a:srgbClr val="954F72"/>
+        <a:srgbClr val="3EBBF0"/>
       </a:folHlink>
     </a:clrScheme>
-    <a:fontScheme name="Office">
+    <a:fontScheme name="Faceta">
       <a:majorFont>
-        <a:latin typeface="Calibri Light" panose="020F0302020204030204"/>
+        <a:latin typeface="Trebuchet MS" panose="020B0603020202020204"/>
         <a:ea typeface=""/>
         <a:cs typeface=""/>
-        <a:font script="Jpan" typeface="游ゴシック Light"/>
+        <a:font script="Jpan" typeface="メイリオ"/>
         <a:font script="Hang" typeface="맑은 고딕"/>
-        <a:font script="Hans" typeface="等线 Light"/>
-        <a:font script="Hant" typeface="新細明體"/>
-        <a:font script="Arab" typeface="Times New Roman"/>
-        <a:font script="Hebr" typeface="Times New Roman"/>
-        <a:font script="Thai" typeface="Angsana New"/>
+        <a:font script="Hans" typeface="方正姚体"/>
+        <a:font script="Hant" typeface="微軟正黑體"/>
+        <a:font script="Arab" typeface="Tahoma"/>
+        <a:font script="Hebr" typeface="Arial"/>
+        <a:font script="Thai" typeface="Cordia New"/>
         <a:font script="Ethi" typeface="Nyala"/>
         <a:font script="Beng" typeface="Vrinda"/>
         <a:font script="Gujr" typeface="Shruti"/>
-        <a:font script="Khmr" typeface="MoolBoran"/>
+        <a:font script="Khmr" typeface="DaunPenh"/>
         <a:font script="Knda" typeface="Tunga"/>
         <a:font script="Guru" typeface="Raavi"/>
         <a:font script="Cans" typeface="Euphemia"/>
@@ -4147,38 +7037,21 @@
         <a:font script="Laoo" typeface="DokChampa"/>
         <a:font script="Sinh" typeface="Iskoola Pota"/>
         <a:font script="Mong" typeface="Mongolian Baiti"/>
-        <a:font script="Viet" typeface="Times New Roman"/>
+        <a:font script="Viet" typeface="Tahoma"/>
         <a:font script="Uigh" typeface="Microsoft Uighur"/>
         <a:font script="Geor" typeface="Sylfaen"/>
-        <a:font script="Armn" typeface="Arial"/>
-        <a:font script="Bugi" typeface="Leelawadee UI"/>
-        <a:font script="Bopo" typeface="Microsoft JhengHei"/>
-        <a:font script="Java" typeface="Javanese Text"/>
-        <a:font script="Lisu" typeface="Segoe UI"/>
-        <a:font script="Mymr" typeface="Myanmar Text"/>
-        <a:font script="Nkoo" typeface="Ebrima"/>
-        <a:font script="Olck" typeface="Nirmala UI"/>
-        <a:font script="Osma" typeface="Ebrima"/>
-        <a:font script="Phag" typeface="Phagspa"/>
-        <a:font script="Syrn" typeface="Estrangelo Edessa"/>
-        <a:font script="Syrj" typeface="Estrangelo Edessa"/>
-        <a:font script="Syre" typeface="Estrangelo Edessa"/>
-        <a:font script="Sora" typeface="Nirmala UI"/>
-        <a:font script="Tale" typeface="Microsoft Tai Le"/>
-        <a:font script="Talu" typeface="Microsoft New Tai Lue"/>
-        <a:font script="Tfng" typeface="Ebrima"/>
       </a:majorFont>
       <a:minorFont>
-        <a:latin typeface="Calibri" panose="020F0502020204030204"/>
+        <a:latin typeface="Trebuchet MS" panose="020B0603020202020204"/>
         <a:ea typeface=""/>
         <a:cs typeface=""/>
-        <a:font script="Jpan" typeface="游ゴシック"/>
-        <a:font script="Hang" typeface="맑은 고딕"/>
-        <a:font script="Hans" typeface="等线"/>
-        <a:font script="Hant" typeface="新細明體"/>
-        <a:font script="Arab" typeface="Arial"/>
-        <a:font script="Hebr" typeface="Arial"/>
-        <a:font script="Thai" typeface="Cordia New"/>
+        <a:font script="Jpan" typeface="メイリオ"/>
+        <a:font script="Hang" typeface="HY그래픽M"/>
+        <a:font script="Hans" typeface="华文新魏"/>
+        <a:font script="Hant" typeface="微軟正黑體"/>
+        <a:font script="Arab" typeface="Tahoma"/>
+        <a:font script="Hebr" typeface="Gisha"/>
+        <a:font script="Thai" typeface="IrisUPC"/>
         <a:font script="Ethi" typeface="Nyala"/>
         <a:font script="Beng" typeface="Vrinda"/>
         <a:font script="Gujr" typeface="Shruti"/>
@@ -4202,26 +7075,9 @@
         <a:font script="Viet" typeface="Arial"/>
         <a:font script="Uigh" typeface="Microsoft Uighur"/>
         <a:font script="Geor" typeface="Sylfaen"/>
-        <a:font script="Armn" typeface="Arial"/>
-        <a:font script="Bugi" typeface="Leelawadee UI"/>
-        <a:font script="Bopo" typeface="Microsoft JhengHei"/>
-        <a:font script="Java" typeface="Javanese Text"/>
-        <a:font script="Lisu" typeface="Segoe UI"/>
-        <a:font script="Mymr" typeface="Myanmar Text"/>
-        <a:font script="Nkoo" typeface="Ebrima"/>
-        <a:font script="Olck" typeface="Nirmala UI"/>
-        <a:font script="Osma" typeface="Ebrima"/>
-        <a:font script="Phag" typeface="Phagspa"/>
-        <a:font script="Syrn" typeface="Estrangelo Edessa"/>
-        <a:font script="Syrj" typeface="Estrangelo Edessa"/>
-        <a:font script="Syre" typeface="Estrangelo Edessa"/>
-        <a:font script="Sora" typeface="Nirmala UI"/>
-        <a:font script="Tale" typeface="Microsoft Tai Le"/>
-        <a:font script="Talu" typeface="Microsoft New Tai Lue"/>
-        <a:font script="Tfng" typeface="Ebrima"/>
       </a:minorFont>
     </a:fontScheme>
-    <a:fmtScheme name="Office">
+    <a:fmtScheme name="Faceta">
       <a:fillStyleLst>
         <a:solidFill>
           <a:schemeClr val="phClr"/>
@@ -4230,23 +7086,13 @@
           <a:gsLst>
             <a:gs pos="0">
               <a:schemeClr val="phClr">
+                <a:tint val="65000"/>
                 <a:lumMod val="110000"/>
-                <a:satMod val="105000"/>
-                <a:tint val="67000"/>
               </a:schemeClr>
             </a:gs>
-            <a:gs pos="50000">
+            <a:gs pos="88000">
               <a:schemeClr val="phClr">
-                <a:lumMod val="105000"/>
-                <a:satMod val="103000"/>
-                <a:tint val="73000"/>
-              </a:schemeClr>
-            </a:gs>
-            <a:gs pos="100000">
-              <a:schemeClr val="phClr">
-                <a:lumMod val="105000"/>
-                <a:satMod val="109000"/>
-                <a:tint val="81000"/>
+                <a:tint val="90000"/>
               </a:schemeClr>
             </a:gs>
           </a:gsLst>
@@ -4256,23 +7102,14 @@
           <a:gsLst>
             <a:gs pos="0">
               <a:schemeClr val="phClr">
-                <a:satMod val="103000"/>
-                <a:lumMod val="102000"/>
-                <a:tint val="94000"/>
+                <a:tint val="96000"/>
+                <a:lumMod val="100000"/>
               </a:schemeClr>
             </a:gs>
-            <a:gs pos="50000">
+            <a:gs pos="78000">
               <a:schemeClr val="phClr">
-                <a:satMod val="110000"/>
-                <a:lumMod val="100000"/>
-                <a:shade val="100000"/>
-              </a:schemeClr>
-            </a:gs>
-            <a:gs pos="100000">
-              <a:schemeClr val="phClr">
-                <a:lumMod val="99000"/>
-                <a:satMod val="120000"/>
-                <a:shade val="78000"/>
+                <a:shade val="94000"/>
+                <a:lumMod val="94000"/>
               </a:schemeClr>
             </a:gs>
           </a:gsLst>
@@ -4280,26 +7117,23 @@
         </a:gradFill>
       </a:fillStyleLst>
       <a:lnStyleLst>
-        <a:ln w="6350" cap="flat" cmpd="sng" algn="ctr">
+        <a:ln w="12700" cap="rnd" cmpd="sng" algn="ctr">
           <a:solidFill>
             <a:schemeClr val="phClr"/>
           </a:solidFill>
           <a:prstDash val="solid"/>
-          <a:miter lim="800000"/>
         </a:ln>
-        <a:ln w="12700" cap="flat" cmpd="sng" algn="ctr">
+        <a:ln w="19050" cap="rnd" cmpd="sng" algn="ctr">
           <a:solidFill>
             <a:schemeClr val="phClr"/>
           </a:solidFill>
           <a:prstDash val="solid"/>
-          <a:miter lim="800000"/>
         </a:ln>
-        <a:ln w="19050" cap="flat" cmpd="sng" algn="ctr">
+        <a:ln w="25400" cap="rnd" cmpd="sng" algn="ctr">
           <a:solidFill>
             <a:schemeClr val="phClr"/>
           </a:solidFill>
           <a:prstDash val="solid"/>
-          <a:miter lim="800000"/>
         </a:ln>
       </a:lnStyleLst>
       <a:effectStyleLst>
@@ -4307,54 +7141,72 @@
           <a:effectLst/>
         </a:effectStyle>
         <a:effectStyle>
-          <a:effectLst/>
+          <a:effectLst>
+            <a:outerShdw blurRad="38100" dist="25400" dir="5400000" rotWithShape="0">
+              <a:srgbClr val="000000">
+                <a:alpha val="35000"/>
+              </a:srgbClr>
+            </a:outerShdw>
+          </a:effectLst>
         </a:effectStyle>
         <a:effectStyle>
           <a:effectLst>
-            <a:outerShdw blurRad="57150" dist="19050" dir="5400000" algn="ctr" rotWithShape="0">
+            <a:outerShdw blurRad="50800" dist="38100" dir="5400000" rotWithShape="0">
               <a:srgbClr val="000000">
-                <a:alpha val="63000"/>
+                <a:alpha val="35000"/>
               </a:srgbClr>
             </a:outerShdw>
           </a:effectLst>
+          <a:scene3d>
+            <a:camera prst="orthographicFront">
+              <a:rot lat="0" lon="0" rev="0"/>
+            </a:camera>
+            <a:lightRig rig="threePt" dir="tl"/>
+          </a:scene3d>
+          <a:sp3d prstMaterial="plastic">
+            <a:bevelT w="0" h="0"/>
+          </a:sp3d>
         </a:effectStyle>
       </a:effectStyleLst>
       <a:bgFillStyleLst>
         <a:solidFill>
           <a:schemeClr val="phClr"/>
         </a:solidFill>
-        <a:solidFill>
-          <a:schemeClr val="phClr">
-            <a:tint val="95000"/>
-            <a:satMod val="170000"/>
-          </a:schemeClr>
-        </a:solidFill>
         <a:gradFill rotWithShape="1">
           <a:gsLst>
             <a:gs pos="0">
               <a:schemeClr val="phClr">
-                <a:tint val="93000"/>
-                <a:satMod val="150000"/>
-                <a:shade val="98000"/>
-                <a:lumMod val="102000"/>
+                <a:tint val="90000"/>
+                <a:lumMod val="104000"/>
               </a:schemeClr>
             </a:gs>
-            <a:gs pos="50000">
+            <a:gs pos="94000">
               <a:schemeClr val="phClr">
-                <a:tint val="98000"/>
-                <a:satMod val="130000"/>
-                <a:shade val="90000"/>
-                <a:lumMod val="103000"/>
+                <a:shade val="96000"/>
+                <a:lumMod val="82000"/>
+              </a:schemeClr>
+            </a:gs>
+          </a:gsLst>
+          <a:lin ang="5400000" scaled="0"/>
+        </a:gradFill>
+        <a:gradFill rotWithShape="1">
+          <a:gsLst>
+            <a:gs pos="0">
+              <a:schemeClr val="phClr">
+                <a:tint val="90000"/>
+                <a:lumMod val="110000"/>
               </a:schemeClr>
             </a:gs>
             <a:gs pos="100000">
               <a:schemeClr val="phClr">
-                <a:shade val="63000"/>
-                <a:satMod val="120000"/>
+                <a:shade val="94000"/>
+                <a:lumMod val="96000"/>
               </a:schemeClr>
             </a:gs>
           </a:gsLst>
-          <a:lin ang="5400000" scaled="0"/>
+          <a:path path="circle">
+            <a:fillToRect l="50000" t="50000" r="100000" b="100000"/>
+          </a:path>
         </a:gradFill>
       </a:bgFillStyleLst>
     </a:fmtScheme>
@@ -4363,7 +7215,7 @@
   <a:extraClrSchemeLst/>
   <a:extLst>
     <a:ext uri="{05A4C25C-085E-4340-85A3-A5531E510DB2}">
-      <thm15:themeFamily xmlns:thm15="http://schemas.microsoft.com/office/thememl/2012/main" name="Office Theme" id="{62F939B6-93AF-4DB8-9C6B-D6C7DFDC589F}" vid="{4A3C46E8-61CC-4603-A589-7422A47A8E4A}"/>
+      <thm15:themeFamily xmlns:thm15="http://schemas.microsoft.com/office/thememl/2012/main" name="Facet" id="{C0C680CD-088A-49FC-A102-D699147F32B2}" vid="{8C59B386-999D-4CB6-B907-9F3997C027CC}"/>
     </a:ext>
   </a:extLst>
 </a:theme>
